--- a/structure_minisite.pptx
+++ b/structure_minisite.pptx
@@ -4,9 +4,14 @@
   <p:sldMasterIdLst>
     <p:sldMasterId id="2147483684" r:id="rId1"/>
   </p:sldMasterIdLst>
+  <p:notesMasterIdLst>
+    <p:notesMasterId r:id="rId6"/>
+  </p:notesMasterIdLst>
   <p:sldIdLst>
     <p:sldId id="256" r:id="rId2"/>
-    <p:sldId id="257" r:id="rId3"/>
+    <p:sldId id="258" r:id="rId3"/>
+    <p:sldId id="259" r:id="rId4"/>
+    <p:sldId id="260" r:id="rId5"/>
   </p:sldIdLst>
   <p:sldSz cx="6858000" cy="9906000" type="A4"/>
   <p:notesSz cx="6858000" cy="9144000"/>
@@ -105,7 +110,3800 @@
       </a:defRPr>
     </a:lvl9pPr>
   </p:defaultTextStyle>
+  <p:extLst>
+    <p:ext uri="{EFAFB233-063F-42B5-8137-9DF3F51BA10A}">
+      <p15:sldGuideLst xmlns:p15="http://schemas.microsoft.com/office/powerpoint/2012/main"/>
+    </p:ext>
+  </p:extLst>
 </p:presentation>
+</file>
+
+<file path=ppt/diagrams/colors1.xml><?xml version="1.0" encoding="utf-8"?>
+<dgm:colorsDef xmlns:dgm="http://schemas.openxmlformats.org/drawingml/2006/diagram" xmlns:a="http://schemas.openxmlformats.org/drawingml/2006/main" uniqueId="urn:microsoft.com/office/officeart/2005/8/colors/accent1_2">
+  <dgm:title val=""/>
+  <dgm:desc val=""/>
+  <dgm:catLst>
+    <dgm:cat type="accent1" pri="11200"/>
+  </dgm:catLst>
+  <dgm:styleLbl name="node0">
+    <dgm:fillClrLst meth="repeat">
+      <a:schemeClr val="accent1"/>
+    </dgm:fillClrLst>
+    <dgm:linClrLst meth="repeat">
+      <a:schemeClr val="lt1"/>
+    </dgm:linClrLst>
+    <dgm:effectClrLst/>
+    <dgm:txLinClrLst/>
+    <dgm:txFillClrLst/>
+    <dgm:txEffectClrLst/>
+  </dgm:styleLbl>
+  <dgm:styleLbl name="alignNode1">
+    <dgm:fillClrLst meth="repeat">
+      <a:schemeClr val="accent1"/>
+    </dgm:fillClrLst>
+    <dgm:linClrLst meth="repeat">
+      <a:schemeClr val="accent1"/>
+    </dgm:linClrLst>
+    <dgm:effectClrLst/>
+    <dgm:txLinClrLst/>
+    <dgm:txFillClrLst/>
+    <dgm:txEffectClrLst/>
+  </dgm:styleLbl>
+  <dgm:styleLbl name="node1">
+    <dgm:fillClrLst meth="repeat">
+      <a:schemeClr val="accent1"/>
+    </dgm:fillClrLst>
+    <dgm:linClrLst meth="repeat">
+      <a:schemeClr val="lt1"/>
+    </dgm:linClrLst>
+    <dgm:effectClrLst/>
+    <dgm:txLinClrLst/>
+    <dgm:txFillClrLst/>
+    <dgm:txEffectClrLst/>
+  </dgm:styleLbl>
+  <dgm:styleLbl name="lnNode1">
+    <dgm:fillClrLst meth="repeat">
+      <a:schemeClr val="accent1"/>
+    </dgm:fillClrLst>
+    <dgm:linClrLst meth="repeat">
+      <a:schemeClr val="lt1"/>
+    </dgm:linClrLst>
+    <dgm:effectClrLst/>
+    <dgm:txLinClrLst/>
+    <dgm:txFillClrLst/>
+    <dgm:txEffectClrLst/>
+  </dgm:styleLbl>
+  <dgm:styleLbl name="vennNode1">
+    <dgm:fillClrLst meth="repeat">
+      <a:schemeClr val="accent1">
+        <a:alpha val="50000"/>
+      </a:schemeClr>
+    </dgm:fillClrLst>
+    <dgm:linClrLst meth="repeat">
+      <a:schemeClr val="lt1"/>
+    </dgm:linClrLst>
+    <dgm:effectClrLst/>
+    <dgm:txLinClrLst/>
+    <dgm:txFillClrLst/>
+    <dgm:txEffectClrLst/>
+  </dgm:styleLbl>
+  <dgm:styleLbl name="node2">
+    <dgm:fillClrLst meth="repeat">
+      <a:schemeClr val="accent1"/>
+    </dgm:fillClrLst>
+    <dgm:linClrLst meth="repeat">
+      <a:schemeClr val="lt1"/>
+    </dgm:linClrLst>
+    <dgm:effectClrLst/>
+    <dgm:txLinClrLst/>
+    <dgm:txFillClrLst/>
+    <dgm:txEffectClrLst/>
+  </dgm:styleLbl>
+  <dgm:styleLbl name="node3">
+    <dgm:fillClrLst meth="repeat">
+      <a:schemeClr val="accent1"/>
+    </dgm:fillClrLst>
+    <dgm:linClrLst meth="repeat">
+      <a:schemeClr val="lt1"/>
+    </dgm:linClrLst>
+    <dgm:effectClrLst/>
+    <dgm:txLinClrLst/>
+    <dgm:txFillClrLst/>
+    <dgm:txEffectClrLst/>
+  </dgm:styleLbl>
+  <dgm:styleLbl name="node4">
+    <dgm:fillClrLst meth="repeat">
+      <a:schemeClr val="accent1"/>
+    </dgm:fillClrLst>
+    <dgm:linClrLst meth="repeat">
+      <a:schemeClr val="lt1"/>
+    </dgm:linClrLst>
+    <dgm:effectClrLst/>
+    <dgm:txLinClrLst/>
+    <dgm:txFillClrLst/>
+    <dgm:txEffectClrLst/>
+  </dgm:styleLbl>
+  <dgm:styleLbl name="fgImgPlace1">
+    <dgm:fillClrLst meth="repeat">
+      <a:schemeClr val="accent1">
+        <a:tint val="50000"/>
+      </a:schemeClr>
+    </dgm:fillClrLst>
+    <dgm:linClrLst meth="repeat">
+      <a:schemeClr val="lt1"/>
+    </dgm:linClrLst>
+    <dgm:effectClrLst/>
+    <dgm:txLinClrLst/>
+    <dgm:txFillClrLst meth="repeat">
+      <a:schemeClr val="lt1"/>
+    </dgm:txFillClrLst>
+    <dgm:txEffectClrLst/>
+  </dgm:styleLbl>
+  <dgm:styleLbl name="alignImgPlace1">
+    <dgm:fillClrLst meth="repeat">
+      <a:schemeClr val="accent1">
+        <a:tint val="50000"/>
+      </a:schemeClr>
+    </dgm:fillClrLst>
+    <dgm:linClrLst meth="repeat">
+      <a:schemeClr val="lt1"/>
+    </dgm:linClrLst>
+    <dgm:effectClrLst/>
+    <dgm:txLinClrLst/>
+    <dgm:txFillClrLst meth="repeat">
+      <a:schemeClr val="lt1"/>
+    </dgm:txFillClrLst>
+    <dgm:txEffectClrLst/>
+  </dgm:styleLbl>
+  <dgm:styleLbl name="bgImgPlace1">
+    <dgm:fillClrLst meth="repeat">
+      <a:schemeClr val="accent1">
+        <a:tint val="50000"/>
+      </a:schemeClr>
+    </dgm:fillClrLst>
+    <dgm:linClrLst meth="repeat">
+      <a:schemeClr val="lt1"/>
+    </dgm:linClrLst>
+    <dgm:effectClrLst/>
+    <dgm:txLinClrLst/>
+    <dgm:txFillClrLst meth="repeat">
+      <a:schemeClr val="lt1"/>
+    </dgm:txFillClrLst>
+    <dgm:txEffectClrLst/>
+  </dgm:styleLbl>
+  <dgm:styleLbl name="sibTrans2D1">
+    <dgm:fillClrLst meth="repeat">
+      <a:schemeClr val="accent1">
+        <a:tint val="60000"/>
+      </a:schemeClr>
+    </dgm:fillClrLst>
+    <dgm:linClrLst meth="repeat">
+      <a:schemeClr val="accent1">
+        <a:tint val="60000"/>
+      </a:schemeClr>
+    </dgm:linClrLst>
+    <dgm:effectClrLst/>
+    <dgm:txLinClrLst/>
+    <dgm:txFillClrLst/>
+    <dgm:txEffectClrLst/>
+  </dgm:styleLbl>
+  <dgm:styleLbl name="fgSibTrans2D1">
+    <dgm:fillClrLst meth="repeat">
+      <a:schemeClr val="accent1">
+        <a:tint val="60000"/>
+      </a:schemeClr>
+    </dgm:fillClrLst>
+    <dgm:linClrLst meth="repeat">
+      <a:schemeClr val="accent1">
+        <a:tint val="60000"/>
+      </a:schemeClr>
+    </dgm:linClrLst>
+    <dgm:effectClrLst/>
+    <dgm:txLinClrLst/>
+    <dgm:txFillClrLst/>
+    <dgm:txEffectClrLst/>
+  </dgm:styleLbl>
+  <dgm:styleLbl name="bgSibTrans2D1">
+    <dgm:fillClrLst meth="repeat">
+      <a:schemeClr val="accent1">
+        <a:tint val="60000"/>
+      </a:schemeClr>
+    </dgm:fillClrLst>
+    <dgm:linClrLst meth="repeat">
+      <a:schemeClr val="accent1">
+        <a:tint val="60000"/>
+      </a:schemeClr>
+    </dgm:linClrLst>
+    <dgm:effectClrLst/>
+    <dgm:txLinClrLst/>
+    <dgm:txFillClrLst/>
+    <dgm:txEffectClrLst/>
+  </dgm:styleLbl>
+  <dgm:styleLbl name="sibTrans1D1">
+    <dgm:fillClrLst meth="repeat">
+      <a:schemeClr val="accent1"/>
+    </dgm:fillClrLst>
+    <dgm:linClrLst meth="repeat">
+      <a:schemeClr val="accent1"/>
+    </dgm:linClrLst>
+    <dgm:effectClrLst/>
+    <dgm:txLinClrLst/>
+    <dgm:txFillClrLst meth="repeat">
+      <a:schemeClr val="tx1"/>
+    </dgm:txFillClrLst>
+    <dgm:txEffectClrLst/>
+  </dgm:styleLbl>
+  <dgm:styleLbl name="callout">
+    <dgm:fillClrLst meth="repeat">
+      <a:schemeClr val="accent1"/>
+    </dgm:fillClrLst>
+    <dgm:linClrLst meth="repeat">
+      <a:schemeClr val="accent1">
+        <a:tint val="50000"/>
+      </a:schemeClr>
+    </dgm:linClrLst>
+    <dgm:effectClrLst/>
+    <dgm:txLinClrLst/>
+    <dgm:txFillClrLst meth="repeat">
+      <a:schemeClr val="tx1"/>
+    </dgm:txFillClrLst>
+    <dgm:txEffectClrLst/>
+  </dgm:styleLbl>
+  <dgm:styleLbl name="asst0">
+    <dgm:fillClrLst meth="repeat">
+      <a:schemeClr val="accent1"/>
+    </dgm:fillClrLst>
+    <dgm:linClrLst meth="repeat">
+      <a:schemeClr val="lt1"/>
+    </dgm:linClrLst>
+    <dgm:effectClrLst/>
+    <dgm:txLinClrLst/>
+    <dgm:txFillClrLst/>
+    <dgm:txEffectClrLst/>
+  </dgm:styleLbl>
+  <dgm:styleLbl name="asst1">
+    <dgm:fillClrLst meth="repeat">
+      <a:schemeClr val="accent1"/>
+    </dgm:fillClrLst>
+    <dgm:linClrLst meth="repeat">
+      <a:schemeClr val="lt1"/>
+    </dgm:linClrLst>
+    <dgm:effectClrLst/>
+    <dgm:txLinClrLst/>
+    <dgm:txFillClrLst/>
+    <dgm:txEffectClrLst/>
+  </dgm:styleLbl>
+  <dgm:styleLbl name="asst2">
+    <dgm:fillClrLst meth="repeat">
+      <a:schemeClr val="accent1"/>
+    </dgm:fillClrLst>
+    <dgm:linClrLst meth="repeat">
+      <a:schemeClr val="lt1"/>
+    </dgm:linClrLst>
+    <dgm:effectClrLst/>
+    <dgm:txLinClrLst/>
+    <dgm:txFillClrLst/>
+    <dgm:txEffectClrLst/>
+  </dgm:styleLbl>
+  <dgm:styleLbl name="asst3">
+    <dgm:fillClrLst meth="repeat">
+      <a:schemeClr val="accent1"/>
+    </dgm:fillClrLst>
+    <dgm:linClrLst meth="repeat">
+      <a:schemeClr val="lt1"/>
+    </dgm:linClrLst>
+    <dgm:effectClrLst/>
+    <dgm:txLinClrLst/>
+    <dgm:txFillClrLst/>
+    <dgm:txEffectClrLst/>
+  </dgm:styleLbl>
+  <dgm:styleLbl name="asst4">
+    <dgm:fillClrLst meth="repeat">
+      <a:schemeClr val="accent1"/>
+    </dgm:fillClrLst>
+    <dgm:linClrLst meth="repeat">
+      <a:schemeClr val="lt1"/>
+    </dgm:linClrLst>
+    <dgm:effectClrLst/>
+    <dgm:txLinClrLst/>
+    <dgm:txFillClrLst/>
+    <dgm:txEffectClrLst/>
+  </dgm:styleLbl>
+  <dgm:styleLbl name="parChTrans2D1">
+    <dgm:fillClrLst meth="repeat">
+      <a:schemeClr val="accent1">
+        <a:tint val="60000"/>
+      </a:schemeClr>
+    </dgm:fillClrLst>
+    <dgm:linClrLst meth="repeat">
+      <a:schemeClr val="accent1">
+        <a:tint val="60000"/>
+      </a:schemeClr>
+    </dgm:linClrLst>
+    <dgm:effectClrLst/>
+    <dgm:txLinClrLst/>
+    <dgm:txFillClrLst meth="repeat">
+      <a:schemeClr val="lt1"/>
+    </dgm:txFillClrLst>
+    <dgm:txEffectClrLst/>
+  </dgm:styleLbl>
+  <dgm:styleLbl name="parChTrans2D2">
+    <dgm:fillClrLst meth="repeat">
+      <a:schemeClr val="accent1"/>
+    </dgm:fillClrLst>
+    <dgm:linClrLst meth="repeat">
+      <a:schemeClr val="accent1"/>
+    </dgm:linClrLst>
+    <dgm:effectClrLst/>
+    <dgm:txLinClrLst/>
+    <dgm:txFillClrLst meth="repeat">
+      <a:schemeClr val="lt1"/>
+    </dgm:txFillClrLst>
+    <dgm:txEffectClrLst/>
+  </dgm:styleLbl>
+  <dgm:styleLbl name="parChTrans2D3">
+    <dgm:fillClrLst meth="repeat">
+      <a:schemeClr val="accent1"/>
+    </dgm:fillClrLst>
+    <dgm:linClrLst meth="repeat">
+      <a:schemeClr val="accent1"/>
+    </dgm:linClrLst>
+    <dgm:effectClrLst/>
+    <dgm:txLinClrLst/>
+    <dgm:txFillClrLst meth="repeat">
+      <a:schemeClr val="lt1"/>
+    </dgm:txFillClrLst>
+    <dgm:txEffectClrLst/>
+  </dgm:styleLbl>
+  <dgm:styleLbl name="parChTrans2D4">
+    <dgm:fillClrLst meth="repeat">
+      <a:schemeClr val="accent1"/>
+    </dgm:fillClrLst>
+    <dgm:linClrLst meth="repeat">
+      <a:schemeClr val="accent1"/>
+    </dgm:linClrLst>
+    <dgm:effectClrLst/>
+    <dgm:txLinClrLst/>
+    <dgm:txFillClrLst meth="repeat">
+      <a:schemeClr val="lt1"/>
+    </dgm:txFillClrLst>
+    <dgm:txEffectClrLst/>
+  </dgm:styleLbl>
+  <dgm:styleLbl name="parChTrans1D1">
+    <dgm:fillClrLst meth="repeat">
+      <a:schemeClr val="accent1"/>
+    </dgm:fillClrLst>
+    <dgm:linClrLst meth="repeat">
+      <a:schemeClr val="accent1">
+        <a:shade val="60000"/>
+      </a:schemeClr>
+    </dgm:linClrLst>
+    <dgm:effectClrLst/>
+    <dgm:txLinClrLst/>
+    <dgm:txFillClrLst meth="repeat">
+      <a:schemeClr val="tx1"/>
+    </dgm:txFillClrLst>
+    <dgm:txEffectClrLst/>
+  </dgm:styleLbl>
+  <dgm:styleLbl name="parChTrans1D2">
+    <dgm:fillClrLst meth="repeat">
+      <a:schemeClr val="accent1"/>
+    </dgm:fillClrLst>
+    <dgm:linClrLst meth="repeat">
+      <a:schemeClr val="accent1">
+        <a:shade val="60000"/>
+      </a:schemeClr>
+    </dgm:linClrLst>
+    <dgm:effectClrLst/>
+    <dgm:txLinClrLst/>
+    <dgm:txFillClrLst meth="repeat">
+      <a:schemeClr val="tx1"/>
+    </dgm:txFillClrLst>
+    <dgm:txEffectClrLst/>
+  </dgm:styleLbl>
+  <dgm:styleLbl name="parChTrans1D3">
+    <dgm:fillClrLst meth="repeat">
+      <a:schemeClr val="accent1"/>
+    </dgm:fillClrLst>
+    <dgm:linClrLst meth="repeat">
+      <a:schemeClr val="accent1">
+        <a:shade val="80000"/>
+      </a:schemeClr>
+    </dgm:linClrLst>
+    <dgm:effectClrLst/>
+    <dgm:txLinClrLst/>
+    <dgm:txFillClrLst meth="repeat">
+      <a:schemeClr val="tx1"/>
+    </dgm:txFillClrLst>
+    <dgm:txEffectClrLst/>
+  </dgm:styleLbl>
+  <dgm:styleLbl name="parChTrans1D4">
+    <dgm:fillClrLst meth="repeat">
+      <a:schemeClr val="accent1"/>
+    </dgm:fillClrLst>
+    <dgm:linClrLst meth="repeat">
+      <a:schemeClr val="accent1">
+        <a:shade val="80000"/>
+      </a:schemeClr>
+    </dgm:linClrLst>
+    <dgm:effectClrLst/>
+    <dgm:txLinClrLst/>
+    <dgm:txFillClrLst meth="repeat">
+      <a:schemeClr val="tx1"/>
+    </dgm:txFillClrLst>
+    <dgm:txEffectClrLst/>
+  </dgm:styleLbl>
+  <dgm:styleLbl name="fgAcc1">
+    <dgm:fillClrLst meth="repeat">
+      <a:schemeClr val="lt1">
+        <a:alpha val="90000"/>
+      </a:schemeClr>
+    </dgm:fillClrLst>
+    <dgm:linClrLst meth="repeat">
+      <a:schemeClr val="accent1"/>
+    </dgm:linClrLst>
+    <dgm:effectClrLst/>
+    <dgm:txLinClrLst/>
+    <dgm:txFillClrLst meth="repeat">
+      <a:schemeClr val="dk1"/>
+    </dgm:txFillClrLst>
+    <dgm:txEffectClrLst/>
+  </dgm:styleLbl>
+  <dgm:styleLbl name="conFgAcc1">
+    <dgm:fillClrLst meth="repeat">
+      <a:schemeClr val="lt1">
+        <a:alpha val="90000"/>
+      </a:schemeClr>
+    </dgm:fillClrLst>
+    <dgm:linClrLst meth="repeat">
+      <a:schemeClr val="accent1"/>
+    </dgm:linClrLst>
+    <dgm:effectClrLst/>
+    <dgm:txLinClrLst/>
+    <dgm:txFillClrLst meth="repeat">
+      <a:schemeClr val="dk1"/>
+    </dgm:txFillClrLst>
+    <dgm:txEffectClrLst/>
+  </dgm:styleLbl>
+  <dgm:styleLbl name="alignAcc1">
+    <dgm:fillClrLst meth="repeat">
+      <a:schemeClr val="lt1">
+        <a:alpha val="90000"/>
+      </a:schemeClr>
+    </dgm:fillClrLst>
+    <dgm:linClrLst meth="repeat">
+      <a:schemeClr val="accent1"/>
+    </dgm:linClrLst>
+    <dgm:effectClrLst/>
+    <dgm:txLinClrLst/>
+    <dgm:txFillClrLst meth="repeat">
+      <a:schemeClr val="dk1"/>
+    </dgm:txFillClrLst>
+    <dgm:txEffectClrLst/>
+  </dgm:styleLbl>
+  <dgm:styleLbl name="trAlignAcc1">
+    <dgm:fillClrLst meth="repeat">
+      <a:schemeClr val="lt1">
+        <a:alpha val="40000"/>
+      </a:schemeClr>
+    </dgm:fillClrLst>
+    <dgm:linClrLst meth="repeat">
+      <a:schemeClr val="accent1"/>
+    </dgm:linClrLst>
+    <dgm:effectClrLst/>
+    <dgm:txLinClrLst/>
+    <dgm:txFillClrLst meth="repeat">
+      <a:schemeClr val="dk1"/>
+    </dgm:txFillClrLst>
+    <dgm:txEffectClrLst/>
+  </dgm:styleLbl>
+  <dgm:styleLbl name="bgAcc1">
+    <dgm:fillClrLst meth="repeat">
+      <a:schemeClr val="lt1">
+        <a:alpha val="90000"/>
+      </a:schemeClr>
+    </dgm:fillClrLst>
+    <dgm:linClrLst meth="repeat">
+      <a:schemeClr val="accent1"/>
+    </dgm:linClrLst>
+    <dgm:effectClrLst/>
+    <dgm:txLinClrLst/>
+    <dgm:txFillClrLst meth="repeat">
+      <a:schemeClr val="dk1"/>
+    </dgm:txFillClrLst>
+    <dgm:txEffectClrLst/>
+  </dgm:styleLbl>
+  <dgm:styleLbl name="solidFgAcc1">
+    <dgm:fillClrLst meth="repeat">
+      <a:schemeClr val="lt1"/>
+    </dgm:fillClrLst>
+    <dgm:linClrLst meth="repeat">
+      <a:schemeClr val="accent1"/>
+    </dgm:linClrLst>
+    <dgm:effectClrLst/>
+    <dgm:txLinClrLst/>
+    <dgm:txFillClrLst meth="repeat">
+      <a:schemeClr val="dk1"/>
+    </dgm:txFillClrLst>
+    <dgm:txEffectClrLst/>
+  </dgm:styleLbl>
+  <dgm:styleLbl name="solidAlignAcc1">
+    <dgm:fillClrLst meth="repeat">
+      <a:schemeClr val="lt1"/>
+    </dgm:fillClrLst>
+    <dgm:linClrLst meth="repeat">
+      <a:schemeClr val="accent1"/>
+    </dgm:linClrLst>
+    <dgm:effectClrLst/>
+    <dgm:txLinClrLst/>
+    <dgm:txFillClrLst meth="repeat">
+      <a:schemeClr val="dk1"/>
+    </dgm:txFillClrLst>
+    <dgm:txEffectClrLst/>
+  </dgm:styleLbl>
+  <dgm:styleLbl name="solidBgAcc1">
+    <dgm:fillClrLst meth="repeat">
+      <a:schemeClr val="lt1"/>
+    </dgm:fillClrLst>
+    <dgm:linClrLst meth="repeat">
+      <a:schemeClr val="accent1"/>
+    </dgm:linClrLst>
+    <dgm:effectClrLst/>
+    <dgm:txLinClrLst/>
+    <dgm:txFillClrLst meth="repeat">
+      <a:schemeClr val="dk1"/>
+    </dgm:txFillClrLst>
+    <dgm:txEffectClrLst/>
+  </dgm:styleLbl>
+  <dgm:styleLbl name="fgAccFollowNode1">
+    <dgm:fillClrLst meth="repeat">
+      <a:schemeClr val="accent1">
+        <a:alpha val="90000"/>
+        <a:tint val="40000"/>
+      </a:schemeClr>
+    </dgm:fillClrLst>
+    <dgm:linClrLst meth="repeat">
+      <a:schemeClr val="accent1">
+        <a:alpha val="90000"/>
+        <a:tint val="40000"/>
+      </a:schemeClr>
+    </dgm:linClrLst>
+    <dgm:effectClrLst/>
+    <dgm:txLinClrLst/>
+    <dgm:txFillClrLst meth="repeat">
+      <a:schemeClr val="dk1"/>
+    </dgm:txFillClrLst>
+    <dgm:txEffectClrLst/>
+  </dgm:styleLbl>
+  <dgm:styleLbl name="alignAccFollowNode1">
+    <dgm:fillClrLst meth="repeat">
+      <a:schemeClr val="accent1">
+        <a:alpha val="90000"/>
+        <a:tint val="40000"/>
+      </a:schemeClr>
+    </dgm:fillClrLst>
+    <dgm:linClrLst meth="repeat">
+      <a:schemeClr val="accent1">
+        <a:alpha val="90000"/>
+        <a:tint val="40000"/>
+      </a:schemeClr>
+    </dgm:linClrLst>
+    <dgm:effectClrLst/>
+    <dgm:txLinClrLst/>
+    <dgm:txFillClrLst meth="repeat">
+      <a:schemeClr val="dk1"/>
+    </dgm:txFillClrLst>
+    <dgm:txEffectClrLst/>
+  </dgm:styleLbl>
+  <dgm:styleLbl name="bgAccFollowNode1">
+    <dgm:fillClrLst meth="repeat">
+      <a:schemeClr val="accent1">
+        <a:alpha val="90000"/>
+        <a:tint val="40000"/>
+      </a:schemeClr>
+    </dgm:fillClrLst>
+    <dgm:linClrLst meth="repeat">
+      <a:schemeClr val="accent1">
+        <a:alpha val="90000"/>
+        <a:tint val="40000"/>
+      </a:schemeClr>
+    </dgm:linClrLst>
+    <dgm:effectClrLst/>
+    <dgm:txLinClrLst/>
+    <dgm:txFillClrLst meth="repeat">
+      <a:schemeClr val="dk1"/>
+    </dgm:txFillClrLst>
+    <dgm:txEffectClrLst/>
+  </dgm:styleLbl>
+  <dgm:styleLbl name="fgAcc0">
+    <dgm:fillClrLst meth="repeat">
+      <a:schemeClr val="lt1">
+        <a:alpha val="90000"/>
+      </a:schemeClr>
+    </dgm:fillClrLst>
+    <dgm:linClrLst meth="repeat">
+      <a:schemeClr val="accent1"/>
+    </dgm:linClrLst>
+    <dgm:effectClrLst/>
+    <dgm:txLinClrLst/>
+    <dgm:txFillClrLst meth="repeat">
+      <a:schemeClr val="dk1"/>
+    </dgm:txFillClrLst>
+    <dgm:txEffectClrLst/>
+  </dgm:styleLbl>
+  <dgm:styleLbl name="fgAcc2">
+    <dgm:fillClrLst meth="repeat">
+      <a:schemeClr val="lt1">
+        <a:alpha val="90000"/>
+      </a:schemeClr>
+    </dgm:fillClrLst>
+    <dgm:linClrLst meth="repeat">
+      <a:schemeClr val="accent1"/>
+    </dgm:linClrLst>
+    <dgm:effectClrLst/>
+    <dgm:txLinClrLst/>
+    <dgm:txFillClrLst meth="repeat">
+      <a:schemeClr val="dk1"/>
+    </dgm:txFillClrLst>
+    <dgm:txEffectClrLst/>
+  </dgm:styleLbl>
+  <dgm:styleLbl name="fgAcc3">
+    <dgm:fillClrLst meth="repeat">
+      <a:schemeClr val="lt1">
+        <a:alpha val="90000"/>
+      </a:schemeClr>
+    </dgm:fillClrLst>
+    <dgm:linClrLst meth="repeat">
+      <a:schemeClr val="accent1"/>
+    </dgm:linClrLst>
+    <dgm:effectClrLst/>
+    <dgm:txLinClrLst/>
+    <dgm:txFillClrLst meth="repeat">
+      <a:schemeClr val="dk1"/>
+    </dgm:txFillClrLst>
+    <dgm:txEffectClrLst/>
+  </dgm:styleLbl>
+  <dgm:styleLbl name="fgAcc4">
+    <dgm:fillClrLst meth="repeat">
+      <a:schemeClr val="lt1">
+        <a:alpha val="90000"/>
+      </a:schemeClr>
+    </dgm:fillClrLst>
+    <dgm:linClrLst meth="repeat">
+      <a:schemeClr val="accent1"/>
+    </dgm:linClrLst>
+    <dgm:effectClrLst/>
+    <dgm:txLinClrLst/>
+    <dgm:txFillClrLst meth="repeat">
+      <a:schemeClr val="dk1"/>
+    </dgm:txFillClrLst>
+    <dgm:txEffectClrLst/>
+  </dgm:styleLbl>
+  <dgm:styleLbl name="bgShp">
+    <dgm:fillClrLst meth="repeat">
+      <a:schemeClr val="accent1">
+        <a:tint val="40000"/>
+      </a:schemeClr>
+    </dgm:fillClrLst>
+    <dgm:linClrLst meth="repeat">
+      <a:schemeClr val="accent1"/>
+    </dgm:linClrLst>
+    <dgm:effectClrLst/>
+    <dgm:txLinClrLst/>
+    <dgm:txFillClrLst meth="repeat">
+      <a:schemeClr val="dk1"/>
+    </dgm:txFillClrLst>
+    <dgm:txEffectClrLst/>
+  </dgm:styleLbl>
+  <dgm:styleLbl name="dkBgShp">
+    <dgm:fillClrLst meth="repeat">
+      <a:schemeClr val="accent1">
+        <a:shade val="80000"/>
+      </a:schemeClr>
+    </dgm:fillClrLst>
+    <dgm:linClrLst meth="repeat">
+      <a:schemeClr val="accent1"/>
+    </dgm:linClrLst>
+    <dgm:effectClrLst/>
+    <dgm:txLinClrLst/>
+    <dgm:txFillClrLst meth="repeat">
+      <a:schemeClr val="lt1"/>
+    </dgm:txFillClrLst>
+    <dgm:txEffectClrLst/>
+  </dgm:styleLbl>
+  <dgm:styleLbl name="trBgShp">
+    <dgm:fillClrLst meth="repeat">
+      <a:schemeClr val="accent1">
+        <a:tint val="50000"/>
+        <a:alpha val="40000"/>
+      </a:schemeClr>
+    </dgm:fillClrLst>
+    <dgm:linClrLst meth="repeat">
+      <a:schemeClr val="accent1"/>
+    </dgm:linClrLst>
+    <dgm:effectClrLst/>
+    <dgm:txLinClrLst/>
+    <dgm:txFillClrLst meth="repeat">
+      <a:schemeClr val="lt1"/>
+    </dgm:txFillClrLst>
+    <dgm:txEffectClrLst/>
+  </dgm:styleLbl>
+  <dgm:styleLbl name="fgShp">
+    <dgm:fillClrLst meth="repeat">
+      <a:schemeClr val="accent1">
+        <a:tint val="60000"/>
+      </a:schemeClr>
+    </dgm:fillClrLst>
+    <dgm:linClrLst meth="repeat">
+      <a:schemeClr val="lt1"/>
+    </dgm:linClrLst>
+    <dgm:effectClrLst/>
+    <dgm:txLinClrLst/>
+    <dgm:txFillClrLst meth="repeat">
+      <a:schemeClr val="dk1"/>
+    </dgm:txFillClrLst>
+    <dgm:txEffectClrLst/>
+  </dgm:styleLbl>
+  <dgm:styleLbl name="revTx">
+    <dgm:fillClrLst meth="repeat">
+      <a:schemeClr val="lt1">
+        <a:alpha val="0"/>
+      </a:schemeClr>
+    </dgm:fillClrLst>
+    <dgm:linClrLst meth="repeat">
+      <a:schemeClr val="dk1">
+        <a:alpha val="0"/>
+      </a:schemeClr>
+    </dgm:linClrLst>
+    <dgm:effectClrLst/>
+    <dgm:txLinClrLst/>
+    <dgm:txFillClrLst meth="repeat">
+      <a:schemeClr val="tx1"/>
+    </dgm:txFillClrLst>
+    <dgm:txEffectClrLst/>
+  </dgm:styleLbl>
+</dgm:colorsDef>
+</file>
+
+<file path=ppt/diagrams/data1.xml><?xml version="1.0" encoding="utf-8"?>
+<dgm:dataModel xmlns:dgm="http://schemas.openxmlformats.org/drawingml/2006/diagram" xmlns:a="http://schemas.openxmlformats.org/drawingml/2006/main">
+  <dgm:ptLst>
+    <dgm:pt modelId="{82F52ADC-57B8-472B-8654-989DA68ED066}" type="doc">
+      <dgm:prSet loTypeId="urn:microsoft.com/office/officeart/2008/layout/AlternatingHexagons" loCatId="list" qsTypeId="urn:microsoft.com/office/officeart/2005/8/quickstyle/simple1" qsCatId="simple" csTypeId="urn:microsoft.com/office/officeart/2005/8/colors/accent1_2" csCatId="accent1" phldr="1"/>
+      <dgm:spPr/>
+      <dgm:t>
+        <a:bodyPr/>
+        <a:lstStyle/>
+        <a:p>
+          <a:endParaRPr lang="fr-FR"/>
+        </a:p>
+      </dgm:t>
+    </dgm:pt>
+    <dgm:pt modelId="{9B661658-1732-43CA-8D22-7A5E451EC2EB}">
+      <dgm:prSet phldrT="[Texte]"/>
+      <dgm:spPr/>
+      <dgm:t>
+        <a:bodyPr/>
+        <a:lstStyle/>
+        <a:p>
+          <a:r>
+            <a:rPr lang="fr-FR" dirty="0" err="1"/>
+            <a:t>Followers</a:t>
+          </a:r>
+          <a:r>
+            <a:rPr lang="fr-FR" dirty="0"/>
+            <a:t> Twitter</a:t>
+          </a:r>
+        </a:p>
+      </dgm:t>
+    </dgm:pt>
+    <dgm:pt modelId="{5A675FE6-D0B6-4799-A1BB-932BF8E4C31A}" type="parTrans" cxnId="{344CB958-5627-4C29-BFBC-4C45D8E2C372}">
+      <dgm:prSet/>
+      <dgm:spPr/>
+      <dgm:t>
+        <a:bodyPr/>
+        <a:lstStyle/>
+        <a:p>
+          <a:endParaRPr lang="fr-FR"/>
+        </a:p>
+      </dgm:t>
+    </dgm:pt>
+    <dgm:pt modelId="{F0E68395-6D0A-4DEF-8383-85564E6988CF}" type="sibTrans" cxnId="{344CB958-5627-4C29-BFBC-4C45D8E2C372}">
+      <dgm:prSet/>
+      <dgm:spPr/>
+      <dgm:t>
+        <a:bodyPr/>
+        <a:lstStyle/>
+        <a:p>
+          <a:endParaRPr lang="fr-FR"/>
+        </a:p>
+      </dgm:t>
+    </dgm:pt>
+    <dgm:pt modelId="{5BF13658-789E-4DCF-880B-9B3BD6FDECCE}">
+      <dgm:prSet phldrT="[Texte]"/>
+      <dgm:spPr/>
+      <dgm:t>
+        <a:bodyPr/>
+        <a:lstStyle/>
+        <a:p>
+          <a:r>
+            <a:rPr lang="fr-FR" dirty="0"/>
+            <a:t>Abonnés chaîne </a:t>
+          </a:r>
+          <a:r>
+            <a:rPr lang="fr-FR" dirty="0" err="1"/>
+            <a:t>Youtube</a:t>
+          </a:r>
+          <a:endParaRPr lang="fr-FR" dirty="0"/>
+        </a:p>
+      </dgm:t>
+    </dgm:pt>
+    <dgm:pt modelId="{D3BBC7A1-61CB-48BB-9861-2BCBEC5BE198}" type="parTrans" cxnId="{AC028902-8992-4306-ADC7-2E0C93A8BC19}">
+      <dgm:prSet/>
+      <dgm:spPr/>
+      <dgm:t>
+        <a:bodyPr/>
+        <a:lstStyle/>
+        <a:p>
+          <a:endParaRPr lang="fr-FR"/>
+        </a:p>
+      </dgm:t>
+    </dgm:pt>
+    <dgm:pt modelId="{DA9174FB-29BB-4C60-A2F2-CDA0E6931329}" type="sibTrans" cxnId="{AC028902-8992-4306-ADC7-2E0C93A8BC19}">
+      <dgm:prSet/>
+      <dgm:spPr/>
+      <dgm:t>
+        <a:bodyPr/>
+        <a:lstStyle/>
+        <a:p>
+          <a:endParaRPr lang="fr-FR"/>
+        </a:p>
+      </dgm:t>
+    </dgm:pt>
+    <dgm:pt modelId="{7A3188CB-D27E-4361-B3DB-CF63957885D7}">
+      <dgm:prSet phldrT="[Texte]"/>
+      <dgm:spPr/>
+      <dgm:t>
+        <a:bodyPr/>
+        <a:lstStyle/>
+        <a:p>
+          <a:r>
+            <a:rPr lang="fr-FR" dirty="0" err="1"/>
+            <a:t>Likes</a:t>
+          </a:r>
+          <a:r>
+            <a:rPr lang="fr-FR" dirty="0"/>
+            <a:t> sur page Facebook</a:t>
+          </a:r>
+        </a:p>
+      </dgm:t>
+    </dgm:pt>
+    <dgm:pt modelId="{627D40C4-AB12-416E-B99A-162BEEE2A482}" type="parTrans" cxnId="{D8B8D70E-AB11-4A9D-9B4B-A87330C3E547}">
+      <dgm:prSet/>
+      <dgm:spPr/>
+      <dgm:t>
+        <a:bodyPr/>
+        <a:lstStyle/>
+        <a:p>
+          <a:endParaRPr lang="fr-FR"/>
+        </a:p>
+      </dgm:t>
+    </dgm:pt>
+    <dgm:pt modelId="{D2CD6E38-C147-4524-9570-A6822A3802BB}" type="sibTrans" cxnId="{D8B8D70E-AB11-4A9D-9B4B-A87330C3E547}">
+      <dgm:prSet/>
+      <dgm:spPr/>
+      <dgm:t>
+        <a:bodyPr/>
+        <a:lstStyle/>
+        <a:p>
+          <a:endParaRPr lang="fr-FR"/>
+        </a:p>
+      </dgm:t>
+    </dgm:pt>
+    <dgm:pt modelId="{1FF0F8EA-45FE-4726-B205-E9E9CB057173}" type="pres">
+      <dgm:prSet presAssocID="{82F52ADC-57B8-472B-8654-989DA68ED066}" presName="Name0" presStyleCnt="0">
+        <dgm:presLayoutVars>
+          <dgm:chMax/>
+          <dgm:chPref/>
+          <dgm:dir/>
+          <dgm:animLvl val="lvl"/>
+        </dgm:presLayoutVars>
+      </dgm:prSet>
+      <dgm:spPr/>
+    </dgm:pt>
+    <dgm:pt modelId="{08519CDD-1596-4CCF-8077-F19A23206223}" type="pres">
+      <dgm:prSet presAssocID="{9B661658-1732-43CA-8D22-7A5E451EC2EB}" presName="composite" presStyleCnt="0"/>
+      <dgm:spPr/>
+    </dgm:pt>
+    <dgm:pt modelId="{85021017-C616-47D9-BF6D-652C4DE20270}" type="pres">
+      <dgm:prSet presAssocID="{9B661658-1732-43CA-8D22-7A5E451EC2EB}" presName="Parent1" presStyleLbl="node1" presStyleIdx="0" presStyleCnt="6">
+        <dgm:presLayoutVars>
+          <dgm:chMax val="1"/>
+          <dgm:chPref val="1"/>
+          <dgm:bulletEnabled val="1"/>
+        </dgm:presLayoutVars>
+      </dgm:prSet>
+      <dgm:spPr/>
+    </dgm:pt>
+    <dgm:pt modelId="{43F293EF-2A2D-4F6E-BF88-7975A13C7E1D}" type="pres">
+      <dgm:prSet presAssocID="{9B661658-1732-43CA-8D22-7A5E451EC2EB}" presName="Childtext1" presStyleLbl="revTx" presStyleIdx="0" presStyleCnt="3">
+        <dgm:presLayoutVars>
+          <dgm:chMax val="0"/>
+          <dgm:chPref val="0"/>
+          <dgm:bulletEnabled val="1"/>
+        </dgm:presLayoutVars>
+      </dgm:prSet>
+      <dgm:spPr/>
+    </dgm:pt>
+    <dgm:pt modelId="{E27662AC-A834-44AE-85CA-45A92DA2482C}" type="pres">
+      <dgm:prSet presAssocID="{9B661658-1732-43CA-8D22-7A5E451EC2EB}" presName="BalanceSpacing" presStyleCnt="0"/>
+      <dgm:spPr/>
+    </dgm:pt>
+    <dgm:pt modelId="{C657387C-E248-4BEA-A5CC-98A195A13AA8}" type="pres">
+      <dgm:prSet presAssocID="{9B661658-1732-43CA-8D22-7A5E451EC2EB}" presName="BalanceSpacing1" presStyleCnt="0"/>
+      <dgm:spPr/>
+    </dgm:pt>
+    <dgm:pt modelId="{92B7ED43-5E2F-4F4A-84E6-FFD41ACA951A}" type="pres">
+      <dgm:prSet presAssocID="{F0E68395-6D0A-4DEF-8383-85564E6988CF}" presName="Accent1Text" presStyleLbl="node1" presStyleIdx="1" presStyleCnt="6"/>
+      <dgm:spPr/>
+    </dgm:pt>
+    <dgm:pt modelId="{51886195-7E8A-4FEE-B7AE-1E0C3E0F992A}" type="pres">
+      <dgm:prSet presAssocID="{F0E68395-6D0A-4DEF-8383-85564E6988CF}" presName="spaceBetweenRectangles" presStyleCnt="0"/>
+      <dgm:spPr/>
+    </dgm:pt>
+    <dgm:pt modelId="{08B13A14-05A1-4B8B-88D6-F270F208CE31}" type="pres">
+      <dgm:prSet presAssocID="{5BF13658-789E-4DCF-880B-9B3BD6FDECCE}" presName="composite" presStyleCnt="0"/>
+      <dgm:spPr/>
+    </dgm:pt>
+    <dgm:pt modelId="{3BFF1360-DE3D-4EFD-BDA6-D0866AA45959}" type="pres">
+      <dgm:prSet presAssocID="{5BF13658-789E-4DCF-880B-9B3BD6FDECCE}" presName="Parent1" presStyleLbl="node1" presStyleIdx="2" presStyleCnt="6">
+        <dgm:presLayoutVars>
+          <dgm:chMax val="1"/>
+          <dgm:chPref val="1"/>
+          <dgm:bulletEnabled val="1"/>
+        </dgm:presLayoutVars>
+      </dgm:prSet>
+      <dgm:spPr/>
+    </dgm:pt>
+    <dgm:pt modelId="{334EC7AC-3FC6-46E7-A9EE-9FBA902D713A}" type="pres">
+      <dgm:prSet presAssocID="{5BF13658-789E-4DCF-880B-9B3BD6FDECCE}" presName="Childtext1" presStyleLbl="revTx" presStyleIdx="1" presStyleCnt="3">
+        <dgm:presLayoutVars>
+          <dgm:chMax val="0"/>
+          <dgm:chPref val="0"/>
+          <dgm:bulletEnabled val="1"/>
+        </dgm:presLayoutVars>
+      </dgm:prSet>
+      <dgm:spPr/>
+    </dgm:pt>
+    <dgm:pt modelId="{4618718F-E0FF-4056-B8B8-F25FD96EC891}" type="pres">
+      <dgm:prSet presAssocID="{5BF13658-789E-4DCF-880B-9B3BD6FDECCE}" presName="BalanceSpacing" presStyleCnt="0"/>
+      <dgm:spPr/>
+    </dgm:pt>
+    <dgm:pt modelId="{7FFEE946-1EAF-4675-9300-83B68334FDB0}" type="pres">
+      <dgm:prSet presAssocID="{5BF13658-789E-4DCF-880B-9B3BD6FDECCE}" presName="BalanceSpacing1" presStyleCnt="0"/>
+      <dgm:spPr/>
+    </dgm:pt>
+    <dgm:pt modelId="{57D8EFBA-7E2B-433E-8535-C55B7E505DB8}" type="pres">
+      <dgm:prSet presAssocID="{DA9174FB-29BB-4C60-A2F2-CDA0E6931329}" presName="Accent1Text" presStyleLbl="node1" presStyleIdx="3" presStyleCnt="6"/>
+      <dgm:spPr/>
+    </dgm:pt>
+    <dgm:pt modelId="{2C610337-A5D5-4ABB-984F-F2B2F4145731}" type="pres">
+      <dgm:prSet presAssocID="{DA9174FB-29BB-4C60-A2F2-CDA0E6931329}" presName="spaceBetweenRectangles" presStyleCnt="0"/>
+      <dgm:spPr/>
+    </dgm:pt>
+    <dgm:pt modelId="{FF094DAD-F316-4307-835C-C4DD9FF75B8C}" type="pres">
+      <dgm:prSet presAssocID="{7A3188CB-D27E-4361-B3DB-CF63957885D7}" presName="composite" presStyleCnt="0"/>
+      <dgm:spPr/>
+    </dgm:pt>
+    <dgm:pt modelId="{3C3B6EEA-9FAA-4C6B-8AAF-90AF5C4A506F}" type="pres">
+      <dgm:prSet presAssocID="{7A3188CB-D27E-4361-B3DB-CF63957885D7}" presName="Parent1" presStyleLbl="node1" presStyleIdx="4" presStyleCnt="6">
+        <dgm:presLayoutVars>
+          <dgm:chMax val="1"/>
+          <dgm:chPref val="1"/>
+          <dgm:bulletEnabled val="1"/>
+        </dgm:presLayoutVars>
+      </dgm:prSet>
+      <dgm:spPr/>
+    </dgm:pt>
+    <dgm:pt modelId="{D5E90078-45A2-44F7-B80C-BF708E526C63}" type="pres">
+      <dgm:prSet presAssocID="{7A3188CB-D27E-4361-B3DB-CF63957885D7}" presName="Childtext1" presStyleLbl="revTx" presStyleIdx="2" presStyleCnt="3">
+        <dgm:presLayoutVars>
+          <dgm:chMax val="0"/>
+          <dgm:chPref val="0"/>
+          <dgm:bulletEnabled val="1"/>
+        </dgm:presLayoutVars>
+      </dgm:prSet>
+      <dgm:spPr/>
+    </dgm:pt>
+    <dgm:pt modelId="{6A9514E7-0284-4650-BC1F-BABFA53C3919}" type="pres">
+      <dgm:prSet presAssocID="{7A3188CB-D27E-4361-B3DB-CF63957885D7}" presName="BalanceSpacing" presStyleCnt="0"/>
+      <dgm:spPr/>
+    </dgm:pt>
+    <dgm:pt modelId="{02187672-8E9E-4D8A-9836-0410E5EECEF5}" type="pres">
+      <dgm:prSet presAssocID="{7A3188CB-D27E-4361-B3DB-CF63957885D7}" presName="BalanceSpacing1" presStyleCnt="0"/>
+      <dgm:spPr/>
+    </dgm:pt>
+    <dgm:pt modelId="{75772BEB-7373-445E-AEFF-181918D086C9}" type="pres">
+      <dgm:prSet presAssocID="{D2CD6E38-C147-4524-9570-A6822A3802BB}" presName="Accent1Text" presStyleLbl="node1" presStyleIdx="5" presStyleCnt="6"/>
+      <dgm:spPr/>
+    </dgm:pt>
+  </dgm:ptLst>
+  <dgm:cxnLst>
+    <dgm:cxn modelId="{EEA7144B-6215-41CB-BE93-62EFA64F30B5}" type="presOf" srcId="{5BF13658-789E-4DCF-880B-9B3BD6FDECCE}" destId="{3BFF1360-DE3D-4EFD-BDA6-D0866AA45959}" srcOrd="0" destOrd="0" presId="urn:microsoft.com/office/officeart/2008/layout/AlternatingHexagons"/>
+    <dgm:cxn modelId="{C32ACCAD-53C7-4F1A-B7D6-52F0FE0CB810}" type="presOf" srcId="{F0E68395-6D0A-4DEF-8383-85564E6988CF}" destId="{92B7ED43-5E2F-4F4A-84E6-FFD41ACA951A}" srcOrd="0" destOrd="0" presId="urn:microsoft.com/office/officeart/2008/layout/AlternatingHexagons"/>
+    <dgm:cxn modelId="{D8B8D70E-AB11-4A9D-9B4B-A87330C3E547}" srcId="{82F52ADC-57B8-472B-8654-989DA68ED066}" destId="{7A3188CB-D27E-4361-B3DB-CF63957885D7}" srcOrd="2" destOrd="0" parTransId="{627D40C4-AB12-416E-B99A-162BEEE2A482}" sibTransId="{D2CD6E38-C147-4524-9570-A6822A3802BB}"/>
+    <dgm:cxn modelId="{EA56E5ED-4E35-4D22-8E8B-E00884D11EF4}" type="presOf" srcId="{DA9174FB-29BB-4C60-A2F2-CDA0E6931329}" destId="{57D8EFBA-7E2B-433E-8535-C55B7E505DB8}" srcOrd="0" destOrd="0" presId="urn:microsoft.com/office/officeart/2008/layout/AlternatingHexagons"/>
+    <dgm:cxn modelId="{A1758577-0272-4F92-8DFD-0D2D78B2A908}" type="presOf" srcId="{D2CD6E38-C147-4524-9570-A6822A3802BB}" destId="{75772BEB-7373-445E-AEFF-181918D086C9}" srcOrd="0" destOrd="0" presId="urn:microsoft.com/office/officeart/2008/layout/AlternatingHexagons"/>
+    <dgm:cxn modelId="{C3178D61-5A00-4F23-983D-ED46211A1D28}" type="presOf" srcId="{7A3188CB-D27E-4361-B3DB-CF63957885D7}" destId="{3C3B6EEA-9FAA-4C6B-8AAF-90AF5C4A506F}" srcOrd="0" destOrd="0" presId="urn:microsoft.com/office/officeart/2008/layout/AlternatingHexagons"/>
+    <dgm:cxn modelId="{8E31230A-9F34-4ECA-A246-854C7CA447D1}" type="presOf" srcId="{9B661658-1732-43CA-8D22-7A5E451EC2EB}" destId="{85021017-C616-47D9-BF6D-652C4DE20270}" srcOrd="0" destOrd="0" presId="urn:microsoft.com/office/officeart/2008/layout/AlternatingHexagons"/>
+    <dgm:cxn modelId="{E76BC72F-CEC7-4D58-8605-288975FD1A10}" type="presOf" srcId="{82F52ADC-57B8-472B-8654-989DA68ED066}" destId="{1FF0F8EA-45FE-4726-B205-E9E9CB057173}" srcOrd="0" destOrd="0" presId="urn:microsoft.com/office/officeart/2008/layout/AlternatingHexagons"/>
+    <dgm:cxn modelId="{344CB958-5627-4C29-BFBC-4C45D8E2C372}" srcId="{82F52ADC-57B8-472B-8654-989DA68ED066}" destId="{9B661658-1732-43CA-8D22-7A5E451EC2EB}" srcOrd="0" destOrd="0" parTransId="{5A675FE6-D0B6-4799-A1BB-932BF8E4C31A}" sibTransId="{F0E68395-6D0A-4DEF-8383-85564E6988CF}"/>
+    <dgm:cxn modelId="{AC028902-8992-4306-ADC7-2E0C93A8BC19}" srcId="{82F52ADC-57B8-472B-8654-989DA68ED066}" destId="{5BF13658-789E-4DCF-880B-9B3BD6FDECCE}" srcOrd="1" destOrd="0" parTransId="{D3BBC7A1-61CB-48BB-9861-2BCBEC5BE198}" sibTransId="{DA9174FB-29BB-4C60-A2F2-CDA0E6931329}"/>
+    <dgm:cxn modelId="{ED2C64BC-028E-4B94-93C8-20D81DE065C8}" type="presParOf" srcId="{1FF0F8EA-45FE-4726-B205-E9E9CB057173}" destId="{08519CDD-1596-4CCF-8077-F19A23206223}" srcOrd="0" destOrd="0" presId="urn:microsoft.com/office/officeart/2008/layout/AlternatingHexagons"/>
+    <dgm:cxn modelId="{9A3A022A-0004-4A91-A42B-E242420C3E43}" type="presParOf" srcId="{08519CDD-1596-4CCF-8077-F19A23206223}" destId="{85021017-C616-47D9-BF6D-652C4DE20270}" srcOrd="0" destOrd="0" presId="urn:microsoft.com/office/officeart/2008/layout/AlternatingHexagons"/>
+    <dgm:cxn modelId="{FCFE7814-F691-4B7A-84C2-B850C87F65A0}" type="presParOf" srcId="{08519CDD-1596-4CCF-8077-F19A23206223}" destId="{43F293EF-2A2D-4F6E-BF88-7975A13C7E1D}" srcOrd="1" destOrd="0" presId="urn:microsoft.com/office/officeart/2008/layout/AlternatingHexagons"/>
+    <dgm:cxn modelId="{01F34957-4E01-42B3-8F37-8C4AA4206F01}" type="presParOf" srcId="{08519CDD-1596-4CCF-8077-F19A23206223}" destId="{E27662AC-A834-44AE-85CA-45A92DA2482C}" srcOrd="2" destOrd="0" presId="urn:microsoft.com/office/officeart/2008/layout/AlternatingHexagons"/>
+    <dgm:cxn modelId="{98BFE369-E578-4A97-A556-57C9354B9D9A}" type="presParOf" srcId="{08519CDD-1596-4CCF-8077-F19A23206223}" destId="{C657387C-E248-4BEA-A5CC-98A195A13AA8}" srcOrd="3" destOrd="0" presId="urn:microsoft.com/office/officeart/2008/layout/AlternatingHexagons"/>
+    <dgm:cxn modelId="{7919F269-8F95-4FB8-9B94-B2786FABCD61}" type="presParOf" srcId="{08519CDD-1596-4CCF-8077-F19A23206223}" destId="{92B7ED43-5E2F-4F4A-84E6-FFD41ACA951A}" srcOrd="4" destOrd="0" presId="urn:microsoft.com/office/officeart/2008/layout/AlternatingHexagons"/>
+    <dgm:cxn modelId="{6287F141-D50F-4FAA-B455-B4A24D4E9310}" type="presParOf" srcId="{1FF0F8EA-45FE-4726-B205-E9E9CB057173}" destId="{51886195-7E8A-4FEE-B7AE-1E0C3E0F992A}" srcOrd="1" destOrd="0" presId="urn:microsoft.com/office/officeart/2008/layout/AlternatingHexagons"/>
+    <dgm:cxn modelId="{656AB212-612E-4C60-B911-E60BAF2DE0E1}" type="presParOf" srcId="{1FF0F8EA-45FE-4726-B205-E9E9CB057173}" destId="{08B13A14-05A1-4B8B-88D6-F270F208CE31}" srcOrd="2" destOrd="0" presId="urn:microsoft.com/office/officeart/2008/layout/AlternatingHexagons"/>
+    <dgm:cxn modelId="{4BBC66DA-B3A9-4AF0-9F3B-9BAA48FEA39F}" type="presParOf" srcId="{08B13A14-05A1-4B8B-88D6-F270F208CE31}" destId="{3BFF1360-DE3D-4EFD-BDA6-D0866AA45959}" srcOrd="0" destOrd="0" presId="urn:microsoft.com/office/officeart/2008/layout/AlternatingHexagons"/>
+    <dgm:cxn modelId="{8D2FC208-F068-465D-ADED-391962D925FA}" type="presParOf" srcId="{08B13A14-05A1-4B8B-88D6-F270F208CE31}" destId="{334EC7AC-3FC6-46E7-A9EE-9FBA902D713A}" srcOrd="1" destOrd="0" presId="urn:microsoft.com/office/officeart/2008/layout/AlternatingHexagons"/>
+    <dgm:cxn modelId="{96A8706A-84FE-4E73-A4D1-02940460214B}" type="presParOf" srcId="{08B13A14-05A1-4B8B-88D6-F270F208CE31}" destId="{4618718F-E0FF-4056-B8B8-F25FD96EC891}" srcOrd="2" destOrd="0" presId="urn:microsoft.com/office/officeart/2008/layout/AlternatingHexagons"/>
+    <dgm:cxn modelId="{CBF96190-D36F-48FC-9EF3-184EF9FC453B}" type="presParOf" srcId="{08B13A14-05A1-4B8B-88D6-F270F208CE31}" destId="{7FFEE946-1EAF-4675-9300-83B68334FDB0}" srcOrd="3" destOrd="0" presId="urn:microsoft.com/office/officeart/2008/layout/AlternatingHexagons"/>
+    <dgm:cxn modelId="{4060FD45-A6EC-4C32-BFD3-AE76A7426573}" type="presParOf" srcId="{08B13A14-05A1-4B8B-88D6-F270F208CE31}" destId="{57D8EFBA-7E2B-433E-8535-C55B7E505DB8}" srcOrd="4" destOrd="0" presId="urn:microsoft.com/office/officeart/2008/layout/AlternatingHexagons"/>
+    <dgm:cxn modelId="{8A9C331C-5ED8-4BED-8C43-3DA511BCB437}" type="presParOf" srcId="{1FF0F8EA-45FE-4726-B205-E9E9CB057173}" destId="{2C610337-A5D5-4ABB-984F-F2B2F4145731}" srcOrd="3" destOrd="0" presId="urn:microsoft.com/office/officeart/2008/layout/AlternatingHexagons"/>
+    <dgm:cxn modelId="{69C89995-1F4E-44A5-B756-C943E88AA277}" type="presParOf" srcId="{1FF0F8EA-45FE-4726-B205-E9E9CB057173}" destId="{FF094DAD-F316-4307-835C-C4DD9FF75B8C}" srcOrd="4" destOrd="0" presId="urn:microsoft.com/office/officeart/2008/layout/AlternatingHexagons"/>
+    <dgm:cxn modelId="{8E66738A-C456-4619-8D22-64C967921390}" type="presParOf" srcId="{FF094DAD-F316-4307-835C-C4DD9FF75B8C}" destId="{3C3B6EEA-9FAA-4C6B-8AAF-90AF5C4A506F}" srcOrd="0" destOrd="0" presId="urn:microsoft.com/office/officeart/2008/layout/AlternatingHexagons"/>
+    <dgm:cxn modelId="{EA547800-A1DB-4626-99D2-4BDDE61466DD}" type="presParOf" srcId="{FF094DAD-F316-4307-835C-C4DD9FF75B8C}" destId="{D5E90078-45A2-44F7-B80C-BF708E526C63}" srcOrd="1" destOrd="0" presId="urn:microsoft.com/office/officeart/2008/layout/AlternatingHexagons"/>
+    <dgm:cxn modelId="{2F14F16F-07F5-49D1-BAE8-B0E3DA1CE707}" type="presParOf" srcId="{FF094DAD-F316-4307-835C-C4DD9FF75B8C}" destId="{6A9514E7-0284-4650-BC1F-BABFA53C3919}" srcOrd="2" destOrd="0" presId="urn:microsoft.com/office/officeart/2008/layout/AlternatingHexagons"/>
+    <dgm:cxn modelId="{E67BDFC1-A34F-4AFE-B470-1269A70248F0}" type="presParOf" srcId="{FF094DAD-F316-4307-835C-C4DD9FF75B8C}" destId="{02187672-8E9E-4D8A-9836-0410E5EECEF5}" srcOrd="3" destOrd="0" presId="urn:microsoft.com/office/officeart/2008/layout/AlternatingHexagons"/>
+    <dgm:cxn modelId="{E1A21482-136D-4C57-8A40-4D06ED04DE84}" type="presParOf" srcId="{FF094DAD-F316-4307-835C-C4DD9FF75B8C}" destId="{75772BEB-7373-445E-AEFF-181918D086C9}" srcOrd="4" destOrd="0" presId="urn:microsoft.com/office/officeart/2008/layout/AlternatingHexagons"/>
+  </dgm:cxnLst>
+  <dgm:bg/>
+  <dgm:whole/>
+  <dgm:extLst>
+    <a:ext uri="http://schemas.microsoft.com/office/drawing/2008/diagram">
+      <dsp:dataModelExt xmlns:dsp="http://schemas.microsoft.com/office/drawing/2008/diagram" relId="rId14" minVer="http://schemas.openxmlformats.org/drawingml/2006/diagram"/>
+    </a:ext>
+  </dgm:extLst>
+</dgm:dataModel>
+</file>
+
+<file path=ppt/diagrams/drawing1.xml><?xml version="1.0" encoding="utf-8"?>
+<dsp:drawing xmlns:dgm="http://schemas.openxmlformats.org/drawingml/2006/diagram" xmlns:dsp="http://schemas.microsoft.com/office/drawing/2008/diagram" xmlns:a="http://schemas.openxmlformats.org/drawingml/2006/main">
+  <dsp:spTree>
+    <dsp:nvGrpSpPr>
+      <dsp:cNvPr id="0" name=""/>
+      <dsp:cNvGrpSpPr/>
+    </dsp:nvGrpSpPr>
+    <dsp:grpSpPr/>
+    <dsp:sp modelId="{85021017-C616-47D9-BF6D-652C4DE20270}">
+      <dsp:nvSpPr>
+        <dsp:cNvPr id="0" name=""/>
+        <dsp:cNvSpPr/>
+      </dsp:nvSpPr>
+      <dsp:spPr>
+        <a:xfrm rot="5400000">
+          <a:off x="997829" y="424592"/>
+          <a:ext cx="655345" cy="570150"/>
+        </a:xfrm>
+        <a:prstGeom prst="hexagon">
+          <a:avLst>
+            <a:gd name="adj" fmla="val 25000"/>
+            <a:gd name="vf" fmla="val 115470"/>
+          </a:avLst>
+        </a:prstGeom>
+        <a:solidFill>
+          <a:schemeClr val="accent1">
+            <a:hueOff val="0"/>
+            <a:satOff val="0"/>
+            <a:lumOff val="0"/>
+            <a:alphaOff val="0"/>
+          </a:schemeClr>
+        </a:solidFill>
+        <a:ln w="12700" cap="flat" cmpd="sng" algn="ctr">
+          <a:solidFill>
+            <a:schemeClr val="lt1">
+              <a:hueOff val="0"/>
+              <a:satOff val="0"/>
+              <a:lumOff val="0"/>
+              <a:alphaOff val="0"/>
+            </a:schemeClr>
+          </a:solidFill>
+          <a:prstDash val="solid"/>
+          <a:miter lim="800000"/>
+        </a:ln>
+        <a:effectLst/>
+      </dsp:spPr>
+      <dsp:style>
+        <a:lnRef idx="2">
+          <a:scrgbClr r="0" g="0" b="0"/>
+        </a:lnRef>
+        <a:fillRef idx="1">
+          <a:scrgbClr r="0" g="0" b="0"/>
+        </a:fillRef>
+        <a:effectRef idx="0">
+          <a:scrgbClr r="0" g="0" b="0"/>
+        </a:effectRef>
+        <a:fontRef idx="minor">
+          <a:schemeClr val="lt1"/>
+        </a:fontRef>
+      </dsp:style>
+      <dsp:txBody>
+        <a:bodyPr spcFirstLastPara="0" vert="horz" wrap="square" lIns="22860" tIns="22860" rIns="22860" bIns="22860" numCol="1" spcCol="1270" anchor="ctr" anchorCtr="0">
+          <a:noAutofit/>
+        </a:bodyPr>
+        <a:lstStyle/>
+        <a:p>
+          <a:pPr marL="0" lvl="0" indent="0" algn="ctr" defTabSz="266700">
+            <a:lnSpc>
+              <a:spcPct val="90000"/>
+            </a:lnSpc>
+            <a:spcBef>
+              <a:spcPct val="0"/>
+            </a:spcBef>
+            <a:spcAft>
+              <a:spcPct val="35000"/>
+            </a:spcAft>
+            <a:buNone/>
+          </a:pPr>
+          <a:r>
+            <a:rPr lang="fr-FR" sz="600" kern="1200" dirty="0" err="1"/>
+            <a:t>Followers</a:t>
+          </a:r>
+          <a:r>
+            <a:rPr lang="fr-FR" sz="600" kern="1200" dirty="0"/>
+            <a:t> Twitter</a:t>
+          </a:r>
+        </a:p>
+      </dsp:txBody>
+      <dsp:txXfrm rot="-5400000">
+        <a:off x="1129274" y="484120"/>
+        <a:ext cx="392454" cy="451095"/>
+      </dsp:txXfrm>
+    </dsp:sp>
+    <dsp:sp modelId="{43F293EF-2A2D-4F6E-BF88-7975A13C7E1D}">
+      <dsp:nvSpPr>
+        <dsp:cNvPr id="0" name=""/>
+        <dsp:cNvSpPr/>
+      </dsp:nvSpPr>
+      <dsp:spPr>
+        <a:xfrm>
+          <a:off x="1627878" y="513064"/>
+          <a:ext cx="731365" cy="393207"/>
+        </a:xfrm>
+        <a:prstGeom prst="rect">
+          <a:avLst/>
+        </a:prstGeom>
+        <a:noFill/>
+        <a:ln>
+          <a:noFill/>
+        </a:ln>
+        <a:effectLst/>
+      </dsp:spPr>
+      <dsp:style>
+        <a:lnRef idx="0">
+          <a:scrgbClr r="0" g="0" b="0"/>
+        </a:lnRef>
+        <a:fillRef idx="0">
+          <a:scrgbClr r="0" g="0" b="0"/>
+        </a:fillRef>
+        <a:effectRef idx="0">
+          <a:scrgbClr r="0" g="0" b="0"/>
+        </a:effectRef>
+        <a:fontRef idx="minor"/>
+      </dsp:style>
+    </dsp:sp>
+    <dsp:sp modelId="{92B7ED43-5E2F-4F4A-84E6-FFD41ACA951A}">
+      <dsp:nvSpPr>
+        <dsp:cNvPr id="0" name=""/>
+        <dsp:cNvSpPr/>
+      </dsp:nvSpPr>
+      <dsp:spPr>
+        <a:xfrm rot="5400000">
+          <a:off x="382066" y="424592"/>
+          <a:ext cx="655345" cy="570150"/>
+        </a:xfrm>
+        <a:prstGeom prst="hexagon">
+          <a:avLst>
+            <a:gd name="adj" fmla="val 25000"/>
+            <a:gd name="vf" fmla="val 115470"/>
+          </a:avLst>
+        </a:prstGeom>
+        <a:solidFill>
+          <a:schemeClr val="accent1">
+            <a:hueOff val="0"/>
+            <a:satOff val="0"/>
+            <a:lumOff val="0"/>
+            <a:alphaOff val="0"/>
+          </a:schemeClr>
+        </a:solidFill>
+        <a:ln w="12700" cap="flat" cmpd="sng" algn="ctr">
+          <a:solidFill>
+            <a:schemeClr val="lt1">
+              <a:hueOff val="0"/>
+              <a:satOff val="0"/>
+              <a:lumOff val="0"/>
+              <a:alphaOff val="0"/>
+            </a:schemeClr>
+          </a:solidFill>
+          <a:prstDash val="solid"/>
+          <a:miter lim="800000"/>
+        </a:ln>
+        <a:effectLst/>
+      </dsp:spPr>
+      <dsp:style>
+        <a:lnRef idx="2">
+          <a:scrgbClr r="0" g="0" b="0"/>
+        </a:lnRef>
+        <a:fillRef idx="1">
+          <a:scrgbClr r="0" g="0" b="0"/>
+        </a:fillRef>
+        <a:effectRef idx="0">
+          <a:scrgbClr r="0" g="0" b="0"/>
+        </a:effectRef>
+        <a:fontRef idx="minor">
+          <a:schemeClr val="lt1"/>
+        </a:fontRef>
+      </dsp:style>
+      <dsp:txBody>
+        <a:bodyPr spcFirstLastPara="0" vert="horz" wrap="square" lIns="0" tIns="0" rIns="0" bIns="0" numCol="1" spcCol="1270" anchor="ctr" anchorCtr="0">
+          <a:noAutofit/>
+        </a:bodyPr>
+        <a:lstStyle/>
+        <a:p>
+          <a:pPr marL="0" lvl="0" indent="0" algn="ctr" defTabSz="1422400">
+            <a:lnSpc>
+              <a:spcPct val="90000"/>
+            </a:lnSpc>
+            <a:spcBef>
+              <a:spcPct val="0"/>
+            </a:spcBef>
+            <a:spcAft>
+              <a:spcPct val="35000"/>
+            </a:spcAft>
+            <a:buNone/>
+          </a:pPr>
+          <a:endParaRPr lang="fr-FR" sz="3200" kern="1200"/>
+        </a:p>
+      </dsp:txBody>
+      <dsp:txXfrm rot="-5400000">
+        <a:off x="513511" y="484120"/>
+        <a:ext cx="392454" cy="451095"/>
+      </dsp:txXfrm>
+    </dsp:sp>
+    <dsp:sp modelId="{3BFF1360-DE3D-4EFD-BDA6-D0866AA45959}">
+      <dsp:nvSpPr>
+        <dsp:cNvPr id="0" name=""/>
+        <dsp:cNvSpPr/>
+      </dsp:nvSpPr>
+      <dsp:spPr>
+        <a:xfrm rot="5400000">
+          <a:off x="688768" y="980849"/>
+          <a:ext cx="655345" cy="570150"/>
+        </a:xfrm>
+        <a:prstGeom prst="hexagon">
+          <a:avLst>
+            <a:gd name="adj" fmla="val 25000"/>
+            <a:gd name="vf" fmla="val 115470"/>
+          </a:avLst>
+        </a:prstGeom>
+        <a:solidFill>
+          <a:schemeClr val="accent1">
+            <a:hueOff val="0"/>
+            <a:satOff val="0"/>
+            <a:lumOff val="0"/>
+            <a:alphaOff val="0"/>
+          </a:schemeClr>
+        </a:solidFill>
+        <a:ln w="12700" cap="flat" cmpd="sng" algn="ctr">
+          <a:solidFill>
+            <a:schemeClr val="lt1">
+              <a:hueOff val="0"/>
+              <a:satOff val="0"/>
+              <a:lumOff val="0"/>
+              <a:alphaOff val="0"/>
+            </a:schemeClr>
+          </a:solidFill>
+          <a:prstDash val="solid"/>
+          <a:miter lim="800000"/>
+        </a:ln>
+        <a:effectLst/>
+      </dsp:spPr>
+      <dsp:style>
+        <a:lnRef idx="2">
+          <a:scrgbClr r="0" g="0" b="0"/>
+        </a:lnRef>
+        <a:fillRef idx="1">
+          <a:scrgbClr r="0" g="0" b="0"/>
+        </a:fillRef>
+        <a:effectRef idx="0">
+          <a:scrgbClr r="0" g="0" b="0"/>
+        </a:effectRef>
+        <a:fontRef idx="minor">
+          <a:schemeClr val="lt1"/>
+        </a:fontRef>
+      </dsp:style>
+      <dsp:txBody>
+        <a:bodyPr spcFirstLastPara="0" vert="horz" wrap="square" lIns="22860" tIns="22860" rIns="22860" bIns="22860" numCol="1" spcCol="1270" anchor="ctr" anchorCtr="0">
+          <a:noAutofit/>
+        </a:bodyPr>
+        <a:lstStyle/>
+        <a:p>
+          <a:pPr marL="0" lvl="0" indent="0" algn="ctr" defTabSz="266700">
+            <a:lnSpc>
+              <a:spcPct val="90000"/>
+            </a:lnSpc>
+            <a:spcBef>
+              <a:spcPct val="0"/>
+            </a:spcBef>
+            <a:spcAft>
+              <a:spcPct val="35000"/>
+            </a:spcAft>
+            <a:buNone/>
+          </a:pPr>
+          <a:r>
+            <a:rPr lang="fr-FR" sz="600" kern="1200" dirty="0"/>
+            <a:t>Abonnés chaîne </a:t>
+          </a:r>
+          <a:r>
+            <a:rPr lang="fr-FR" sz="600" kern="1200" dirty="0" err="1"/>
+            <a:t>Youtube</a:t>
+          </a:r>
+          <a:endParaRPr lang="fr-FR" sz="600" kern="1200" dirty="0"/>
+        </a:p>
+      </dsp:txBody>
+      <dsp:txXfrm rot="-5400000">
+        <a:off x="820213" y="1040377"/>
+        <a:ext cx="392454" cy="451095"/>
+      </dsp:txXfrm>
+    </dsp:sp>
+    <dsp:sp modelId="{334EC7AC-3FC6-46E7-A9EE-9FBA902D713A}">
+      <dsp:nvSpPr>
+        <dsp:cNvPr id="0" name=""/>
+        <dsp:cNvSpPr/>
+      </dsp:nvSpPr>
+      <dsp:spPr>
+        <a:xfrm>
+          <a:off x="0" y="1069321"/>
+          <a:ext cx="707773" cy="393207"/>
+        </a:xfrm>
+        <a:prstGeom prst="rect">
+          <a:avLst/>
+        </a:prstGeom>
+        <a:noFill/>
+        <a:ln>
+          <a:noFill/>
+        </a:ln>
+        <a:effectLst/>
+      </dsp:spPr>
+      <dsp:style>
+        <a:lnRef idx="0">
+          <a:scrgbClr r="0" g="0" b="0"/>
+        </a:lnRef>
+        <a:fillRef idx="0">
+          <a:scrgbClr r="0" g="0" b="0"/>
+        </a:fillRef>
+        <a:effectRef idx="0">
+          <a:scrgbClr r="0" g="0" b="0"/>
+        </a:effectRef>
+        <a:fontRef idx="minor"/>
+      </dsp:style>
+    </dsp:sp>
+    <dsp:sp modelId="{57D8EFBA-7E2B-433E-8535-C55B7E505DB8}">
+      <dsp:nvSpPr>
+        <dsp:cNvPr id="0" name=""/>
+        <dsp:cNvSpPr/>
+      </dsp:nvSpPr>
+      <dsp:spPr>
+        <a:xfrm rot="5400000">
+          <a:off x="1304530" y="980849"/>
+          <a:ext cx="655345" cy="570150"/>
+        </a:xfrm>
+        <a:prstGeom prst="hexagon">
+          <a:avLst>
+            <a:gd name="adj" fmla="val 25000"/>
+            <a:gd name="vf" fmla="val 115470"/>
+          </a:avLst>
+        </a:prstGeom>
+        <a:solidFill>
+          <a:schemeClr val="accent1">
+            <a:hueOff val="0"/>
+            <a:satOff val="0"/>
+            <a:lumOff val="0"/>
+            <a:alphaOff val="0"/>
+          </a:schemeClr>
+        </a:solidFill>
+        <a:ln w="12700" cap="flat" cmpd="sng" algn="ctr">
+          <a:solidFill>
+            <a:schemeClr val="lt1">
+              <a:hueOff val="0"/>
+              <a:satOff val="0"/>
+              <a:lumOff val="0"/>
+              <a:alphaOff val="0"/>
+            </a:schemeClr>
+          </a:solidFill>
+          <a:prstDash val="solid"/>
+          <a:miter lim="800000"/>
+        </a:ln>
+        <a:effectLst/>
+      </dsp:spPr>
+      <dsp:style>
+        <a:lnRef idx="2">
+          <a:scrgbClr r="0" g="0" b="0"/>
+        </a:lnRef>
+        <a:fillRef idx="1">
+          <a:scrgbClr r="0" g="0" b="0"/>
+        </a:fillRef>
+        <a:effectRef idx="0">
+          <a:scrgbClr r="0" g="0" b="0"/>
+        </a:effectRef>
+        <a:fontRef idx="minor">
+          <a:schemeClr val="lt1"/>
+        </a:fontRef>
+      </dsp:style>
+      <dsp:txBody>
+        <a:bodyPr spcFirstLastPara="0" vert="horz" wrap="square" lIns="0" tIns="0" rIns="0" bIns="0" numCol="1" spcCol="1270" anchor="ctr" anchorCtr="0">
+          <a:noAutofit/>
+        </a:bodyPr>
+        <a:lstStyle/>
+        <a:p>
+          <a:pPr marL="0" lvl="0" indent="0" algn="ctr" defTabSz="1422400">
+            <a:lnSpc>
+              <a:spcPct val="90000"/>
+            </a:lnSpc>
+            <a:spcBef>
+              <a:spcPct val="0"/>
+            </a:spcBef>
+            <a:spcAft>
+              <a:spcPct val="35000"/>
+            </a:spcAft>
+            <a:buNone/>
+          </a:pPr>
+          <a:endParaRPr lang="fr-FR" sz="3200" kern="1200"/>
+        </a:p>
+      </dsp:txBody>
+      <dsp:txXfrm rot="-5400000">
+        <a:off x="1435975" y="1040377"/>
+        <a:ext cx="392454" cy="451095"/>
+      </dsp:txXfrm>
+    </dsp:sp>
+    <dsp:sp modelId="{3C3B6EEA-9FAA-4C6B-8AAF-90AF5C4A506F}">
+      <dsp:nvSpPr>
+        <dsp:cNvPr id="0" name=""/>
+        <dsp:cNvSpPr/>
+      </dsp:nvSpPr>
+      <dsp:spPr>
+        <a:xfrm rot="5400000">
+          <a:off x="997829" y="1537106"/>
+          <a:ext cx="655345" cy="570150"/>
+        </a:xfrm>
+        <a:prstGeom prst="hexagon">
+          <a:avLst>
+            <a:gd name="adj" fmla="val 25000"/>
+            <a:gd name="vf" fmla="val 115470"/>
+          </a:avLst>
+        </a:prstGeom>
+        <a:solidFill>
+          <a:schemeClr val="accent1">
+            <a:hueOff val="0"/>
+            <a:satOff val="0"/>
+            <a:lumOff val="0"/>
+            <a:alphaOff val="0"/>
+          </a:schemeClr>
+        </a:solidFill>
+        <a:ln w="12700" cap="flat" cmpd="sng" algn="ctr">
+          <a:solidFill>
+            <a:schemeClr val="lt1">
+              <a:hueOff val="0"/>
+              <a:satOff val="0"/>
+              <a:lumOff val="0"/>
+              <a:alphaOff val="0"/>
+            </a:schemeClr>
+          </a:solidFill>
+          <a:prstDash val="solid"/>
+          <a:miter lim="800000"/>
+        </a:ln>
+        <a:effectLst/>
+      </dsp:spPr>
+      <dsp:style>
+        <a:lnRef idx="2">
+          <a:scrgbClr r="0" g="0" b="0"/>
+        </a:lnRef>
+        <a:fillRef idx="1">
+          <a:scrgbClr r="0" g="0" b="0"/>
+        </a:fillRef>
+        <a:effectRef idx="0">
+          <a:scrgbClr r="0" g="0" b="0"/>
+        </a:effectRef>
+        <a:fontRef idx="minor">
+          <a:schemeClr val="lt1"/>
+        </a:fontRef>
+      </dsp:style>
+      <dsp:txBody>
+        <a:bodyPr spcFirstLastPara="0" vert="horz" wrap="square" lIns="22860" tIns="22860" rIns="22860" bIns="22860" numCol="1" spcCol="1270" anchor="ctr" anchorCtr="0">
+          <a:noAutofit/>
+        </a:bodyPr>
+        <a:lstStyle/>
+        <a:p>
+          <a:pPr marL="0" lvl="0" indent="0" algn="ctr" defTabSz="266700">
+            <a:lnSpc>
+              <a:spcPct val="90000"/>
+            </a:lnSpc>
+            <a:spcBef>
+              <a:spcPct val="0"/>
+            </a:spcBef>
+            <a:spcAft>
+              <a:spcPct val="35000"/>
+            </a:spcAft>
+            <a:buNone/>
+          </a:pPr>
+          <a:r>
+            <a:rPr lang="fr-FR" sz="600" kern="1200" dirty="0" err="1"/>
+            <a:t>Likes</a:t>
+          </a:r>
+          <a:r>
+            <a:rPr lang="fr-FR" sz="600" kern="1200" dirty="0"/>
+            <a:t> sur page Facebook</a:t>
+          </a:r>
+        </a:p>
+      </dsp:txBody>
+      <dsp:txXfrm rot="-5400000">
+        <a:off x="1129274" y="1596634"/>
+        <a:ext cx="392454" cy="451095"/>
+      </dsp:txXfrm>
+    </dsp:sp>
+    <dsp:sp modelId="{D5E90078-45A2-44F7-B80C-BF708E526C63}">
+      <dsp:nvSpPr>
+        <dsp:cNvPr id="0" name=""/>
+        <dsp:cNvSpPr/>
+      </dsp:nvSpPr>
+      <dsp:spPr>
+        <a:xfrm>
+          <a:off x="1627878" y="1625578"/>
+          <a:ext cx="731365" cy="393207"/>
+        </a:xfrm>
+        <a:prstGeom prst="rect">
+          <a:avLst/>
+        </a:prstGeom>
+        <a:noFill/>
+        <a:ln>
+          <a:noFill/>
+        </a:ln>
+        <a:effectLst/>
+      </dsp:spPr>
+      <dsp:style>
+        <a:lnRef idx="0">
+          <a:scrgbClr r="0" g="0" b="0"/>
+        </a:lnRef>
+        <a:fillRef idx="0">
+          <a:scrgbClr r="0" g="0" b="0"/>
+        </a:fillRef>
+        <a:effectRef idx="0">
+          <a:scrgbClr r="0" g="0" b="0"/>
+        </a:effectRef>
+        <a:fontRef idx="minor"/>
+      </dsp:style>
+    </dsp:sp>
+    <dsp:sp modelId="{75772BEB-7373-445E-AEFF-181918D086C9}">
+      <dsp:nvSpPr>
+        <dsp:cNvPr id="0" name=""/>
+        <dsp:cNvSpPr/>
+      </dsp:nvSpPr>
+      <dsp:spPr>
+        <a:xfrm rot="5400000">
+          <a:off x="382066" y="1537106"/>
+          <a:ext cx="655345" cy="570150"/>
+        </a:xfrm>
+        <a:prstGeom prst="hexagon">
+          <a:avLst>
+            <a:gd name="adj" fmla="val 25000"/>
+            <a:gd name="vf" fmla="val 115470"/>
+          </a:avLst>
+        </a:prstGeom>
+        <a:solidFill>
+          <a:schemeClr val="accent1">
+            <a:hueOff val="0"/>
+            <a:satOff val="0"/>
+            <a:lumOff val="0"/>
+            <a:alphaOff val="0"/>
+          </a:schemeClr>
+        </a:solidFill>
+        <a:ln w="12700" cap="flat" cmpd="sng" algn="ctr">
+          <a:solidFill>
+            <a:schemeClr val="lt1">
+              <a:hueOff val="0"/>
+              <a:satOff val="0"/>
+              <a:lumOff val="0"/>
+              <a:alphaOff val="0"/>
+            </a:schemeClr>
+          </a:solidFill>
+          <a:prstDash val="solid"/>
+          <a:miter lim="800000"/>
+        </a:ln>
+        <a:effectLst/>
+      </dsp:spPr>
+      <dsp:style>
+        <a:lnRef idx="2">
+          <a:scrgbClr r="0" g="0" b="0"/>
+        </a:lnRef>
+        <a:fillRef idx="1">
+          <a:scrgbClr r="0" g="0" b="0"/>
+        </a:fillRef>
+        <a:effectRef idx="0">
+          <a:scrgbClr r="0" g="0" b="0"/>
+        </a:effectRef>
+        <a:fontRef idx="minor">
+          <a:schemeClr val="lt1"/>
+        </a:fontRef>
+      </dsp:style>
+      <dsp:txBody>
+        <a:bodyPr spcFirstLastPara="0" vert="horz" wrap="square" lIns="0" tIns="0" rIns="0" bIns="0" numCol="1" spcCol="1270" anchor="ctr" anchorCtr="0">
+          <a:noAutofit/>
+        </a:bodyPr>
+        <a:lstStyle/>
+        <a:p>
+          <a:pPr marL="0" lvl="0" indent="0" algn="ctr" defTabSz="1422400">
+            <a:lnSpc>
+              <a:spcPct val="90000"/>
+            </a:lnSpc>
+            <a:spcBef>
+              <a:spcPct val="0"/>
+            </a:spcBef>
+            <a:spcAft>
+              <a:spcPct val="35000"/>
+            </a:spcAft>
+            <a:buNone/>
+          </a:pPr>
+          <a:endParaRPr lang="fr-FR" sz="3200" kern="1200"/>
+        </a:p>
+      </dsp:txBody>
+      <dsp:txXfrm rot="-5400000">
+        <a:off x="513511" y="1596634"/>
+        <a:ext cx="392454" cy="451095"/>
+      </dsp:txXfrm>
+    </dsp:sp>
+  </dsp:spTree>
+</dsp:drawing>
+</file>
+
+<file path=ppt/diagrams/layout1.xml><?xml version="1.0" encoding="utf-8"?>
+<dgm:layoutDef xmlns:dgm="http://schemas.openxmlformats.org/drawingml/2006/diagram" xmlns:a="http://schemas.openxmlformats.org/drawingml/2006/main" uniqueId="urn:microsoft.com/office/officeart/2008/layout/AlternatingHexagons">
+  <dgm:title val=""/>
+  <dgm:desc val=""/>
+  <dgm:catLst>
+    <dgm:cat type="list" pri="1500"/>
+  </dgm:catLst>
+  <dgm:sampData>
+    <dgm:dataModel>
+      <dgm:ptLst>
+        <dgm:pt modelId="0" type="doc"/>
+        <dgm:pt modelId="10">
+          <dgm:prSet phldr="1"/>
+        </dgm:pt>
+        <dgm:pt modelId="11">
+          <dgm:prSet phldr="1"/>
+        </dgm:pt>
+        <dgm:pt modelId="20">
+          <dgm:prSet phldr="1"/>
+        </dgm:pt>
+        <dgm:pt modelId="21">
+          <dgm:prSet phldr="1"/>
+        </dgm:pt>
+        <dgm:pt modelId="30">
+          <dgm:prSet phldr="1"/>
+        </dgm:pt>
+        <dgm:pt modelId="31">
+          <dgm:prSet phldr="1"/>
+        </dgm:pt>
+      </dgm:ptLst>
+      <dgm:cxnLst>
+        <dgm:cxn modelId="40" srcId="0" destId="10" srcOrd="0" destOrd="0"/>
+        <dgm:cxn modelId="12" srcId="10" destId="11" srcOrd="0" destOrd="0"/>
+        <dgm:cxn modelId="50" srcId="0" destId="20" srcOrd="1" destOrd="0"/>
+        <dgm:cxn modelId="22" srcId="20" destId="21" srcOrd="0" destOrd="0"/>
+        <dgm:cxn modelId="60" srcId="0" destId="30" srcOrd="1" destOrd="0"/>
+        <dgm:cxn modelId="32" srcId="30" destId="31" srcOrd="0" destOrd="0"/>
+      </dgm:cxnLst>
+      <dgm:bg/>
+      <dgm:whole/>
+    </dgm:dataModel>
+  </dgm:sampData>
+  <dgm:styleData>
+    <dgm:dataModel>
+      <dgm:ptLst>
+        <dgm:pt modelId="0" type="doc"/>
+        <dgm:pt modelId="10">
+          <dgm:prSet phldr="1"/>
+        </dgm:pt>
+        <dgm:pt modelId="20">
+          <dgm:prSet phldr="1"/>
+        </dgm:pt>
+      </dgm:ptLst>
+      <dgm:cxnLst>
+        <dgm:cxn modelId="60" srcId="0" destId="10" srcOrd="0" destOrd="0"/>
+        <dgm:cxn modelId="70" srcId="0" destId="20" srcOrd="1" destOrd="0"/>
+      </dgm:cxnLst>
+      <dgm:bg/>
+      <dgm:whole/>
+    </dgm:dataModel>
+  </dgm:styleData>
+  <dgm:clrData>
+    <dgm:dataModel>
+      <dgm:ptLst>
+        <dgm:pt modelId="0" type="doc"/>
+        <dgm:pt modelId="10">
+          <dgm:prSet phldr="1"/>
+        </dgm:pt>
+        <dgm:pt modelId="20">
+          <dgm:prSet phldr="1"/>
+        </dgm:pt>
+        <dgm:pt modelId="30">
+          <dgm:prSet phldr="1"/>
+        </dgm:pt>
+        <dgm:pt modelId="40">
+          <dgm:prSet phldr="1"/>
+        </dgm:pt>
+      </dgm:ptLst>
+      <dgm:cxnLst>
+        <dgm:cxn modelId="60" srcId="0" destId="10" srcOrd="0" destOrd="0"/>
+        <dgm:cxn modelId="70" srcId="0" destId="20" srcOrd="1" destOrd="0"/>
+        <dgm:cxn modelId="80" srcId="0" destId="30" srcOrd="2" destOrd="0"/>
+        <dgm:cxn modelId="90" srcId="0" destId="40" srcOrd="3" destOrd="0"/>
+      </dgm:cxnLst>
+      <dgm:bg/>
+      <dgm:whole/>
+    </dgm:dataModel>
+  </dgm:clrData>
+  <dgm:layoutNode name="Name0">
+    <dgm:varLst>
+      <dgm:chMax/>
+      <dgm:chPref/>
+      <dgm:dir/>
+      <dgm:animLvl val="lvl"/>
+    </dgm:varLst>
+    <dgm:alg type="lin">
+      <dgm:param type="linDir" val="fromT"/>
+    </dgm:alg>
+    <dgm:shape xmlns:r="http://schemas.openxmlformats.org/officeDocument/2006/relationships" r:blip="">
+      <dgm:adjLst/>
+    </dgm:shape>
+    <dgm:constrLst>
+      <dgm:constr type="primFontSz" for="des" forName="Parent1" val="65"/>
+      <dgm:constr type="primFontSz" for="des" forName="Childtext1" refType="primFontSz" refFor="des" refForName="Parent1" op="lte"/>
+      <dgm:constr type="w" for="ch" forName="composite" refType="w"/>
+      <dgm:constr type="h" for="ch" forName="composite" refType="h"/>
+      <dgm:constr type="h" for="ch" forName="spaceBetweenRectangles" refType="w" refFor="ch" refForName="composite" fact="-0.042"/>
+      <dgm:constr type="sp" refType="h" refFor="ch" refForName="composite" op="equ" fact="0.1"/>
+    </dgm:constrLst>
+    <dgm:forEach name="nodesForEach" axis="ch" ptType="node">
+      <dgm:layoutNode name="composite">
+        <dgm:alg type="composite">
+          <dgm:param type="ar" val="3.6"/>
+        </dgm:alg>
+        <dgm:shape xmlns:r="http://schemas.openxmlformats.org/officeDocument/2006/relationships" r:blip="">
+          <dgm:adjLst/>
+        </dgm:shape>
+        <dgm:choose name="Name1">
+          <dgm:if name="Name2" func="var" arg="dir" op="equ" val="norm">
+            <dgm:choose name="Name3">
+              <dgm:if name="Name4" axis="self" ptType="node" func="posOdd" op="equ" val="1">
+                <dgm:constrLst>
+                  <dgm:constr type="l" for="ch" forName="Accent1" refType="w" fact="0.18"/>
+                  <dgm:constr type="t" for="ch" forName="Accent1" refType="h" fact="0"/>
+                  <dgm:constr type="h" for="ch" forName="Accent1" refType="h"/>
+                  <dgm:constr type="w" for="ch" forName="Accent1" refType="h" fact="0.87"/>
+                  <dgm:constr type="l" for="ch" forName="Accent1Text" refType="w" fact="0.18"/>
+                  <dgm:constr type="t" for="ch" forName="Accent1Text" refType="h" fact="0"/>
+                  <dgm:constr type="h" for="ch" forName="Accent1Text" refType="h"/>
+                  <dgm:constr type="w" for="ch" forName="Accent1Text" refType="h" fact="0.87"/>
+                  <dgm:constr type="l" for="ch" forName="Parent1" refType="w" fact="0.441"/>
+                  <dgm:constr type="t" for="ch" forName="Parent1" refType="h" fact="0"/>
+                  <dgm:constr type="h" for="ch" forName="Parent1" refType="h"/>
+                  <dgm:constr type="w" for="ch" forName="Parent1" refType="h" fact="0.87"/>
+                  <dgm:constr type="l" for="ch" forName="Childtext1" refType="w" fact="0.69"/>
+                  <dgm:constr type="t" for="ch" forName="Childtext1" refType="h" fact="0.2"/>
+                  <dgm:constr type="w" for="ch" forName="Childtext1" refType="w" fact="0.31"/>
+                  <dgm:constr type="h" for="ch" forName="Childtext1" refType="h" fact="0.6"/>
+                  <dgm:constr type="l" for="ch" forName="BalanceSpacing" refType="w" fact="0"/>
+                  <dgm:constr type="t" for="ch" forName="BalanceSpacing" refType="h" fact="0"/>
+                  <dgm:constr type="w" for="ch" forName="BalanceSpacing" refType="w"/>
+                  <dgm:constr type="h" for="ch" forName="BalanceSpacing" refType="h" fact="0.1"/>
+                  <dgm:constr type="l" for="ch" forName="BalanceSpacing1" refType="w" fact="0.69"/>
+                  <dgm:constr type="t" for="ch" forName="BalanceSpacing1" refType="h" fact="0.2"/>
+                  <dgm:constr type="w" for="ch" forName="BalanceSpacing1" refType="w" fact="0.31"/>
+                  <dgm:constr type="h" for="ch" forName="BalanceSpacing1" refType="h" fact="0.6"/>
+                </dgm:constrLst>
+              </dgm:if>
+              <dgm:else name="Name5">
+                <dgm:constrLst>
+                  <dgm:constr type="l" for="ch" forName="Accent1" refType="w" fact="0.571"/>
+                  <dgm:constr type="t" for="ch" forName="Accent1" refType="h" fact="0"/>
+                  <dgm:constr type="h" for="ch" forName="Accent1" refType="h"/>
+                  <dgm:constr type="w" for="ch" forName="Accent1" refType="h" fact="0.87"/>
+                  <dgm:constr type="l" for="ch" forName="Accent1Text" refType="w" fact="0.571"/>
+                  <dgm:constr type="t" for="ch" forName="Accent1Text" refType="h" fact="0"/>
+                  <dgm:constr type="h" for="ch" forName="Accent1Text" refType="h"/>
+                  <dgm:constr type="w" for="ch" forName="Accent1Text" refType="h" fact="0.87"/>
+                  <dgm:constr type="l" for="ch" forName="Parent1" refType="w" fact="0.31"/>
+                  <dgm:constr type="t" for="ch" forName="Parent1" refType="h" fact="0"/>
+                  <dgm:constr type="h" for="ch" forName="Parent1" refType="h"/>
+                  <dgm:constr type="w" for="ch" forName="Parent1" refType="h" fact="0.87"/>
+                  <dgm:constr type="l" for="ch" forName="Childtext1" refType="w" fact="0"/>
+                  <dgm:constr type="t" for="ch" forName="Childtext1" refType="h" fact="0.2"/>
+                  <dgm:constr type="w" for="ch" forName="Childtext1" refType="w" fact="0.3"/>
+                  <dgm:constr type="h" for="ch" forName="Childtext1" refType="h" fact="0.6"/>
+                  <dgm:constr type="l" for="ch" forName="BalanceSpacing" refType="w" fact="0.82"/>
+                  <dgm:constr type="t" for="ch" forName="BalanceSpacing" refType="h" fact="0"/>
+                  <dgm:constr type="w" for="ch" forName="BalanceSpacing" refType="w" fact="0.18"/>
+                  <dgm:constr type="h" for="ch" forName="BalanceSpacing" refType="h"/>
+                  <dgm:constr type="l" for="ch" forName="BalanceSpacing1" refType="w" fact="0"/>
+                  <dgm:constr type="t" for="ch" forName="BalanceSpacing1" refType="h" fact="0.2"/>
+                  <dgm:constr type="w" for="ch" forName="BalanceSpacing1" refType="w" fact="0.3"/>
+                  <dgm:constr type="h" for="ch" forName="BalanceSpacing1" refType="h" fact="0.6"/>
+                </dgm:constrLst>
+              </dgm:else>
+            </dgm:choose>
+          </dgm:if>
+          <dgm:else name="Name6">
+            <dgm:choose name="Name7">
+              <dgm:if name="Name8" axis="self" ptType="node" func="posOdd" op="equ" val="1">
+                <dgm:constrLst>
+                  <dgm:constr type="l" for="ch" forName="Accent1" refType="w" fact="0.571"/>
+                  <dgm:constr type="t" for="ch" forName="Accent1" refType="h" fact="0"/>
+                  <dgm:constr type="h" for="ch" forName="Accent1" refType="h"/>
+                  <dgm:constr type="w" for="ch" forName="Accent1" refType="h" fact="0.87"/>
+                  <dgm:constr type="l" for="ch" forName="Accent1Text" refType="w" fact="0.571"/>
+                  <dgm:constr type="t" for="ch" forName="Accent1Text" refType="h" fact="0"/>
+                  <dgm:constr type="h" for="ch" forName="Accent1Text" refType="h"/>
+                  <dgm:constr type="w" for="ch" forName="Accent1Text" refType="h" fact="0.87"/>
+                  <dgm:constr type="l" for="ch" forName="Parent1" refType="w" fact="0.31"/>
+                  <dgm:constr type="t" for="ch" forName="Parent1" refType="h" fact="0"/>
+                  <dgm:constr type="h" for="ch" forName="Parent1" refType="h"/>
+                  <dgm:constr type="w" for="ch" forName="Parent1" refType="h" fact="0.87"/>
+                  <dgm:constr type="l" for="ch" forName="Childtext1" refType="w" fact="0"/>
+                  <dgm:constr type="t" for="ch" forName="Childtext1" refType="h" fact="0.2"/>
+                  <dgm:constr type="w" for="ch" forName="Childtext1" refType="w" fact="0.3"/>
+                  <dgm:constr type="h" for="ch" forName="Childtext1" refType="h" fact="0.6"/>
+                  <dgm:constr type="l" for="ch" forName="BalanceSpacing" refType="w" fact="0.82"/>
+                  <dgm:constr type="t" for="ch" forName="BalanceSpacing" refType="h" fact="0"/>
+                  <dgm:constr type="w" for="ch" forName="BalanceSpacing" refType="w" fact="0.18"/>
+                  <dgm:constr type="h" for="ch" forName="BalanceSpacing" refType="h"/>
+                </dgm:constrLst>
+              </dgm:if>
+              <dgm:else name="Name9">
+                <dgm:constrLst>
+                  <dgm:constr type="l" for="ch" forName="Accent1" refType="w" fact="0.18"/>
+                  <dgm:constr type="t" for="ch" forName="Accent1" refType="h" fact="0"/>
+                  <dgm:constr type="h" for="ch" forName="Accent1" refType="h"/>
+                  <dgm:constr type="w" for="ch" forName="Accent1" refType="h" fact="0.87"/>
+                  <dgm:constr type="l" for="ch" forName="Accent1Text" refType="w" fact="0.18"/>
+                  <dgm:constr type="t" for="ch" forName="Accent1Text" refType="h" fact="0"/>
+                  <dgm:constr type="h" for="ch" forName="Accent1Text" refType="h"/>
+                  <dgm:constr type="w" for="ch" forName="Accent1Text" refType="h" fact="0.87"/>
+                  <dgm:constr type="l" for="ch" forName="Parent1" refType="w" fact="0.441"/>
+                  <dgm:constr type="t" for="ch" forName="Parent1" refType="h" fact="0"/>
+                  <dgm:constr type="h" for="ch" forName="Parent1" refType="h"/>
+                  <dgm:constr type="w" for="ch" forName="Parent1" refType="h" fact="0.87"/>
+                  <dgm:constr type="l" for="ch" forName="Childtext1" refType="w" fact="0.69"/>
+                  <dgm:constr type="t" for="ch" forName="Childtext1" refType="h" fact="0.2"/>
+                  <dgm:constr type="w" for="ch" forName="Childtext1" refType="w" fact="0.31"/>
+                  <dgm:constr type="h" for="ch" forName="Childtext1" refType="h" fact="0.6"/>
+                  <dgm:constr type="l" for="ch" forName="BalanceSpacing" refType="w" fact="0"/>
+                  <dgm:constr type="t" for="ch" forName="BalanceSpacing" refType="h" fact="0"/>
+                  <dgm:constr type="w" for="ch" forName="BalanceSpacing" refType="w" fact="0.18"/>
+                  <dgm:constr type="h" for="ch" forName="BalanceSpacing" refType="h"/>
+                </dgm:constrLst>
+              </dgm:else>
+            </dgm:choose>
+          </dgm:else>
+        </dgm:choose>
+        <dgm:layoutNode name="Parent1" styleLbl="node1">
+          <dgm:varLst>
+            <dgm:chMax val="1"/>
+            <dgm:chPref val="1"/>
+            <dgm:bulletEnabled val="1"/>
+          </dgm:varLst>
+          <dgm:alg type="tx"/>
+          <dgm:shape xmlns:r="http://schemas.openxmlformats.org/officeDocument/2006/relationships" rot="90" type="hexagon" r:blip="">
+            <dgm:adjLst>
+              <dgm:adj idx="1" val="0.25"/>
+              <dgm:adj idx="2" val="1.1547"/>
+            </dgm:adjLst>
+          </dgm:shape>
+          <dgm:presOf axis="self" ptType="node"/>
+          <dgm:constrLst>
+            <dgm:constr type="lMarg" refType="primFontSz" fact="0.3"/>
+            <dgm:constr type="rMarg" refType="primFontSz" fact="0.3"/>
+            <dgm:constr type="tMarg" refType="primFontSz" fact="0.3"/>
+            <dgm:constr type="bMarg" refType="primFontSz" fact="0.3"/>
+          </dgm:constrLst>
+          <dgm:ruleLst>
+            <dgm:rule type="primFontSz" val="5" fact="NaN" max="NaN"/>
+          </dgm:ruleLst>
+        </dgm:layoutNode>
+        <dgm:layoutNode name="Childtext1" styleLbl="revTx">
+          <dgm:varLst>
+            <dgm:chMax val="0"/>
+            <dgm:chPref val="0"/>
+            <dgm:bulletEnabled val="1"/>
+          </dgm:varLst>
+          <dgm:choose name="Name10">
+            <dgm:if name="Name11" func="var" arg="dir" op="equ" val="norm">
+              <dgm:choose name="Name12">
+                <dgm:if name="Name13" axis="self" ptType="node" func="posOdd" op="equ" val="1">
+                  <dgm:alg type="tx">
+                    <dgm:param type="parTxLTRAlign" val="l"/>
+                  </dgm:alg>
+                </dgm:if>
+                <dgm:else name="Name14">
+                  <dgm:alg type="tx">
+                    <dgm:param type="parTxLTRAlign" val="r"/>
+                  </dgm:alg>
+                </dgm:else>
+              </dgm:choose>
+            </dgm:if>
+            <dgm:else name="Name15">
+              <dgm:choose name="Name16">
+                <dgm:if name="Name17" axis="self" ptType="node" func="posOdd" op="equ" val="1">
+                  <dgm:alg type="tx">
+                    <dgm:param type="parTxLTRAlign" val="r"/>
+                  </dgm:alg>
+                </dgm:if>
+                <dgm:else name="Name18">
+                  <dgm:alg type="tx">
+                    <dgm:param type="parTxLTRAlign" val="l"/>
+                  </dgm:alg>
+                </dgm:else>
+              </dgm:choose>
+            </dgm:else>
+          </dgm:choose>
+          <dgm:shape xmlns:r="http://schemas.openxmlformats.org/officeDocument/2006/relationships" type="rect" r:blip="">
+            <dgm:adjLst/>
+          </dgm:shape>
+          <dgm:presOf axis="des" ptType="node"/>
+          <dgm:constrLst>
+            <dgm:constr type="lMarg" refType="primFontSz" fact="0.3"/>
+            <dgm:constr type="rMarg" refType="primFontSz" fact="0.3"/>
+            <dgm:constr type="tMarg" refType="primFontSz" fact="0.3"/>
+            <dgm:constr type="bMarg" refType="primFontSz" fact="0.3"/>
+          </dgm:constrLst>
+          <dgm:ruleLst>
+            <dgm:rule type="primFontSz" val="5" fact="NaN" max="NaN"/>
+          </dgm:ruleLst>
+        </dgm:layoutNode>
+        <dgm:layoutNode name="BalanceSpacing">
+          <dgm:alg type="sp"/>
+          <dgm:shape xmlns:r="http://schemas.openxmlformats.org/officeDocument/2006/relationships" r:blip="">
+            <dgm:adjLst/>
+          </dgm:shape>
+        </dgm:layoutNode>
+        <dgm:layoutNode name="BalanceSpacing1">
+          <dgm:alg type="sp"/>
+          <dgm:shape xmlns:r="http://schemas.openxmlformats.org/officeDocument/2006/relationships" r:blip="">
+            <dgm:adjLst/>
+          </dgm:shape>
+        </dgm:layoutNode>
+        <dgm:forEach name="Name19" axis="followSib" ptType="sibTrans" hideLastTrans="0" cnt="1">
+          <dgm:layoutNode name="Accent1Text" styleLbl="node1">
+            <dgm:alg type="tx"/>
+            <dgm:shape xmlns:r="http://schemas.openxmlformats.org/officeDocument/2006/relationships" rot="90" type="hexagon" r:blip="">
+              <dgm:adjLst>
+                <dgm:adj idx="1" val="0.25"/>
+                <dgm:adj idx="2" val="1.1547"/>
+              </dgm:adjLst>
+            </dgm:shape>
+            <dgm:presOf axis="self" ptType="sibTrans"/>
+            <dgm:constrLst>
+              <dgm:constr type="lMarg"/>
+              <dgm:constr type="rMarg"/>
+              <dgm:constr type="tMarg"/>
+              <dgm:constr type="bMarg"/>
+            </dgm:constrLst>
+            <dgm:ruleLst>
+              <dgm:rule type="primFontSz" val="5" fact="NaN" max="NaN"/>
+            </dgm:ruleLst>
+          </dgm:layoutNode>
+        </dgm:forEach>
+      </dgm:layoutNode>
+      <dgm:forEach name="Name20" axis="followSib" ptType="sibTrans" cnt="1">
+        <dgm:layoutNode name="spaceBetweenRectangles">
+          <dgm:alg type="sp"/>
+          <dgm:shape xmlns:r="http://schemas.openxmlformats.org/officeDocument/2006/relationships" r:blip="">
+            <dgm:adjLst/>
+          </dgm:shape>
+          <dgm:presOf/>
+          <dgm:constrLst/>
+          <dgm:ruleLst/>
+        </dgm:layoutNode>
+      </dgm:forEach>
+    </dgm:forEach>
+  </dgm:layoutNode>
+</dgm:layoutDef>
+</file>
+
+<file path=ppt/diagrams/quickStyle1.xml><?xml version="1.0" encoding="utf-8"?>
+<dgm:styleDef xmlns:dgm="http://schemas.openxmlformats.org/drawingml/2006/diagram" xmlns:a="http://schemas.openxmlformats.org/drawingml/2006/main" uniqueId="urn:microsoft.com/office/officeart/2005/8/quickstyle/simple1">
+  <dgm:title val=""/>
+  <dgm:desc val=""/>
+  <dgm:catLst>
+    <dgm:cat type="simple" pri="10100"/>
+  </dgm:catLst>
+  <dgm:scene3d>
+    <a:camera prst="orthographicFront"/>
+    <a:lightRig rig="threePt" dir="t"/>
+  </dgm:scene3d>
+  <dgm:styleLbl name="node0">
+    <dgm:scene3d>
+      <a:camera prst="orthographicFront"/>
+      <a:lightRig rig="threePt" dir="t"/>
+    </dgm:scene3d>
+    <dgm:sp3d/>
+    <dgm:txPr/>
+    <dgm:style>
+      <a:lnRef idx="2">
+        <a:scrgbClr r="0" g="0" b="0"/>
+      </a:lnRef>
+      <a:fillRef idx="1">
+        <a:scrgbClr r="0" g="0" b="0"/>
+      </a:fillRef>
+      <a:effectRef idx="0">
+        <a:scrgbClr r="0" g="0" b="0"/>
+      </a:effectRef>
+      <a:fontRef idx="minor">
+        <a:schemeClr val="lt1"/>
+      </a:fontRef>
+    </dgm:style>
+  </dgm:styleLbl>
+  <dgm:styleLbl name="lnNode1">
+    <dgm:scene3d>
+      <a:camera prst="orthographicFront"/>
+      <a:lightRig rig="threePt" dir="t"/>
+    </dgm:scene3d>
+    <dgm:sp3d/>
+    <dgm:txPr/>
+    <dgm:style>
+      <a:lnRef idx="2">
+        <a:scrgbClr r="0" g="0" b="0"/>
+      </a:lnRef>
+      <a:fillRef idx="1">
+        <a:scrgbClr r="0" g="0" b="0"/>
+      </a:fillRef>
+      <a:effectRef idx="0">
+        <a:scrgbClr r="0" g="0" b="0"/>
+      </a:effectRef>
+      <a:fontRef idx="minor">
+        <a:schemeClr val="lt1"/>
+      </a:fontRef>
+    </dgm:style>
+  </dgm:styleLbl>
+  <dgm:styleLbl name="vennNode1">
+    <dgm:scene3d>
+      <a:camera prst="orthographicFront"/>
+      <a:lightRig rig="threePt" dir="t"/>
+    </dgm:scene3d>
+    <dgm:sp3d/>
+    <dgm:txPr/>
+    <dgm:style>
+      <a:lnRef idx="2">
+        <a:scrgbClr r="0" g="0" b="0"/>
+      </a:lnRef>
+      <a:fillRef idx="1">
+        <a:scrgbClr r="0" g="0" b="0"/>
+      </a:fillRef>
+      <a:effectRef idx="0">
+        <a:scrgbClr r="0" g="0" b="0"/>
+      </a:effectRef>
+      <a:fontRef idx="minor">
+        <a:schemeClr val="tx1"/>
+      </a:fontRef>
+    </dgm:style>
+  </dgm:styleLbl>
+  <dgm:styleLbl name="alignNode1">
+    <dgm:scene3d>
+      <a:camera prst="orthographicFront"/>
+      <a:lightRig rig="threePt" dir="t"/>
+    </dgm:scene3d>
+    <dgm:sp3d/>
+    <dgm:txPr/>
+    <dgm:style>
+      <a:lnRef idx="2">
+        <a:scrgbClr r="0" g="0" b="0"/>
+      </a:lnRef>
+      <a:fillRef idx="1">
+        <a:scrgbClr r="0" g="0" b="0"/>
+      </a:fillRef>
+      <a:effectRef idx="0">
+        <a:scrgbClr r="0" g="0" b="0"/>
+      </a:effectRef>
+      <a:fontRef idx="minor">
+        <a:schemeClr val="lt1"/>
+      </a:fontRef>
+    </dgm:style>
+  </dgm:styleLbl>
+  <dgm:styleLbl name="node1">
+    <dgm:scene3d>
+      <a:camera prst="orthographicFront"/>
+      <a:lightRig rig="threePt" dir="t"/>
+    </dgm:scene3d>
+    <dgm:sp3d/>
+    <dgm:txPr/>
+    <dgm:style>
+      <a:lnRef idx="2">
+        <a:scrgbClr r="0" g="0" b="0"/>
+      </a:lnRef>
+      <a:fillRef idx="1">
+        <a:scrgbClr r="0" g="0" b="0"/>
+      </a:fillRef>
+      <a:effectRef idx="0">
+        <a:scrgbClr r="0" g="0" b="0"/>
+      </a:effectRef>
+      <a:fontRef idx="minor">
+        <a:schemeClr val="lt1"/>
+      </a:fontRef>
+    </dgm:style>
+  </dgm:styleLbl>
+  <dgm:styleLbl name="node2">
+    <dgm:scene3d>
+      <a:camera prst="orthographicFront"/>
+      <a:lightRig rig="threePt" dir="t"/>
+    </dgm:scene3d>
+    <dgm:sp3d/>
+    <dgm:txPr/>
+    <dgm:style>
+      <a:lnRef idx="2">
+        <a:scrgbClr r="0" g="0" b="0"/>
+      </a:lnRef>
+      <a:fillRef idx="1">
+        <a:scrgbClr r="0" g="0" b="0"/>
+      </a:fillRef>
+      <a:effectRef idx="0">
+        <a:scrgbClr r="0" g="0" b="0"/>
+      </a:effectRef>
+      <a:fontRef idx="minor">
+        <a:schemeClr val="lt1"/>
+      </a:fontRef>
+    </dgm:style>
+  </dgm:styleLbl>
+  <dgm:styleLbl name="node3">
+    <dgm:scene3d>
+      <a:camera prst="orthographicFront"/>
+      <a:lightRig rig="threePt" dir="t"/>
+    </dgm:scene3d>
+    <dgm:sp3d/>
+    <dgm:txPr/>
+    <dgm:style>
+      <a:lnRef idx="2">
+        <a:scrgbClr r="0" g="0" b="0"/>
+      </a:lnRef>
+      <a:fillRef idx="1">
+        <a:scrgbClr r="0" g="0" b="0"/>
+      </a:fillRef>
+      <a:effectRef idx="0">
+        <a:scrgbClr r="0" g="0" b="0"/>
+      </a:effectRef>
+      <a:fontRef idx="minor">
+        <a:schemeClr val="lt1"/>
+      </a:fontRef>
+    </dgm:style>
+  </dgm:styleLbl>
+  <dgm:styleLbl name="node4">
+    <dgm:scene3d>
+      <a:camera prst="orthographicFront"/>
+      <a:lightRig rig="threePt" dir="t"/>
+    </dgm:scene3d>
+    <dgm:sp3d/>
+    <dgm:txPr/>
+    <dgm:style>
+      <a:lnRef idx="2">
+        <a:scrgbClr r="0" g="0" b="0"/>
+      </a:lnRef>
+      <a:fillRef idx="1">
+        <a:scrgbClr r="0" g="0" b="0"/>
+      </a:fillRef>
+      <a:effectRef idx="0">
+        <a:scrgbClr r="0" g="0" b="0"/>
+      </a:effectRef>
+      <a:fontRef idx="minor">
+        <a:schemeClr val="lt1"/>
+      </a:fontRef>
+    </dgm:style>
+  </dgm:styleLbl>
+  <dgm:styleLbl name="fgImgPlace1">
+    <dgm:scene3d>
+      <a:camera prst="orthographicFront"/>
+      <a:lightRig rig="threePt" dir="t"/>
+    </dgm:scene3d>
+    <dgm:sp3d/>
+    <dgm:txPr/>
+    <dgm:style>
+      <a:lnRef idx="2">
+        <a:scrgbClr r="0" g="0" b="0"/>
+      </a:lnRef>
+      <a:fillRef idx="1">
+        <a:scrgbClr r="0" g="0" b="0"/>
+      </a:fillRef>
+      <a:effectRef idx="0">
+        <a:scrgbClr r="0" g="0" b="0"/>
+      </a:effectRef>
+      <a:fontRef idx="minor"/>
+    </dgm:style>
+  </dgm:styleLbl>
+  <dgm:styleLbl name="alignImgPlace1">
+    <dgm:scene3d>
+      <a:camera prst="orthographicFront"/>
+      <a:lightRig rig="threePt" dir="t"/>
+    </dgm:scene3d>
+    <dgm:sp3d/>
+    <dgm:txPr/>
+    <dgm:style>
+      <a:lnRef idx="2">
+        <a:scrgbClr r="0" g="0" b="0"/>
+      </a:lnRef>
+      <a:fillRef idx="1">
+        <a:scrgbClr r="0" g="0" b="0"/>
+      </a:fillRef>
+      <a:effectRef idx="0">
+        <a:scrgbClr r="0" g="0" b="0"/>
+      </a:effectRef>
+      <a:fontRef idx="minor"/>
+    </dgm:style>
+  </dgm:styleLbl>
+  <dgm:styleLbl name="bgImgPlace1">
+    <dgm:scene3d>
+      <a:camera prst="orthographicFront"/>
+      <a:lightRig rig="threePt" dir="t"/>
+    </dgm:scene3d>
+    <dgm:sp3d/>
+    <dgm:txPr/>
+    <dgm:style>
+      <a:lnRef idx="2">
+        <a:scrgbClr r="0" g="0" b="0"/>
+      </a:lnRef>
+      <a:fillRef idx="1">
+        <a:scrgbClr r="0" g="0" b="0"/>
+      </a:fillRef>
+      <a:effectRef idx="0">
+        <a:scrgbClr r="0" g="0" b="0"/>
+      </a:effectRef>
+      <a:fontRef idx="minor"/>
+    </dgm:style>
+  </dgm:styleLbl>
+  <dgm:styleLbl name="sibTrans2D1">
+    <dgm:scene3d>
+      <a:camera prst="orthographicFront"/>
+      <a:lightRig rig="threePt" dir="t"/>
+    </dgm:scene3d>
+    <dgm:sp3d/>
+    <dgm:txPr/>
+    <dgm:style>
+      <a:lnRef idx="0">
+        <a:scrgbClr r="0" g="0" b="0"/>
+      </a:lnRef>
+      <a:fillRef idx="1">
+        <a:scrgbClr r="0" g="0" b="0"/>
+      </a:fillRef>
+      <a:effectRef idx="0">
+        <a:scrgbClr r="0" g="0" b="0"/>
+      </a:effectRef>
+      <a:fontRef idx="minor">
+        <a:schemeClr val="lt1"/>
+      </a:fontRef>
+    </dgm:style>
+  </dgm:styleLbl>
+  <dgm:styleLbl name="fgSibTrans2D1">
+    <dgm:scene3d>
+      <a:camera prst="orthographicFront"/>
+      <a:lightRig rig="threePt" dir="t"/>
+    </dgm:scene3d>
+    <dgm:sp3d/>
+    <dgm:txPr/>
+    <dgm:style>
+      <a:lnRef idx="0">
+        <a:scrgbClr r="0" g="0" b="0"/>
+      </a:lnRef>
+      <a:fillRef idx="1">
+        <a:scrgbClr r="0" g="0" b="0"/>
+      </a:fillRef>
+      <a:effectRef idx="0">
+        <a:scrgbClr r="0" g="0" b="0"/>
+      </a:effectRef>
+      <a:fontRef idx="minor">
+        <a:schemeClr val="lt1"/>
+      </a:fontRef>
+    </dgm:style>
+  </dgm:styleLbl>
+  <dgm:styleLbl name="bgSibTrans2D1">
+    <dgm:scene3d>
+      <a:camera prst="orthographicFront"/>
+      <a:lightRig rig="threePt" dir="t"/>
+    </dgm:scene3d>
+    <dgm:sp3d/>
+    <dgm:txPr/>
+    <dgm:style>
+      <a:lnRef idx="0">
+        <a:scrgbClr r="0" g="0" b="0"/>
+      </a:lnRef>
+      <a:fillRef idx="1">
+        <a:scrgbClr r="0" g="0" b="0"/>
+      </a:fillRef>
+      <a:effectRef idx="0">
+        <a:scrgbClr r="0" g="0" b="0"/>
+      </a:effectRef>
+      <a:fontRef idx="minor">
+        <a:schemeClr val="lt1"/>
+      </a:fontRef>
+    </dgm:style>
+  </dgm:styleLbl>
+  <dgm:styleLbl name="sibTrans1D1">
+    <dgm:scene3d>
+      <a:camera prst="orthographicFront"/>
+      <a:lightRig rig="threePt" dir="t"/>
+    </dgm:scene3d>
+    <dgm:sp3d/>
+    <dgm:txPr/>
+    <dgm:style>
+      <a:lnRef idx="1">
+        <a:scrgbClr r="0" g="0" b="0"/>
+      </a:lnRef>
+      <a:fillRef idx="0">
+        <a:scrgbClr r="0" g="0" b="0"/>
+      </a:fillRef>
+      <a:effectRef idx="0">
+        <a:scrgbClr r="0" g="0" b="0"/>
+      </a:effectRef>
+      <a:fontRef idx="minor"/>
+    </dgm:style>
+  </dgm:styleLbl>
+  <dgm:styleLbl name="callout">
+    <dgm:scene3d>
+      <a:camera prst="orthographicFront"/>
+      <a:lightRig rig="threePt" dir="t"/>
+    </dgm:scene3d>
+    <dgm:sp3d/>
+    <dgm:txPr/>
+    <dgm:style>
+      <a:lnRef idx="2">
+        <a:scrgbClr r="0" g="0" b="0"/>
+      </a:lnRef>
+      <a:fillRef idx="1">
+        <a:scrgbClr r="0" g="0" b="0"/>
+      </a:fillRef>
+      <a:effectRef idx="0">
+        <a:scrgbClr r="0" g="0" b="0"/>
+      </a:effectRef>
+      <a:fontRef idx="minor"/>
+    </dgm:style>
+  </dgm:styleLbl>
+  <dgm:styleLbl name="asst0">
+    <dgm:scene3d>
+      <a:camera prst="orthographicFront"/>
+      <a:lightRig rig="threePt" dir="t"/>
+    </dgm:scene3d>
+    <dgm:sp3d/>
+    <dgm:txPr/>
+    <dgm:style>
+      <a:lnRef idx="2">
+        <a:scrgbClr r="0" g="0" b="0"/>
+      </a:lnRef>
+      <a:fillRef idx="1">
+        <a:scrgbClr r="0" g="0" b="0"/>
+      </a:fillRef>
+      <a:effectRef idx="0">
+        <a:scrgbClr r="0" g="0" b="0"/>
+      </a:effectRef>
+      <a:fontRef idx="minor">
+        <a:schemeClr val="lt1"/>
+      </a:fontRef>
+    </dgm:style>
+  </dgm:styleLbl>
+  <dgm:styleLbl name="asst1">
+    <dgm:scene3d>
+      <a:camera prst="orthographicFront"/>
+      <a:lightRig rig="threePt" dir="t"/>
+    </dgm:scene3d>
+    <dgm:sp3d/>
+    <dgm:txPr/>
+    <dgm:style>
+      <a:lnRef idx="2">
+        <a:scrgbClr r="0" g="0" b="0"/>
+      </a:lnRef>
+      <a:fillRef idx="1">
+        <a:scrgbClr r="0" g="0" b="0"/>
+      </a:fillRef>
+      <a:effectRef idx="0">
+        <a:scrgbClr r="0" g="0" b="0"/>
+      </a:effectRef>
+      <a:fontRef idx="minor">
+        <a:schemeClr val="lt1"/>
+      </a:fontRef>
+    </dgm:style>
+  </dgm:styleLbl>
+  <dgm:styleLbl name="asst2">
+    <dgm:scene3d>
+      <a:camera prst="orthographicFront"/>
+      <a:lightRig rig="threePt" dir="t"/>
+    </dgm:scene3d>
+    <dgm:sp3d/>
+    <dgm:txPr/>
+    <dgm:style>
+      <a:lnRef idx="2">
+        <a:scrgbClr r="0" g="0" b="0"/>
+      </a:lnRef>
+      <a:fillRef idx="1">
+        <a:scrgbClr r="0" g="0" b="0"/>
+      </a:fillRef>
+      <a:effectRef idx="0">
+        <a:scrgbClr r="0" g="0" b="0"/>
+      </a:effectRef>
+      <a:fontRef idx="minor">
+        <a:schemeClr val="lt1"/>
+      </a:fontRef>
+    </dgm:style>
+  </dgm:styleLbl>
+  <dgm:styleLbl name="asst3">
+    <dgm:scene3d>
+      <a:camera prst="orthographicFront"/>
+      <a:lightRig rig="threePt" dir="t"/>
+    </dgm:scene3d>
+    <dgm:sp3d/>
+    <dgm:txPr/>
+    <dgm:style>
+      <a:lnRef idx="2">
+        <a:scrgbClr r="0" g="0" b="0"/>
+      </a:lnRef>
+      <a:fillRef idx="1">
+        <a:scrgbClr r="0" g="0" b="0"/>
+      </a:fillRef>
+      <a:effectRef idx="0">
+        <a:scrgbClr r="0" g="0" b="0"/>
+      </a:effectRef>
+      <a:fontRef idx="minor">
+        <a:schemeClr val="lt1"/>
+      </a:fontRef>
+    </dgm:style>
+  </dgm:styleLbl>
+  <dgm:styleLbl name="asst4">
+    <dgm:scene3d>
+      <a:camera prst="orthographicFront"/>
+      <a:lightRig rig="threePt" dir="t"/>
+    </dgm:scene3d>
+    <dgm:sp3d/>
+    <dgm:txPr/>
+    <dgm:style>
+      <a:lnRef idx="2">
+        <a:scrgbClr r="0" g="0" b="0"/>
+      </a:lnRef>
+      <a:fillRef idx="1">
+        <a:scrgbClr r="0" g="0" b="0"/>
+      </a:fillRef>
+      <a:effectRef idx="0">
+        <a:scrgbClr r="0" g="0" b="0"/>
+      </a:effectRef>
+      <a:fontRef idx="minor">
+        <a:schemeClr val="lt1"/>
+      </a:fontRef>
+    </dgm:style>
+  </dgm:styleLbl>
+  <dgm:styleLbl name="parChTrans2D1">
+    <dgm:scene3d>
+      <a:camera prst="orthographicFront"/>
+      <a:lightRig rig="threePt" dir="t"/>
+    </dgm:scene3d>
+    <dgm:sp3d/>
+    <dgm:txPr/>
+    <dgm:style>
+      <a:lnRef idx="2">
+        <a:scrgbClr r="0" g="0" b="0"/>
+      </a:lnRef>
+      <a:fillRef idx="1">
+        <a:scrgbClr r="0" g="0" b="0"/>
+      </a:fillRef>
+      <a:effectRef idx="0">
+        <a:scrgbClr r="0" g="0" b="0"/>
+      </a:effectRef>
+      <a:fontRef idx="minor">
+        <a:schemeClr val="lt1"/>
+      </a:fontRef>
+    </dgm:style>
+  </dgm:styleLbl>
+  <dgm:styleLbl name="parChTrans2D2">
+    <dgm:scene3d>
+      <a:camera prst="orthographicFront"/>
+      <a:lightRig rig="threePt" dir="t"/>
+    </dgm:scene3d>
+    <dgm:sp3d/>
+    <dgm:txPr/>
+    <dgm:style>
+      <a:lnRef idx="2">
+        <a:scrgbClr r="0" g="0" b="0"/>
+      </a:lnRef>
+      <a:fillRef idx="1">
+        <a:scrgbClr r="0" g="0" b="0"/>
+      </a:fillRef>
+      <a:effectRef idx="0">
+        <a:scrgbClr r="0" g="0" b="0"/>
+      </a:effectRef>
+      <a:fontRef idx="minor">
+        <a:schemeClr val="lt1"/>
+      </a:fontRef>
+    </dgm:style>
+  </dgm:styleLbl>
+  <dgm:styleLbl name="parChTrans2D3">
+    <dgm:scene3d>
+      <a:camera prst="orthographicFront"/>
+      <a:lightRig rig="threePt" dir="t"/>
+    </dgm:scene3d>
+    <dgm:sp3d/>
+    <dgm:txPr/>
+    <dgm:style>
+      <a:lnRef idx="2">
+        <a:scrgbClr r="0" g="0" b="0"/>
+      </a:lnRef>
+      <a:fillRef idx="1">
+        <a:scrgbClr r="0" g="0" b="0"/>
+      </a:fillRef>
+      <a:effectRef idx="0">
+        <a:scrgbClr r="0" g="0" b="0"/>
+      </a:effectRef>
+      <a:fontRef idx="minor">
+        <a:schemeClr val="lt1"/>
+      </a:fontRef>
+    </dgm:style>
+  </dgm:styleLbl>
+  <dgm:styleLbl name="parChTrans2D4">
+    <dgm:scene3d>
+      <a:camera prst="orthographicFront"/>
+      <a:lightRig rig="threePt" dir="t"/>
+    </dgm:scene3d>
+    <dgm:sp3d/>
+    <dgm:txPr/>
+    <dgm:style>
+      <a:lnRef idx="2">
+        <a:scrgbClr r="0" g="0" b="0"/>
+      </a:lnRef>
+      <a:fillRef idx="1">
+        <a:scrgbClr r="0" g="0" b="0"/>
+      </a:fillRef>
+      <a:effectRef idx="0">
+        <a:scrgbClr r="0" g="0" b="0"/>
+      </a:effectRef>
+      <a:fontRef idx="minor">
+        <a:schemeClr val="lt1"/>
+      </a:fontRef>
+    </dgm:style>
+  </dgm:styleLbl>
+  <dgm:styleLbl name="parChTrans1D1">
+    <dgm:scene3d>
+      <a:camera prst="orthographicFront"/>
+      <a:lightRig rig="threePt" dir="t"/>
+    </dgm:scene3d>
+    <dgm:sp3d/>
+    <dgm:txPr/>
+    <dgm:style>
+      <a:lnRef idx="2">
+        <a:scrgbClr r="0" g="0" b="0"/>
+      </a:lnRef>
+      <a:fillRef idx="0">
+        <a:scrgbClr r="0" g="0" b="0"/>
+      </a:fillRef>
+      <a:effectRef idx="0">
+        <a:scrgbClr r="0" g="0" b="0"/>
+      </a:effectRef>
+      <a:fontRef idx="minor"/>
+    </dgm:style>
+  </dgm:styleLbl>
+  <dgm:styleLbl name="parChTrans1D2">
+    <dgm:scene3d>
+      <a:camera prst="orthographicFront"/>
+      <a:lightRig rig="threePt" dir="t"/>
+    </dgm:scene3d>
+    <dgm:sp3d/>
+    <dgm:txPr/>
+    <dgm:style>
+      <a:lnRef idx="2">
+        <a:scrgbClr r="0" g="0" b="0"/>
+      </a:lnRef>
+      <a:fillRef idx="0">
+        <a:scrgbClr r="0" g="0" b="0"/>
+      </a:fillRef>
+      <a:effectRef idx="0">
+        <a:scrgbClr r="0" g="0" b="0"/>
+      </a:effectRef>
+      <a:fontRef idx="minor"/>
+    </dgm:style>
+  </dgm:styleLbl>
+  <dgm:styleLbl name="parChTrans1D3">
+    <dgm:scene3d>
+      <a:camera prst="orthographicFront"/>
+      <a:lightRig rig="threePt" dir="t"/>
+    </dgm:scene3d>
+    <dgm:sp3d/>
+    <dgm:txPr/>
+    <dgm:style>
+      <a:lnRef idx="2">
+        <a:scrgbClr r="0" g="0" b="0"/>
+      </a:lnRef>
+      <a:fillRef idx="0">
+        <a:scrgbClr r="0" g="0" b="0"/>
+      </a:fillRef>
+      <a:effectRef idx="0">
+        <a:scrgbClr r="0" g="0" b="0"/>
+      </a:effectRef>
+      <a:fontRef idx="minor"/>
+    </dgm:style>
+  </dgm:styleLbl>
+  <dgm:styleLbl name="parChTrans1D4">
+    <dgm:scene3d>
+      <a:camera prst="orthographicFront"/>
+      <a:lightRig rig="threePt" dir="t"/>
+    </dgm:scene3d>
+    <dgm:sp3d/>
+    <dgm:txPr/>
+    <dgm:style>
+      <a:lnRef idx="2">
+        <a:scrgbClr r="0" g="0" b="0"/>
+      </a:lnRef>
+      <a:fillRef idx="0">
+        <a:scrgbClr r="0" g="0" b="0"/>
+      </a:fillRef>
+      <a:effectRef idx="0">
+        <a:scrgbClr r="0" g="0" b="0"/>
+      </a:effectRef>
+      <a:fontRef idx="minor"/>
+    </dgm:style>
+  </dgm:styleLbl>
+  <dgm:styleLbl name="fgAcc1">
+    <dgm:scene3d>
+      <a:camera prst="orthographicFront"/>
+      <a:lightRig rig="threePt" dir="t"/>
+    </dgm:scene3d>
+    <dgm:sp3d/>
+    <dgm:txPr/>
+    <dgm:style>
+      <a:lnRef idx="2">
+        <a:scrgbClr r="0" g="0" b="0"/>
+      </a:lnRef>
+      <a:fillRef idx="1">
+        <a:scrgbClr r="0" g="0" b="0"/>
+      </a:fillRef>
+      <a:effectRef idx="0">
+        <a:scrgbClr r="0" g="0" b="0"/>
+      </a:effectRef>
+      <a:fontRef idx="minor"/>
+    </dgm:style>
+  </dgm:styleLbl>
+  <dgm:styleLbl name="conFgAcc1">
+    <dgm:scene3d>
+      <a:camera prst="orthographicFront"/>
+      <a:lightRig rig="threePt" dir="t"/>
+    </dgm:scene3d>
+    <dgm:sp3d/>
+    <dgm:txPr/>
+    <dgm:style>
+      <a:lnRef idx="2">
+        <a:scrgbClr r="0" g="0" b="0"/>
+      </a:lnRef>
+      <a:fillRef idx="1">
+        <a:scrgbClr r="0" g="0" b="0"/>
+      </a:fillRef>
+      <a:effectRef idx="0">
+        <a:scrgbClr r="0" g="0" b="0"/>
+      </a:effectRef>
+      <a:fontRef idx="minor"/>
+    </dgm:style>
+  </dgm:styleLbl>
+  <dgm:styleLbl name="alignAcc1">
+    <dgm:scene3d>
+      <a:camera prst="orthographicFront"/>
+      <a:lightRig rig="threePt" dir="t"/>
+    </dgm:scene3d>
+    <dgm:sp3d/>
+    <dgm:txPr/>
+    <dgm:style>
+      <a:lnRef idx="2">
+        <a:scrgbClr r="0" g="0" b="0"/>
+      </a:lnRef>
+      <a:fillRef idx="1">
+        <a:scrgbClr r="0" g="0" b="0"/>
+      </a:fillRef>
+      <a:effectRef idx="0">
+        <a:scrgbClr r="0" g="0" b="0"/>
+      </a:effectRef>
+      <a:fontRef idx="minor"/>
+    </dgm:style>
+  </dgm:styleLbl>
+  <dgm:styleLbl name="trAlignAcc1">
+    <dgm:scene3d>
+      <a:camera prst="orthographicFront"/>
+      <a:lightRig rig="threePt" dir="t"/>
+    </dgm:scene3d>
+    <dgm:sp3d/>
+    <dgm:txPr/>
+    <dgm:style>
+      <a:lnRef idx="1">
+        <a:scrgbClr r="0" g="0" b="0"/>
+      </a:lnRef>
+      <a:fillRef idx="1">
+        <a:scrgbClr r="0" g="0" b="0"/>
+      </a:fillRef>
+      <a:effectRef idx="0">
+        <a:scrgbClr r="0" g="0" b="0"/>
+      </a:effectRef>
+      <a:fontRef idx="minor"/>
+    </dgm:style>
+  </dgm:styleLbl>
+  <dgm:styleLbl name="bgAcc1">
+    <dgm:scene3d>
+      <a:camera prst="orthographicFront"/>
+      <a:lightRig rig="threePt" dir="t"/>
+    </dgm:scene3d>
+    <dgm:sp3d/>
+    <dgm:txPr/>
+    <dgm:style>
+      <a:lnRef idx="2">
+        <a:scrgbClr r="0" g="0" b="0"/>
+      </a:lnRef>
+      <a:fillRef idx="1">
+        <a:scrgbClr r="0" g="0" b="0"/>
+      </a:fillRef>
+      <a:effectRef idx="0">
+        <a:scrgbClr r="0" g="0" b="0"/>
+      </a:effectRef>
+      <a:fontRef idx="minor"/>
+    </dgm:style>
+  </dgm:styleLbl>
+  <dgm:styleLbl name="solidFgAcc1">
+    <dgm:scene3d>
+      <a:camera prst="orthographicFront"/>
+      <a:lightRig rig="threePt" dir="t"/>
+    </dgm:scene3d>
+    <dgm:sp3d/>
+    <dgm:txPr/>
+    <dgm:style>
+      <a:lnRef idx="2">
+        <a:scrgbClr r="0" g="0" b="0"/>
+      </a:lnRef>
+      <a:fillRef idx="1">
+        <a:scrgbClr r="0" g="0" b="0"/>
+      </a:fillRef>
+      <a:effectRef idx="0">
+        <a:scrgbClr r="0" g="0" b="0"/>
+      </a:effectRef>
+      <a:fontRef idx="minor"/>
+    </dgm:style>
+  </dgm:styleLbl>
+  <dgm:styleLbl name="solidAlignAcc1">
+    <dgm:scene3d>
+      <a:camera prst="orthographicFront"/>
+      <a:lightRig rig="threePt" dir="t"/>
+    </dgm:scene3d>
+    <dgm:sp3d/>
+    <dgm:txPr/>
+    <dgm:style>
+      <a:lnRef idx="2">
+        <a:scrgbClr r="0" g="0" b="0"/>
+      </a:lnRef>
+      <a:fillRef idx="1">
+        <a:scrgbClr r="0" g="0" b="0"/>
+      </a:fillRef>
+      <a:effectRef idx="0">
+        <a:scrgbClr r="0" g="0" b="0"/>
+      </a:effectRef>
+      <a:fontRef idx="minor"/>
+    </dgm:style>
+  </dgm:styleLbl>
+  <dgm:styleLbl name="solidBgAcc1">
+    <dgm:scene3d>
+      <a:camera prst="orthographicFront"/>
+      <a:lightRig rig="threePt" dir="t"/>
+    </dgm:scene3d>
+    <dgm:sp3d/>
+    <dgm:txPr/>
+    <dgm:style>
+      <a:lnRef idx="2">
+        <a:scrgbClr r="0" g="0" b="0"/>
+      </a:lnRef>
+      <a:fillRef idx="1">
+        <a:scrgbClr r="0" g="0" b="0"/>
+      </a:fillRef>
+      <a:effectRef idx="0">
+        <a:scrgbClr r="0" g="0" b="0"/>
+      </a:effectRef>
+      <a:fontRef idx="minor"/>
+    </dgm:style>
+  </dgm:styleLbl>
+  <dgm:styleLbl name="fgAccFollowNode1">
+    <dgm:scene3d>
+      <a:camera prst="orthographicFront"/>
+      <a:lightRig rig="threePt" dir="t"/>
+    </dgm:scene3d>
+    <dgm:sp3d/>
+    <dgm:txPr/>
+    <dgm:style>
+      <a:lnRef idx="2">
+        <a:scrgbClr r="0" g="0" b="0"/>
+      </a:lnRef>
+      <a:fillRef idx="1">
+        <a:scrgbClr r="0" g="0" b="0"/>
+      </a:fillRef>
+      <a:effectRef idx="0">
+        <a:scrgbClr r="0" g="0" b="0"/>
+      </a:effectRef>
+      <a:fontRef idx="minor"/>
+    </dgm:style>
+  </dgm:styleLbl>
+  <dgm:styleLbl name="alignAccFollowNode1">
+    <dgm:scene3d>
+      <a:camera prst="orthographicFront"/>
+      <a:lightRig rig="threePt" dir="t"/>
+    </dgm:scene3d>
+    <dgm:sp3d/>
+    <dgm:txPr/>
+    <dgm:style>
+      <a:lnRef idx="2">
+        <a:scrgbClr r="0" g="0" b="0"/>
+      </a:lnRef>
+      <a:fillRef idx="1">
+        <a:scrgbClr r="0" g="0" b="0"/>
+      </a:fillRef>
+      <a:effectRef idx="0">
+        <a:scrgbClr r="0" g="0" b="0"/>
+      </a:effectRef>
+      <a:fontRef idx="minor"/>
+    </dgm:style>
+  </dgm:styleLbl>
+  <dgm:styleLbl name="bgAccFollowNode1">
+    <dgm:scene3d>
+      <a:camera prst="orthographicFront"/>
+      <a:lightRig rig="threePt" dir="t"/>
+    </dgm:scene3d>
+    <dgm:sp3d/>
+    <dgm:txPr/>
+    <dgm:style>
+      <a:lnRef idx="2">
+        <a:scrgbClr r="0" g="0" b="0"/>
+      </a:lnRef>
+      <a:fillRef idx="1">
+        <a:scrgbClr r="0" g="0" b="0"/>
+      </a:fillRef>
+      <a:effectRef idx="0">
+        <a:scrgbClr r="0" g="0" b="0"/>
+      </a:effectRef>
+      <a:fontRef idx="minor"/>
+    </dgm:style>
+  </dgm:styleLbl>
+  <dgm:styleLbl name="fgAcc0">
+    <dgm:scene3d>
+      <a:camera prst="orthographicFront"/>
+      <a:lightRig rig="threePt" dir="t"/>
+    </dgm:scene3d>
+    <dgm:sp3d/>
+    <dgm:txPr/>
+    <dgm:style>
+      <a:lnRef idx="2">
+        <a:scrgbClr r="0" g="0" b="0"/>
+      </a:lnRef>
+      <a:fillRef idx="1">
+        <a:scrgbClr r="0" g="0" b="0"/>
+      </a:fillRef>
+      <a:effectRef idx="0">
+        <a:scrgbClr r="0" g="0" b="0"/>
+      </a:effectRef>
+      <a:fontRef idx="minor"/>
+    </dgm:style>
+  </dgm:styleLbl>
+  <dgm:styleLbl name="fgAcc2">
+    <dgm:scene3d>
+      <a:camera prst="orthographicFront"/>
+      <a:lightRig rig="threePt" dir="t"/>
+    </dgm:scene3d>
+    <dgm:sp3d/>
+    <dgm:txPr/>
+    <dgm:style>
+      <a:lnRef idx="2">
+        <a:scrgbClr r="0" g="0" b="0"/>
+      </a:lnRef>
+      <a:fillRef idx="1">
+        <a:scrgbClr r="0" g="0" b="0"/>
+      </a:fillRef>
+      <a:effectRef idx="0">
+        <a:scrgbClr r="0" g="0" b="0"/>
+      </a:effectRef>
+      <a:fontRef idx="minor"/>
+    </dgm:style>
+  </dgm:styleLbl>
+  <dgm:styleLbl name="fgAcc3">
+    <dgm:scene3d>
+      <a:camera prst="orthographicFront"/>
+      <a:lightRig rig="threePt" dir="t"/>
+    </dgm:scene3d>
+    <dgm:sp3d/>
+    <dgm:txPr/>
+    <dgm:style>
+      <a:lnRef idx="2">
+        <a:scrgbClr r="0" g="0" b="0"/>
+      </a:lnRef>
+      <a:fillRef idx="1">
+        <a:scrgbClr r="0" g="0" b="0"/>
+      </a:fillRef>
+      <a:effectRef idx="0">
+        <a:scrgbClr r="0" g="0" b="0"/>
+      </a:effectRef>
+      <a:fontRef idx="minor"/>
+    </dgm:style>
+  </dgm:styleLbl>
+  <dgm:styleLbl name="fgAcc4">
+    <dgm:scene3d>
+      <a:camera prst="orthographicFront"/>
+      <a:lightRig rig="threePt" dir="t"/>
+    </dgm:scene3d>
+    <dgm:sp3d/>
+    <dgm:txPr/>
+    <dgm:style>
+      <a:lnRef idx="2">
+        <a:scrgbClr r="0" g="0" b="0"/>
+      </a:lnRef>
+      <a:fillRef idx="1">
+        <a:scrgbClr r="0" g="0" b="0"/>
+      </a:fillRef>
+      <a:effectRef idx="0">
+        <a:scrgbClr r="0" g="0" b="0"/>
+      </a:effectRef>
+      <a:fontRef idx="minor"/>
+    </dgm:style>
+  </dgm:styleLbl>
+  <dgm:styleLbl name="bgShp">
+    <dgm:scene3d>
+      <a:camera prst="orthographicFront"/>
+      <a:lightRig rig="threePt" dir="t"/>
+    </dgm:scene3d>
+    <dgm:sp3d/>
+    <dgm:txPr/>
+    <dgm:style>
+      <a:lnRef idx="0">
+        <a:scrgbClr r="0" g="0" b="0"/>
+      </a:lnRef>
+      <a:fillRef idx="1">
+        <a:scrgbClr r="0" g="0" b="0"/>
+      </a:fillRef>
+      <a:effectRef idx="0">
+        <a:scrgbClr r="0" g="0" b="0"/>
+      </a:effectRef>
+      <a:fontRef idx="minor"/>
+    </dgm:style>
+  </dgm:styleLbl>
+  <dgm:styleLbl name="dkBgShp">
+    <dgm:scene3d>
+      <a:camera prst="orthographicFront"/>
+      <a:lightRig rig="threePt" dir="t"/>
+    </dgm:scene3d>
+    <dgm:sp3d/>
+    <dgm:txPr/>
+    <dgm:style>
+      <a:lnRef idx="0">
+        <a:scrgbClr r="0" g="0" b="0"/>
+      </a:lnRef>
+      <a:fillRef idx="1">
+        <a:scrgbClr r="0" g="0" b="0"/>
+      </a:fillRef>
+      <a:effectRef idx="0">
+        <a:scrgbClr r="0" g="0" b="0"/>
+      </a:effectRef>
+      <a:fontRef idx="minor"/>
+    </dgm:style>
+  </dgm:styleLbl>
+  <dgm:styleLbl name="trBgShp">
+    <dgm:scene3d>
+      <a:camera prst="orthographicFront"/>
+      <a:lightRig rig="threePt" dir="t"/>
+    </dgm:scene3d>
+    <dgm:sp3d/>
+    <dgm:txPr/>
+    <dgm:style>
+      <a:lnRef idx="0">
+        <a:scrgbClr r="0" g="0" b="0"/>
+      </a:lnRef>
+      <a:fillRef idx="1">
+        <a:scrgbClr r="0" g="0" b="0"/>
+      </a:fillRef>
+      <a:effectRef idx="0">
+        <a:scrgbClr r="0" g="0" b="0"/>
+      </a:effectRef>
+      <a:fontRef idx="minor"/>
+    </dgm:style>
+  </dgm:styleLbl>
+  <dgm:styleLbl name="fgShp">
+    <dgm:scene3d>
+      <a:camera prst="orthographicFront"/>
+      <a:lightRig rig="threePt" dir="t"/>
+    </dgm:scene3d>
+    <dgm:sp3d/>
+    <dgm:txPr/>
+    <dgm:style>
+      <a:lnRef idx="2">
+        <a:scrgbClr r="0" g="0" b="0"/>
+      </a:lnRef>
+      <a:fillRef idx="1">
+        <a:scrgbClr r="0" g="0" b="0"/>
+      </a:fillRef>
+      <a:effectRef idx="0">
+        <a:scrgbClr r="0" g="0" b="0"/>
+      </a:effectRef>
+      <a:fontRef idx="minor"/>
+    </dgm:style>
+  </dgm:styleLbl>
+  <dgm:styleLbl name="revTx">
+    <dgm:scene3d>
+      <a:camera prst="orthographicFront"/>
+      <a:lightRig rig="threePt" dir="t"/>
+    </dgm:scene3d>
+    <dgm:sp3d/>
+    <dgm:txPr/>
+    <dgm:style>
+      <a:lnRef idx="0">
+        <a:scrgbClr r="0" g="0" b="0"/>
+      </a:lnRef>
+      <a:fillRef idx="0">
+        <a:scrgbClr r="0" g="0" b="0"/>
+      </a:fillRef>
+      <a:effectRef idx="0">
+        <a:scrgbClr r="0" g="0" b="0"/>
+      </a:effectRef>
+      <a:fontRef idx="minor"/>
+    </dgm:style>
+  </dgm:styleLbl>
+</dgm:styleDef>
+</file>
+
+<file path=ppt/notesMasters/notesMaster1.xml><?xml version="1.0" encoding="utf-8"?>
+<p:notesMaster xmlns:a="http://schemas.openxmlformats.org/drawingml/2006/main" xmlns:r="http://schemas.openxmlformats.org/officeDocument/2006/relationships" xmlns:p="http://schemas.openxmlformats.org/presentationml/2006/main">
+  <p:cSld>
+    <p:bg>
+      <p:bgRef idx="1001">
+        <a:schemeClr val="bg1"/>
+      </p:bgRef>
+    </p:bg>
+    <p:spTree>
+      <p:nvGrpSpPr>
+        <p:cNvPr id="1" name=""/>
+        <p:cNvGrpSpPr/>
+        <p:nvPr/>
+      </p:nvGrpSpPr>
+      <p:grpSpPr>
+        <a:xfrm>
+          <a:off x="0" y="0"/>
+          <a:ext cx="0" cy="0"/>
+          <a:chOff x="0" y="0"/>
+          <a:chExt cx="0" cy="0"/>
+        </a:xfrm>
+      </p:grpSpPr>
+      <p:sp>
+        <p:nvSpPr>
+          <p:cNvPr id="2" name="Espace réservé de l'en-tête 1"/>
+          <p:cNvSpPr>
+            <a:spLocks noGrp="1"/>
+          </p:cNvSpPr>
+          <p:nvPr>
+            <p:ph type="hdr" sz="quarter"/>
+          </p:nvPr>
+        </p:nvSpPr>
+        <p:spPr>
+          <a:xfrm>
+            <a:off x="0" y="0"/>
+            <a:ext cx="2971800" cy="458788"/>
+          </a:xfrm>
+          <a:prstGeom prst="rect">
+            <a:avLst/>
+          </a:prstGeom>
+        </p:spPr>
+        <p:txBody>
+          <a:bodyPr vert="horz" lIns="91440" tIns="45720" rIns="91440" bIns="45720" rtlCol="0"/>
+          <a:lstStyle>
+            <a:lvl1pPr algn="l">
+              <a:defRPr sz="1200"/>
+            </a:lvl1pPr>
+          </a:lstStyle>
+          <a:p>
+            <a:endParaRPr lang="fr-FR"/>
+          </a:p>
+        </p:txBody>
+      </p:sp>
+      <p:sp>
+        <p:nvSpPr>
+          <p:cNvPr id="3" name="Espace réservé de la date 2"/>
+          <p:cNvSpPr>
+            <a:spLocks noGrp="1"/>
+          </p:cNvSpPr>
+          <p:nvPr>
+            <p:ph type="dt" idx="1"/>
+          </p:nvPr>
+        </p:nvSpPr>
+        <p:spPr>
+          <a:xfrm>
+            <a:off x="3884613" y="0"/>
+            <a:ext cx="2971800" cy="458788"/>
+          </a:xfrm>
+          <a:prstGeom prst="rect">
+            <a:avLst/>
+          </a:prstGeom>
+        </p:spPr>
+        <p:txBody>
+          <a:bodyPr vert="horz" lIns="91440" tIns="45720" rIns="91440" bIns="45720" rtlCol="0"/>
+          <a:lstStyle>
+            <a:lvl1pPr algn="r">
+              <a:defRPr sz="1200"/>
+            </a:lvl1pPr>
+          </a:lstStyle>
+          <a:p>
+            <a:fld id="{BCCFCA2C-E53A-4528-BA5C-5D0A70AA4BCB}" type="datetimeFigureOut">
+              <a:rPr lang="fr-FR" smtClean="0"/>
+              <a:t>29/12/2016</a:t>
+            </a:fld>
+            <a:endParaRPr lang="fr-FR"/>
+          </a:p>
+        </p:txBody>
+      </p:sp>
+      <p:sp>
+        <p:nvSpPr>
+          <p:cNvPr id="4" name="Espace réservé de l'image des diapositives 3"/>
+          <p:cNvSpPr>
+            <a:spLocks noGrp="1" noRot="1" noChangeAspect="1"/>
+          </p:cNvSpPr>
+          <p:nvPr>
+            <p:ph type="sldImg" idx="2"/>
+          </p:nvPr>
+        </p:nvSpPr>
+        <p:spPr>
+          <a:xfrm>
+            <a:off x="2360613" y="1143000"/>
+            <a:ext cx="2136775" cy="3086100"/>
+          </a:xfrm>
+          <a:prstGeom prst="rect">
+            <a:avLst/>
+          </a:prstGeom>
+          <a:noFill/>
+          <a:ln w="12700">
+            <a:solidFill>
+              <a:prstClr val="black"/>
+            </a:solidFill>
+          </a:ln>
+        </p:spPr>
+        <p:txBody>
+          <a:bodyPr vert="horz" lIns="91440" tIns="45720" rIns="91440" bIns="45720" rtlCol="0" anchor="ctr"/>
+          <a:lstStyle/>
+          <a:p>
+            <a:endParaRPr lang="fr-FR"/>
+          </a:p>
+        </p:txBody>
+      </p:sp>
+      <p:sp>
+        <p:nvSpPr>
+          <p:cNvPr id="5" name="Espace réservé des notes 4"/>
+          <p:cNvSpPr>
+            <a:spLocks noGrp="1"/>
+          </p:cNvSpPr>
+          <p:nvPr>
+            <p:ph type="body" sz="quarter" idx="3"/>
+          </p:nvPr>
+        </p:nvSpPr>
+        <p:spPr>
+          <a:xfrm>
+            <a:off x="685800" y="4400550"/>
+            <a:ext cx="5486400" cy="3600450"/>
+          </a:xfrm>
+          <a:prstGeom prst="rect">
+            <a:avLst/>
+          </a:prstGeom>
+        </p:spPr>
+        <p:txBody>
+          <a:bodyPr vert="horz" lIns="91440" tIns="45720" rIns="91440" bIns="45720" rtlCol="0"/>
+          <a:lstStyle/>
+          <a:p>
+            <a:pPr lvl="0"/>
+            <a:r>
+              <a:rPr lang="fr-FR"/>
+              <a:t>Modifier les styles du texte du masque</a:t>
+            </a:r>
+          </a:p>
+          <a:p>
+            <a:pPr lvl="1"/>
+            <a:r>
+              <a:rPr lang="fr-FR"/>
+              <a:t>Deuxième niveau</a:t>
+            </a:r>
+          </a:p>
+          <a:p>
+            <a:pPr lvl="2"/>
+            <a:r>
+              <a:rPr lang="fr-FR"/>
+              <a:t>Troisième niveau</a:t>
+            </a:r>
+          </a:p>
+          <a:p>
+            <a:pPr lvl="3"/>
+            <a:r>
+              <a:rPr lang="fr-FR"/>
+              <a:t>Quatrième niveau</a:t>
+            </a:r>
+          </a:p>
+          <a:p>
+            <a:pPr lvl="4"/>
+            <a:r>
+              <a:rPr lang="fr-FR"/>
+              <a:t>Cinquième niveau</a:t>
+            </a:r>
+            <a:endParaRPr lang="fr-FR"/>
+          </a:p>
+        </p:txBody>
+      </p:sp>
+      <p:sp>
+        <p:nvSpPr>
+          <p:cNvPr id="6" name="Espace réservé du pied de page 5"/>
+          <p:cNvSpPr>
+            <a:spLocks noGrp="1"/>
+          </p:cNvSpPr>
+          <p:nvPr>
+            <p:ph type="ftr" sz="quarter" idx="4"/>
+          </p:nvPr>
+        </p:nvSpPr>
+        <p:spPr>
+          <a:xfrm>
+            <a:off x="0" y="8685213"/>
+            <a:ext cx="2971800" cy="458787"/>
+          </a:xfrm>
+          <a:prstGeom prst="rect">
+            <a:avLst/>
+          </a:prstGeom>
+        </p:spPr>
+        <p:txBody>
+          <a:bodyPr vert="horz" lIns="91440" tIns="45720" rIns="91440" bIns="45720" rtlCol="0" anchor="b"/>
+          <a:lstStyle>
+            <a:lvl1pPr algn="l">
+              <a:defRPr sz="1200"/>
+            </a:lvl1pPr>
+          </a:lstStyle>
+          <a:p>
+            <a:endParaRPr lang="fr-FR"/>
+          </a:p>
+        </p:txBody>
+      </p:sp>
+      <p:sp>
+        <p:nvSpPr>
+          <p:cNvPr id="7" name="Espace réservé du numéro de diapositive 6"/>
+          <p:cNvSpPr>
+            <a:spLocks noGrp="1"/>
+          </p:cNvSpPr>
+          <p:nvPr>
+            <p:ph type="sldNum" sz="quarter" idx="5"/>
+          </p:nvPr>
+        </p:nvSpPr>
+        <p:spPr>
+          <a:xfrm>
+            <a:off x="3884613" y="8685213"/>
+            <a:ext cx="2971800" cy="458787"/>
+          </a:xfrm>
+          <a:prstGeom prst="rect">
+            <a:avLst/>
+          </a:prstGeom>
+        </p:spPr>
+        <p:txBody>
+          <a:bodyPr vert="horz" lIns="91440" tIns="45720" rIns="91440" bIns="45720" rtlCol="0" anchor="b"/>
+          <a:lstStyle>
+            <a:lvl1pPr algn="r">
+              <a:defRPr sz="1200"/>
+            </a:lvl1pPr>
+          </a:lstStyle>
+          <a:p>
+            <a:fld id="{2BA54075-64CA-4807-8B8D-E05502C219DF}" type="slidenum">
+              <a:rPr lang="fr-FR" smtClean="0"/>
+              <a:t>‹N°›</a:t>
+            </a:fld>
+            <a:endParaRPr lang="fr-FR"/>
+          </a:p>
+        </p:txBody>
+      </p:sp>
+    </p:spTree>
+    <p:extLst>
+      <p:ext uri="{BB962C8B-B14F-4D97-AF65-F5344CB8AC3E}">
+        <p14:creationId xmlns:p14="http://schemas.microsoft.com/office/powerpoint/2010/main" val="2323463274"/>
+      </p:ext>
+    </p:extLst>
+  </p:cSld>
+  <p:clrMap bg1="lt1" tx1="dk1" bg2="lt2" tx2="dk2" accent1="accent1" accent2="accent2" accent3="accent3" accent4="accent4" accent5="accent5" accent6="accent6" hlink="hlink" folHlink="folHlink"/>
+  <p:notesStyle>
+    <a:lvl1pPr marL="0" algn="l" defTabSz="914400" rtl="0" eaLnBrk="1" latinLnBrk="0" hangingPunct="1">
+      <a:defRPr sz="1200" kern="1200">
+        <a:solidFill>
+          <a:schemeClr val="tx1"/>
+        </a:solidFill>
+        <a:latin typeface="+mn-lt"/>
+        <a:ea typeface="+mn-ea"/>
+        <a:cs typeface="+mn-cs"/>
+      </a:defRPr>
+    </a:lvl1pPr>
+    <a:lvl2pPr marL="457200" algn="l" defTabSz="914400" rtl="0" eaLnBrk="1" latinLnBrk="0" hangingPunct="1">
+      <a:defRPr sz="1200" kern="1200">
+        <a:solidFill>
+          <a:schemeClr val="tx1"/>
+        </a:solidFill>
+        <a:latin typeface="+mn-lt"/>
+        <a:ea typeface="+mn-ea"/>
+        <a:cs typeface="+mn-cs"/>
+      </a:defRPr>
+    </a:lvl2pPr>
+    <a:lvl3pPr marL="914400" algn="l" defTabSz="914400" rtl="0" eaLnBrk="1" latinLnBrk="0" hangingPunct="1">
+      <a:defRPr sz="1200" kern="1200">
+        <a:solidFill>
+          <a:schemeClr val="tx1"/>
+        </a:solidFill>
+        <a:latin typeface="+mn-lt"/>
+        <a:ea typeface="+mn-ea"/>
+        <a:cs typeface="+mn-cs"/>
+      </a:defRPr>
+    </a:lvl3pPr>
+    <a:lvl4pPr marL="1371600" algn="l" defTabSz="914400" rtl="0" eaLnBrk="1" latinLnBrk="0" hangingPunct="1">
+      <a:defRPr sz="1200" kern="1200">
+        <a:solidFill>
+          <a:schemeClr val="tx1"/>
+        </a:solidFill>
+        <a:latin typeface="+mn-lt"/>
+        <a:ea typeface="+mn-ea"/>
+        <a:cs typeface="+mn-cs"/>
+      </a:defRPr>
+    </a:lvl4pPr>
+    <a:lvl5pPr marL="1828800" algn="l" defTabSz="914400" rtl="0" eaLnBrk="1" latinLnBrk="0" hangingPunct="1">
+      <a:defRPr sz="1200" kern="1200">
+        <a:solidFill>
+          <a:schemeClr val="tx1"/>
+        </a:solidFill>
+        <a:latin typeface="+mn-lt"/>
+        <a:ea typeface="+mn-ea"/>
+        <a:cs typeface="+mn-cs"/>
+      </a:defRPr>
+    </a:lvl5pPr>
+    <a:lvl6pPr marL="2286000" algn="l" defTabSz="914400" rtl="0" eaLnBrk="1" latinLnBrk="0" hangingPunct="1">
+      <a:defRPr sz="1200" kern="1200">
+        <a:solidFill>
+          <a:schemeClr val="tx1"/>
+        </a:solidFill>
+        <a:latin typeface="+mn-lt"/>
+        <a:ea typeface="+mn-ea"/>
+        <a:cs typeface="+mn-cs"/>
+      </a:defRPr>
+    </a:lvl6pPr>
+    <a:lvl7pPr marL="2743200" algn="l" defTabSz="914400" rtl="0" eaLnBrk="1" latinLnBrk="0" hangingPunct="1">
+      <a:defRPr sz="1200" kern="1200">
+        <a:solidFill>
+          <a:schemeClr val="tx1"/>
+        </a:solidFill>
+        <a:latin typeface="+mn-lt"/>
+        <a:ea typeface="+mn-ea"/>
+        <a:cs typeface="+mn-cs"/>
+      </a:defRPr>
+    </a:lvl7pPr>
+    <a:lvl8pPr marL="3200400" algn="l" defTabSz="914400" rtl="0" eaLnBrk="1" latinLnBrk="0" hangingPunct="1">
+      <a:defRPr sz="1200" kern="1200">
+        <a:solidFill>
+          <a:schemeClr val="tx1"/>
+        </a:solidFill>
+        <a:latin typeface="+mn-lt"/>
+        <a:ea typeface="+mn-ea"/>
+        <a:cs typeface="+mn-cs"/>
+      </a:defRPr>
+    </a:lvl8pPr>
+    <a:lvl9pPr marL="3657600" algn="l" defTabSz="914400" rtl="0" eaLnBrk="1" latinLnBrk="0" hangingPunct="1">
+      <a:defRPr sz="1200" kern="1200">
+        <a:solidFill>
+          <a:schemeClr val="tx1"/>
+        </a:solidFill>
+        <a:latin typeface="+mn-lt"/>
+        <a:ea typeface="+mn-ea"/>
+        <a:cs typeface="+mn-cs"/>
+      </a:defRPr>
+    </a:lvl9pPr>
+  </p:notesStyle>
+</p:notesMaster>
+</file>
+
+<file path=ppt/notesSlides/notesSlide1.xml><?xml version="1.0" encoding="utf-8"?>
+<p:notes xmlns:a="http://schemas.openxmlformats.org/drawingml/2006/main" xmlns:r="http://schemas.openxmlformats.org/officeDocument/2006/relationships" xmlns:p="http://schemas.openxmlformats.org/presentationml/2006/main">
+  <p:cSld>
+    <p:spTree>
+      <p:nvGrpSpPr>
+        <p:cNvPr id="1" name=""/>
+        <p:cNvGrpSpPr/>
+        <p:nvPr/>
+      </p:nvGrpSpPr>
+      <p:grpSpPr>
+        <a:xfrm>
+          <a:off x="0" y="0"/>
+          <a:ext cx="0" cy="0"/>
+          <a:chOff x="0" y="0"/>
+          <a:chExt cx="0" cy="0"/>
+        </a:xfrm>
+      </p:grpSpPr>
+      <p:sp>
+        <p:nvSpPr>
+          <p:cNvPr id="2" name="Espace réservé de l'image des diapositives 1"/>
+          <p:cNvSpPr>
+            <a:spLocks noGrp="1" noRot="1" noChangeAspect="1"/>
+          </p:cNvSpPr>
+          <p:nvPr>
+            <p:ph type="sldImg"/>
+          </p:nvPr>
+        </p:nvSpPr>
+        <p:spPr/>
+      </p:sp>
+      <p:sp>
+        <p:nvSpPr>
+          <p:cNvPr id="3" name="Espace réservé des notes 2"/>
+          <p:cNvSpPr>
+            <a:spLocks noGrp="1"/>
+          </p:cNvSpPr>
+          <p:nvPr>
+            <p:ph type="body" idx="1"/>
+          </p:nvPr>
+        </p:nvSpPr>
+        <p:spPr/>
+        <p:txBody>
+          <a:bodyPr/>
+          <a:lstStyle/>
+          <a:p>
+            <a:r>
+              <a:rPr lang="fr-FR" dirty="0"/>
+              <a:t>Page d’accueil du </a:t>
+            </a:r>
+            <a:r>
+              <a:rPr lang="fr-FR" dirty="0" err="1"/>
+              <a:t>minisite</a:t>
+            </a:r>
+            <a:r>
+              <a:rPr lang="fr-FR" dirty="0"/>
+              <a:t>.</a:t>
+            </a:r>
+            <a:endParaRPr lang="fr-FR" baseline="0" dirty="0"/>
+          </a:p>
+          <a:p>
+            <a:r>
+              <a:rPr lang="fr-FR" baseline="0" dirty="0"/>
+              <a:t>Version simplifiée du </a:t>
+            </a:r>
+            <a:r>
+              <a:rPr lang="fr-FR" baseline="0" dirty="0" err="1"/>
+              <a:t>dashboard</a:t>
+            </a:r>
+            <a:r>
+              <a:rPr lang="fr-FR" baseline="0" dirty="0"/>
+              <a:t>, miniatures qui renvoient vers la page des analyses et vers la page des articles publiés sur lePoint.fr qui intègrent des éléments fournis par notre équipe.</a:t>
+            </a:r>
+          </a:p>
+          <a:p>
+            <a:r>
+              <a:rPr lang="fr-FR" baseline="0" dirty="0"/>
+              <a:t>Les cadres analyses et articles sont des menus déroulants.</a:t>
+            </a:r>
+            <a:endParaRPr lang="fr-FR" dirty="0"/>
+          </a:p>
+        </p:txBody>
+      </p:sp>
+      <p:sp>
+        <p:nvSpPr>
+          <p:cNvPr id="4" name="Espace réservé du numéro de diapositive 3"/>
+          <p:cNvSpPr>
+            <a:spLocks noGrp="1"/>
+          </p:cNvSpPr>
+          <p:nvPr>
+            <p:ph type="sldNum" sz="quarter" idx="10"/>
+          </p:nvPr>
+        </p:nvSpPr>
+        <p:spPr/>
+        <p:txBody>
+          <a:bodyPr/>
+          <a:lstStyle/>
+          <a:p>
+            <a:fld id="{2BA54075-64CA-4807-8B8D-E05502C219DF}" type="slidenum">
+              <a:rPr lang="fr-FR" smtClean="0"/>
+              <a:t>1</a:t>
+            </a:fld>
+            <a:endParaRPr lang="fr-FR"/>
+          </a:p>
+        </p:txBody>
+      </p:sp>
+    </p:spTree>
+    <p:extLst>
+      <p:ext uri="{BB962C8B-B14F-4D97-AF65-F5344CB8AC3E}">
+        <p14:creationId xmlns:p14="http://schemas.microsoft.com/office/powerpoint/2010/main" val="3593481288"/>
+      </p:ext>
+    </p:extLst>
+  </p:cSld>
+  <p:clrMapOvr>
+    <a:masterClrMapping/>
+  </p:clrMapOvr>
+</p:notes>
+</file>
+
+<file path=ppt/notesSlides/notesSlide2.xml><?xml version="1.0" encoding="utf-8"?>
+<p:notes xmlns:a="http://schemas.openxmlformats.org/drawingml/2006/main" xmlns:r="http://schemas.openxmlformats.org/officeDocument/2006/relationships" xmlns:p="http://schemas.openxmlformats.org/presentationml/2006/main">
+  <p:cSld>
+    <p:spTree>
+      <p:nvGrpSpPr>
+        <p:cNvPr id="1" name=""/>
+        <p:cNvGrpSpPr/>
+        <p:nvPr/>
+      </p:nvGrpSpPr>
+      <p:grpSpPr>
+        <a:xfrm>
+          <a:off x="0" y="0"/>
+          <a:ext cx="0" cy="0"/>
+          <a:chOff x="0" y="0"/>
+          <a:chExt cx="0" cy="0"/>
+        </a:xfrm>
+      </p:grpSpPr>
+      <p:sp>
+        <p:nvSpPr>
+          <p:cNvPr id="2" name="Espace réservé de l'image des diapositives 1"/>
+          <p:cNvSpPr>
+            <a:spLocks noGrp="1" noRot="1" noChangeAspect="1"/>
+          </p:cNvSpPr>
+          <p:nvPr>
+            <p:ph type="sldImg"/>
+          </p:nvPr>
+        </p:nvSpPr>
+        <p:spPr/>
+      </p:sp>
+      <p:sp>
+        <p:nvSpPr>
+          <p:cNvPr id="3" name="Espace réservé des notes 2"/>
+          <p:cNvSpPr>
+            <a:spLocks noGrp="1"/>
+          </p:cNvSpPr>
+          <p:nvPr>
+            <p:ph type="body" idx="1"/>
+          </p:nvPr>
+        </p:nvSpPr>
+        <p:spPr/>
+        <p:txBody>
+          <a:bodyPr/>
+          <a:lstStyle/>
+          <a:p>
+            <a:r>
+              <a:rPr lang="fr-FR" dirty="0"/>
+              <a:t>Tableau de bord plus détaillé avec la possibilité de cliquer sur un candidat</a:t>
+            </a:r>
+            <a:r>
+              <a:rPr lang="fr-FR" baseline="0" dirty="0"/>
+              <a:t> pour filtrer les statistiques sur lui </a:t>
+            </a:r>
+            <a:endParaRPr lang="fr-FR" dirty="0"/>
+          </a:p>
+        </p:txBody>
+      </p:sp>
+      <p:sp>
+        <p:nvSpPr>
+          <p:cNvPr id="4" name="Espace réservé du numéro de diapositive 3"/>
+          <p:cNvSpPr>
+            <a:spLocks noGrp="1"/>
+          </p:cNvSpPr>
+          <p:nvPr>
+            <p:ph type="sldNum" sz="quarter" idx="10"/>
+          </p:nvPr>
+        </p:nvSpPr>
+        <p:spPr/>
+        <p:txBody>
+          <a:bodyPr/>
+          <a:lstStyle/>
+          <a:p>
+            <a:fld id="{2BA54075-64CA-4807-8B8D-E05502C219DF}" type="slidenum">
+              <a:rPr lang="fr-FR" smtClean="0"/>
+              <a:t>2</a:t>
+            </a:fld>
+            <a:endParaRPr lang="fr-FR"/>
+          </a:p>
+        </p:txBody>
+      </p:sp>
+    </p:spTree>
+    <p:extLst>
+      <p:ext uri="{BB962C8B-B14F-4D97-AF65-F5344CB8AC3E}">
+        <p14:creationId xmlns:p14="http://schemas.microsoft.com/office/powerpoint/2010/main" val="1099598327"/>
+      </p:ext>
+    </p:extLst>
+  </p:cSld>
+  <p:clrMapOvr>
+    <a:masterClrMapping/>
+  </p:clrMapOvr>
+</p:notes>
+</file>
+
+<file path=ppt/notesSlides/notesSlide3.xml><?xml version="1.0" encoding="utf-8"?>
+<p:notes xmlns:a="http://schemas.openxmlformats.org/drawingml/2006/main" xmlns:r="http://schemas.openxmlformats.org/officeDocument/2006/relationships" xmlns:p="http://schemas.openxmlformats.org/presentationml/2006/main">
+  <p:cSld>
+    <p:spTree>
+      <p:nvGrpSpPr>
+        <p:cNvPr id="1" name=""/>
+        <p:cNvGrpSpPr/>
+        <p:nvPr/>
+      </p:nvGrpSpPr>
+      <p:grpSpPr>
+        <a:xfrm>
+          <a:off x="0" y="0"/>
+          <a:ext cx="0" cy="0"/>
+          <a:chOff x="0" y="0"/>
+          <a:chExt cx="0" cy="0"/>
+        </a:xfrm>
+      </p:grpSpPr>
+      <p:sp>
+        <p:nvSpPr>
+          <p:cNvPr id="2" name="Espace réservé de l'image des diapositives 1"/>
+          <p:cNvSpPr>
+            <a:spLocks noGrp="1" noRot="1" noChangeAspect="1"/>
+          </p:cNvSpPr>
+          <p:nvPr>
+            <p:ph type="sldImg"/>
+          </p:nvPr>
+        </p:nvSpPr>
+        <p:spPr/>
+      </p:sp>
+      <p:sp>
+        <p:nvSpPr>
+          <p:cNvPr id="3" name="Espace réservé des notes 2"/>
+          <p:cNvSpPr>
+            <a:spLocks noGrp="1"/>
+          </p:cNvSpPr>
+          <p:nvPr>
+            <p:ph type="body" idx="1"/>
+          </p:nvPr>
+        </p:nvSpPr>
+        <p:spPr/>
+        <p:txBody>
+          <a:bodyPr/>
+          <a:lstStyle/>
+          <a:p>
+            <a:r>
+              <a:rPr lang="fr-FR" dirty="0"/>
+              <a:t>Page</a:t>
+            </a:r>
+            <a:r>
+              <a:rPr lang="fr-FR" baseline="0" dirty="0"/>
+              <a:t> pour n</a:t>
+            </a:r>
+            <a:r>
+              <a:rPr lang="fr-FR" dirty="0"/>
+              <a:t>os</a:t>
+            </a:r>
+            <a:r>
+              <a:rPr lang="fr-FR" baseline="0" dirty="0"/>
+              <a:t> analyses de fond : espace pour chaque analyse avec graph interactif dans la mesure du possible, une explication en dessous (méthodologie employée, résultats obtenus, …)</a:t>
+            </a:r>
+          </a:p>
+        </p:txBody>
+      </p:sp>
+      <p:sp>
+        <p:nvSpPr>
+          <p:cNvPr id="4" name="Espace réservé du numéro de diapositive 3"/>
+          <p:cNvSpPr>
+            <a:spLocks noGrp="1"/>
+          </p:cNvSpPr>
+          <p:nvPr>
+            <p:ph type="sldNum" sz="quarter" idx="10"/>
+          </p:nvPr>
+        </p:nvSpPr>
+        <p:spPr/>
+        <p:txBody>
+          <a:bodyPr/>
+          <a:lstStyle/>
+          <a:p>
+            <a:fld id="{2BA54075-64CA-4807-8B8D-E05502C219DF}" type="slidenum">
+              <a:rPr lang="fr-FR" smtClean="0"/>
+              <a:t>3</a:t>
+            </a:fld>
+            <a:endParaRPr lang="fr-FR"/>
+          </a:p>
+        </p:txBody>
+      </p:sp>
+    </p:spTree>
+    <p:extLst>
+      <p:ext uri="{BB962C8B-B14F-4D97-AF65-F5344CB8AC3E}">
+        <p14:creationId xmlns:p14="http://schemas.microsoft.com/office/powerpoint/2010/main" val="3703070280"/>
+      </p:ext>
+    </p:extLst>
+  </p:cSld>
+  <p:clrMapOvr>
+    <a:masterClrMapping/>
+  </p:clrMapOvr>
+</p:notes>
+</file>
+
+<file path=ppt/notesSlides/notesSlide4.xml><?xml version="1.0" encoding="utf-8"?>
+<p:notes xmlns:a="http://schemas.openxmlformats.org/drawingml/2006/main" xmlns:r="http://schemas.openxmlformats.org/officeDocument/2006/relationships" xmlns:p="http://schemas.openxmlformats.org/presentationml/2006/main">
+  <p:cSld>
+    <p:spTree>
+      <p:nvGrpSpPr>
+        <p:cNvPr id="1" name=""/>
+        <p:cNvGrpSpPr/>
+        <p:nvPr/>
+      </p:nvGrpSpPr>
+      <p:grpSpPr>
+        <a:xfrm>
+          <a:off x="0" y="0"/>
+          <a:ext cx="0" cy="0"/>
+          <a:chOff x="0" y="0"/>
+          <a:chExt cx="0" cy="0"/>
+        </a:xfrm>
+      </p:grpSpPr>
+      <p:sp>
+        <p:nvSpPr>
+          <p:cNvPr id="2" name="Espace réservé de l'image des diapositives 1"/>
+          <p:cNvSpPr>
+            <a:spLocks noGrp="1" noRot="1" noChangeAspect="1"/>
+          </p:cNvSpPr>
+          <p:nvPr>
+            <p:ph type="sldImg"/>
+          </p:nvPr>
+        </p:nvSpPr>
+        <p:spPr/>
+      </p:sp>
+      <p:sp>
+        <p:nvSpPr>
+          <p:cNvPr id="3" name="Espace réservé des notes 2"/>
+          <p:cNvSpPr>
+            <a:spLocks noGrp="1"/>
+          </p:cNvSpPr>
+          <p:nvPr>
+            <p:ph type="body" idx="1"/>
+          </p:nvPr>
+        </p:nvSpPr>
+        <p:spPr/>
+        <p:txBody>
+          <a:bodyPr/>
+          <a:lstStyle/>
+          <a:p>
+            <a:r>
+              <a:rPr lang="fr-FR" dirty="0"/>
+              <a:t>Page</a:t>
+            </a:r>
+            <a:r>
+              <a:rPr lang="fr-FR" baseline="0" dirty="0"/>
+              <a:t> pour recenser les articles qui mentionnent nos analyses.</a:t>
+            </a:r>
+          </a:p>
+        </p:txBody>
+      </p:sp>
+      <p:sp>
+        <p:nvSpPr>
+          <p:cNvPr id="4" name="Espace réservé du numéro de diapositive 3"/>
+          <p:cNvSpPr>
+            <a:spLocks noGrp="1"/>
+          </p:cNvSpPr>
+          <p:nvPr>
+            <p:ph type="sldNum" sz="quarter" idx="10"/>
+          </p:nvPr>
+        </p:nvSpPr>
+        <p:spPr/>
+        <p:txBody>
+          <a:bodyPr/>
+          <a:lstStyle/>
+          <a:p>
+            <a:fld id="{2BA54075-64CA-4807-8B8D-E05502C219DF}" type="slidenum">
+              <a:rPr lang="fr-FR" smtClean="0"/>
+              <a:t>4</a:t>
+            </a:fld>
+            <a:endParaRPr lang="fr-FR"/>
+          </a:p>
+        </p:txBody>
+      </p:sp>
+    </p:spTree>
+    <p:extLst>
+      <p:ext uri="{BB962C8B-B14F-4D97-AF65-F5344CB8AC3E}">
+        <p14:creationId xmlns:p14="http://schemas.microsoft.com/office/powerpoint/2010/main" val="1921434106"/>
+      </p:ext>
+    </p:extLst>
+  </p:cSld>
+  <p:clrMapOvr>
+    <a:masterClrMapping/>
+  </p:clrMapOvr>
+</p:notes>
 </file>
 
 <file path=ppt/slideLayouts/slideLayout1.xml><?xml version="1.0" encoding="utf-8"?>
@@ -239,7 +4037,7 @@
           <a:p>
             <a:fld id="{B32DB9A3-211D-481F-B821-EB4CCADA4B97}" type="datetimeFigureOut">
               <a:rPr lang="fr-FR" smtClean="0"/>
-              <a:t>21/12/2016</a:t>
+              <a:t>29/12/2016</a:t>
             </a:fld>
             <a:endParaRPr lang="fr-FR"/>
           </a:p>
@@ -409,7 +4207,7 @@
           <a:p>
             <a:fld id="{B32DB9A3-211D-481F-B821-EB4CCADA4B97}" type="datetimeFigureOut">
               <a:rPr lang="fr-FR" smtClean="0"/>
-              <a:t>21/12/2016</a:t>
+              <a:t>29/12/2016</a:t>
             </a:fld>
             <a:endParaRPr lang="fr-FR"/>
           </a:p>
@@ -589,7 +4387,7 @@
           <a:p>
             <a:fld id="{B32DB9A3-211D-481F-B821-EB4CCADA4B97}" type="datetimeFigureOut">
               <a:rPr lang="fr-FR" smtClean="0"/>
-              <a:t>21/12/2016</a:t>
+              <a:t>29/12/2016</a:t>
             </a:fld>
             <a:endParaRPr lang="fr-FR"/>
           </a:p>
@@ -759,7 +4557,7 @@
           <a:p>
             <a:fld id="{B32DB9A3-211D-481F-B821-EB4CCADA4B97}" type="datetimeFigureOut">
               <a:rPr lang="fr-FR" smtClean="0"/>
-              <a:t>21/12/2016</a:t>
+              <a:t>29/12/2016</a:t>
             </a:fld>
             <a:endParaRPr lang="fr-FR"/>
           </a:p>
@@ -1003,7 +4801,7 @@
           <a:p>
             <a:fld id="{B32DB9A3-211D-481F-B821-EB4CCADA4B97}" type="datetimeFigureOut">
               <a:rPr lang="fr-FR" smtClean="0"/>
-              <a:t>21/12/2016</a:t>
+              <a:t>29/12/2016</a:t>
             </a:fld>
             <a:endParaRPr lang="fr-FR"/>
           </a:p>
@@ -1235,7 +5033,7 @@
           <a:p>
             <a:fld id="{B32DB9A3-211D-481F-B821-EB4CCADA4B97}" type="datetimeFigureOut">
               <a:rPr lang="fr-FR" smtClean="0"/>
-              <a:t>21/12/2016</a:t>
+              <a:t>29/12/2016</a:t>
             </a:fld>
             <a:endParaRPr lang="fr-FR"/>
           </a:p>
@@ -1602,7 +5400,7 @@
           <a:p>
             <a:fld id="{B32DB9A3-211D-481F-B821-EB4CCADA4B97}" type="datetimeFigureOut">
               <a:rPr lang="fr-FR" smtClean="0"/>
-              <a:t>21/12/2016</a:t>
+              <a:t>29/12/2016</a:t>
             </a:fld>
             <a:endParaRPr lang="fr-FR"/>
           </a:p>
@@ -1720,7 +5518,7 @@
           <a:p>
             <a:fld id="{B32DB9A3-211D-481F-B821-EB4CCADA4B97}" type="datetimeFigureOut">
               <a:rPr lang="fr-FR" smtClean="0"/>
-              <a:t>21/12/2016</a:t>
+              <a:t>29/12/2016</a:t>
             </a:fld>
             <a:endParaRPr lang="fr-FR"/>
           </a:p>
@@ -1815,7 +5613,7 @@
           <a:p>
             <a:fld id="{B32DB9A3-211D-481F-B821-EB4CCADA4B97}" type="datetimeFigureOut">
               <a:rPr lang="fr-FR" smtClean="0"/>
-              <a:t>21/12/2016</a:t>
+              <a:t>29/12/2016</a:t>
             </a:fld>
             <a:endParaRPr lang="fr-FR"/>
           </a:p>
@@ -2092,7 +5890,7 @@
           <a:p>
             <a:fld id="{B32DB9A3-211D-481F-B821-EB4CCADA4B97}" type="datetimeFigureOut">
               <a:rPr lang="fr-FR" smtClean="0"/>
-              <a:t>21/12/2016</a:t>
+              <a:t>29/12/2016</a:t>
             </a:fld>
             <a:endParaRPr lang="fr-FR"/>
           </a:p>
@@ -2349,7 +6147,7 @@
           <a:p>
             <a:fld id="{B32DB9A3-211D-481F-B821-EB4CCADA4B97}" type="datetimeFigureOut">
               <a:rPr lang="fr-FR" smtClean="0"/>
-              <a:t>21/12/2016</a:t>
+              <a:t>29/12/2016</a:t>
             </a:fld>
             <a:endParaRPr lang="fr-FR"/>
           </a:p>
@@ -2562,7 +6360,7 @@
           <a:p>
             <a:fld id="{B32DB9A3-211D-481F-B821-EB4CCADA4B97}" type="datetimeFigureOut">
               <a:rPr lang="fr-FR" smtClean="0"/>
-              <a:t>21/12/2016</a:t>
+              <a:t>29/12/2016</a:t>
             </a:fld>
             <a:endParaRPr lang="fr-FR"/>
           </a:p>
@@ -2976,7 +6774,7 @@
           <p:nvPr/>
         </p:nvPicPr>
         <p:blipFill>
-          <a:blip r:embed="rId2"/>
+          <a:blip r:embed="rId3"/>
           <a:stretch>
             <a:fillRect/>
           </a:stretch>
@@ -2999,8 +6797,8 @@
         </p:nvSpPr>
         <p:spPr>
           <a:xfrm>
-            <a:off x="182880" y="2286000"/>
-            <a:ext cx="4206240" cy="6896100"/>
+            <a:off x="182880" y="1632849"/>
+            <a:ext cx="4206240" cy="6907151"/>
           </a:xfrm>
           <a:prstGeom prst="rect">
             <a:avLst/>
@@ -3042,8 +6840,8 @@
         </p:nvSpPr>
         <p:spPr>
           <a:xfrm>
-            <a:off x="4495800" y="2286000"/>
-            <a:ext cx="2164080" cy="6896100"/>
+            <a:off x="4495800" y="1632850"/>
+            <a:ext cx="2164080" cy="4061460"/>
           </a:xfrm>
           <a:prstGeom prst="rect">
             <a:avLst/>
@@ -3085,7 +6883,7 @@
         </p:nvSpPr>
         <p:spPr>
           <a:xfrm>
-            <a:off x="266700" y="2346960"/>
+            <a:off x="266700" y="1693810"/>
             <a:ext cx="2444900" cy="307777"/>
           </a:xfrm>
           <a:prstGeom prst="rect">
@@ -3117,7 +6915,7 @@
         </p:nvSpPr>
         <p:spPr>
           <a:xfrm>
-            <a:off x="4495800" y="2346960"/>
+            <a:off x="4495800" y="1693810"/>
             <a:ext cx="1080680" cy="307777"/>
           </a:xfrm>
           <a:prstGeom prst="rect">
@@ -3149,7 +6947,7 @@
         </p:nvSpPr>
         <p:spPr>
           <a:xfrm>
-            <a:off x="335280" y="2715697"/>
+            <a:off x="335280" y="2062547"/>
             <a:ext cx="1066800" cy="896183"/>
           </a:xfrm>
           <a:prstGeom prst="rect">
@@ -3203,7 +7001,7 @@
         </p:nvSpPr>
         <p:spPr>
           <a:xfrm>
-            <a:off x="1508760" y="2715697"/>
+            <a:off x="1508760" y="2062547"/>
             <a:ext cx="2743200" cy="896183"/>
           </a:xfrm>
           <a:prstGeom prst="rect">
@@ -3268,7 +7066,7 @@
         </p:nvSpPr>
         <p:spPr>
           <a:xfrm>
-            <a:off x="335280" y="3745029"/>
+            <a:off x="335280" y="3091879"/>
             <a:ext cx="3916680" cy="2602431"/>
           </a:xfrm>
           <a:prstGeom prst="rect">
@@ -3321,7 +7119,7 @@
         </p:nvSpPr>
         <p:spPr>
           <a:xfrm>
-            <a:off x="567690" y="4041577"/>
+            <a:off x="567690" y="3388427"/>
             <a:ext cx="1493520" cy="276999"/>
           </a:xfrm>
           <a:prstGeom prst="rect">
@@ -3360,7 +7158,7 @@
         </p:nvSpPr>
         <p:spPr>
           <a:xfrm>
-            <a:off x="2518410" y="4041577"/>
+            <a:off x="2518410" y="3388427"/>
             <a:ext cx="1493520" cy="276999"/>
           </a:xfrm>
           <a:prstGeom prst="rect">
@@ -3399,7 +7197,7 @@
         </p:nvSpPr>
         <p:spPr>
           <a:xfrm>
-            <a:off x="388620" y="4035900"/>
+            <a:off x="388620" y="3382750"/>
             <a:ext cx="1851660" cy="2191583"/>
           </a:xfrm>
           <a:prstGeom prst="rect">
@@ -3454,7 +7252,7 @@
             </a:r>
             <a:r>
               <a:rPr lang="fr-FR" sz="1200" dirty="0"/>
-              <a:t> des tweets ?</a:t>
+              <a:t> des tweets</a:t>
             </a:r>
           </a:p>
         </p:txBody>
@@ -3467,7 +7265,7 @@
         </p:nvSpPr>
         <p:spPr>
           <a:xfrm>
-            <a:off x="2339340" y="4035900"/>
+            <a:off x="2339340" y="3382750"/>
             <a:ext cx="1851660" cy="2191583"/>
           </a:xfrm>
           <a:prstGeom prst="rect">
@@ -3512,7 +7310,7 @@
             <a:pPr algn="ctr"/>
             <a:r>
               <a:rPr lang="fr-FR" sz="1200" dirty="0"/>
-              <a:t>En bas : les sujets associés à la présidentielle ? D’autres idées ?</a:t>
+              <a:t>En bas : les sujets/recherches associés à la présidentielle </a:t>
             </a:r>
           </a:p>
         </p:txBody>
@@ -3525,7 +7323,7 @@
         </p:nvSpPr>
         <p:spPr>
           <a:xfrm>
-            <a:off x="4556760" y="2715697"/>
+            <a:off x="4556760" y="2062547"/>
             <a:ext cx="2049780" cy="1391483"/>
           </a:xfrm>
           <a:prstGeom prst="rect">
@@ -3556,16 +7354,8 @@
             <a:pPr algn="ctr"/>
             <a:r>
               <a:rPr lang="fr-FR" sz="1200" dirty="0"/>
-              <a:t>Les influenceurs Twitter</a:t>
-            </a:r>
-          </a:p>
-          <a:p>
-            <a:pPr algn="ctr"/>
-            <a:endParaRPr lang="fr-FR" sz="1200" dirty="0"/>
-          </a:p>
-          <a:p>
-            <a:pPr algn="ctr"/>
-            <a:endParaRPr lang="fr-FR" sz="1200" dirty="0"/>
+              <a:t>Analyse #1</a:t>
+            </a:r>
           </a:p>
           <a:p>
             <a:pPr algn="ctr"/>
@@ -3596,7 +7386,7 @@
         </p:nvSpPr>
         <p:spPr>
           <a:xfrm>
-            <a:off x="4556760" y="4168140"/>
+            <a:off x="4556760" y="3514990"/>
             <a:ext cx="2049780" cy="1391483"/>
           </a:xfrm>
           <a:prstGeom prst="rect">
@@ -3627,11 +7417,8 @@
             <a:pPr algn="ctr"/>
             <a:r>
               <a:rPr lang="fr-FR" sz="1200" dirty="0"/>
-              <a:t>Les thèmes de campagne</a:t>
-            </a:r>
-          </a:p>
-          <a:p>
-            <a:pPr algn="ctr"/>
+              <a:t>Analyse #2</a:t>
+            </a:r>
             <a:endParaRPr lang="fr-FR" sz="1200" dirty="0"/>
           </a:p>
           <a:p>
@@ -3663,7 +7450,7 @@
         </p:nvSpPr>
         <p:spPr>
           <a:xfrm>
-            <a:off x="4639220" y="4429364"/>
+            <a:off x="4639220" y="3776214"/>
             <a:ext cx="1874520" cy="883920"/>
           </a:xfrm>
           <a:prstGeom prst="rect">
@@ -3734,8 +7521,8 @@
         </p:nvSpPr>
         <p:spPr>
           <a:xfrm>
-            <a:off x="4556760" y="5651718"/>
-            <a:ext cx="2049780" cy="1391483"/>
+            <a:off x="4556760" y="4998569"/>
+            <a:ext cx="2049780" cy="695742"/>
           </a:xfrm>
           <a:prstGeom prst="rect">
             <a:avLst/>
@@ -3765,16 +7552,8 @@
             <a:pPr algn="ctr"/>
             <a:r>
               <a:rPr lang="fr-FR" sz="1200" dirty="0"/>
-              <a:t>Le </a:t>
-            </a:r>
-            <a:r>
-              <a:rPr lang="fr-FR" sz="1200" dirty="0" err="1"/>
-              <a:t>pollster</a:t>
-            </a:r>
-            <a:endParaRPr lang="fr-FR" sz="1200" dirty="0"/>
-          </a:p>
-          <a:p>
-            <a:pPr algn="ctr"/>
+              <a:t>Analyse #3</a:t>
+            </a:r>
             <a:endParaRPr lang="fr-FR" sz="1200" dirty="0"/>
           </a:p>
           <a:p>
@@ -3810,8 +7589,8 @@
         </p:nvSpPr>
         <p:spPr>
           <a:xfrm>
-            <a:off x="4639220" y="5912942"/>
-            <a:ext cx="1874520" cy="883920"/>
+            <a:off x="4639220" y="5259792"/>
+            <a:ext cx="1874520" cy="434518"/>
           </a:xfrm>
           <a:prstGeom prst="rect">
             <a:avLst/>
@@ -3873,16 +7652,62 @@
           </a:p>
         </p:txBody>
       </p:sp>
-      <p:sp>
-        <p:nvSpPr>
-          <p:cNvPr id="23" name="Rectangle 22"/>
+      <p:pic>
+        <p:nvPicPr>
+          <p:cNvPr id="33" name="Image 32"/>
+          <p:cNvPicPr>
+            <a:picLocks noChangeAspect="1"/>
+          </p:cNvPicPr>
+          <p:nvPr/>
+        </p:nvPicPr>
+        <p:blipFill rotWithShape="1">
+          <a:blip r:embed="rId4"/>
+          <a:srcRect l="22772" t="27663" r="1973" b="4299"/>
+          <a:stretch/>
+        </p:blipFill>
+        <p:spPr>
+          <a:xfrm>
+            <a:off x="2346960" y="3668164"/>
+            <a:ext cx="1844040" cy="813425"/>
+          </a:xfrm>
+          <a:prstGeom prst="rect">
+            <a:avLst/>
+          </a:prstGeom>
+        </p:spPr>
+      </p:pic>
+      <p:pic>
+        <p:nvPicPr>
+          <p:cNvPr id="34" name="Image 33"/>
+          <p:cNvPicPr>
+            <a:picLocks noChangeAspect="1"/>
+          </p:cNvPicPr>
+          <p:nvPr/>
+        </p:nvPicPr>
+        <p:blipFill rotWithShape="1">
+          <a:blip r:embed="rId5"/>
+          <a:srcRect r="67251" b="53856"/>
+          <a:stretch/>
+        </p:blipFill>
+        <p:spPr>
+          <a:xfrm>
+            <a:off x="4749894" y="2280134"/>
+            <a:ext cx="1653171" cy="956308"/>
+          </a:xfrm>
+          <a:prstGeom prst="rect">
+            <a:avLst/>
+          </a:prstGeom>
+        </p:spPr>
+      </p:pic>
+      <p:sp>
+        <p:nvSpPr>
+          <p:cNvPr id="29" name="Rectangle 28"/>
           <p:cNvSpPr/>
           <p:nvPr/>
         </p:nvSpPr>
         <p:spPr>
           <a:xfrm>
-            <a:off x="182880" y="1015265"/>
-            <a:ext cx="6477000" cy="1092976"/>
+            <a:off x="182880" y="991666"/>
+            <a:ext cx="6477000" cy="325651"/>
           </a:xfrm>
           <a:prstGeom prst="rect">
             <a:avLst/>
@@ -3912,98 +7737,301 @@
           <a:lstStyle/>
           <a:p>
             <a:pPr algn="ctr"/>
+            <a:r>
+              <a:rPr lang="fr-FR" b="1" dirty="0"/>
+              <a:t>Portail</a:t>
+            </a:r>
+            <a:r>
+              <a:rPr lang="fr-FR" dirty="0"/>
+              <a:t> 		</a:t>
+            </a:r>
+            <a:r>
+              <a:rPr lang="fr-FR" dirty="0">
+                <a:hlinkClick r:id="rId6" action="ppaction://hlinksldjump"/>
+              </a:rPr>
+              <a:t>Tableau de bord </a:t>
+            </a:r>
+            <a:r>
+              <a:rPr lang="fr-FR" dirty="0"/>
+              <a:t>		</a:t>
+            </a:r>
+            <a:r>
+              <a:rPr lang="fr-FR" dirty="0">
+                <a:hlinkClick r:id="rId7" action="ppaction://hlinksldjump"/>
+              </a:rPr>
+              <a:t>Analyses</a:t>
+            </a:r>
+            <a:r>
+              <a:rPr lang="fr-FR" dirty="0"/>
+              <a:t>		 </a:t>
+            </a:r>
+            <a:r>
+              <a:rPr lang="fr-FR" dirty="0">
+                <a:hlinkClick r:id="rId8" action="ppaction://hlinksldjump"/>
+              </a:rPr>
+              <a:t>Articles</a:t>
+            </a:r>
             <a:endParaRPr lang="fr-FR" dirty="0"/>
           </a:p>
         </p:txBody>
       </p:sp>
       <p:sp>
         <p:nvSpPr>
-          <p:cNvPr id="24" name="ZoneTexte 23"/>
-          <p:cNvSpPr txBox="1"/>
+          <p:cNvPr id="30" name="Rectangle 29"/>
+          <p:cNvSpPr/>
           <p:nvPr/>
         </p:nvSpPr>
         <p:spPr>
           <a:xfrm>
-            <a:off x="274320" y="1025923"/>
-            <a:ext cx="2571088" cy="307777"/>
+            <a:off x="4495800" y="5755270"/>
+            <a:ext cx="2164080" cy="2784731"/>
           </a:xfrm>
           <a:prstGeom prst="rect">
             <a:avLst/>
           </a:prstGeom>
-          <a:noFill/>
-          <a:ln>
-            <a:noFill/>
-          </a:ln>
+          <a:solidFill>
+            <a:schemeClr val="bg1">
+              <a:lumMod val="85000"/>
+            </a:schemeClr>
+          </a:solidFill>
         </p:spPr>
-        <p:txBody>
-          <a:bodyPr wrap="none" rtlCol="0">
-            <a:spAutoFit/>
-          </a:bodyPr>
+        <p:style>
+          <a:lnRef idx="1">
+            <a:schemeClr val="accent3"/>
+          </a:lnRef>
+          <a:fillRef idx="2">
+            <a:schemeClr val="accent3"/>
+          </a:fillRef>
+          <a:effectRef idx="1">
+            <a:schemeClr val="accent3"/>
+          </a:effectRef>
+          <a:fontRef idx="minor">
+            <a:schemeClr val="dk1"/>
+          </a:fontRef>
+        </p:style>
+        <p:txBody>
+          <a:bodyPr rtlCol="0" anchor="t"/>
           <a:lstStyle/>
           <a:p>
             <a:r>
               <a:rPr lang="fr-FR" sz="1400" dirty="0"/>
-              <a:t>Page dédiée à chaque candidat ?</a:t>
-            </a:r>
+              <a:t>Les articles</a:t>
+            </a:r>
+          </a:p>
+        </p:txBody>
+      </p:sp>
+      <p:sp>
+        <p:nvSpPr>
+          <p:cNvPr id="31" name="Rectangle 30"/>
+          <p:cNvSpPr/>
+          <p:nvPr/>
+        </p:nvSpPr>
+        <p:spPr>
+          <a:xfrm>
+            <a:off x="4556760" y="6030196"/>
+            <a:ext cx="2049780" cy="1391483"/>
+          </a:xfrm>
+          <a:prstGeom prst="rect">
+            <a:avLst/>
+          </a:prstGeom>
+          <a:ln/>
+        </p:spPr>
+        <p:style>
+          <a:lnRef idx="2">
+            <a:schemeClr val="accent1">
+              <a:shade val="50000"/>
+            </a:schemeClr>
+          </a:lnRef>
+          <a:fillRef idx="1">
+            <a:schemeClr val="accent1"/>
+          </a:fillRef>
+          <a:effectRef idx="0">
+            <a:schemeClr val="accent1"/>
+          </a:effectRef>
+          <a:fontRef idx="minor">
+            <a:schemeClr val="lt1"/>
+          </a:fontRef>
+        </p:style>
+        <p:txBody>
+          <a:bodyPr rtlCol="0" anchor="t"/>
+          <a:lstStyle/>
+          <a:p>
+            <a:pPr algn="ctr"/>
+            <a:r>
+              <a:rPr lang="fr-FR" sz="1200" dirty="0"/>
+              <a:t>Article #1</a:t>
+            </a:r>
+          </a:p>
+          <a:p>
+            <a:pPr algn="ctr"/>
+            <a:endParaRPr lang="fr-FR" sz="1200" dirty="0"/>
+          </a:p>
+          <a:p>
+            <a:pPr algn="ctr"/>
+            <a:endParaRPr lang="fr-FR" sz="1200" dirty="0"/>
+          </a:p>
+          <a:p>
+            <a:pPr algn="ctr"/>
+            <a:endParaRPr lang="fr-FR" sz="1200" dirty="0"/>
+          </a:p>
+          <a:p>
+            <a:pPr algn="ctr"/>
+            <a:r>
+              <a:rPr lang="fr-FR" sz="1200" dirty="0"/>
+              <a:t>Lien vers une page dédiée</a:t>
+            </a:r>
+          </a:p>
+        </p:txBody>
+      </p:sp>
+      <p:sp>
+        <p:nvSpPr>
+          <p:cNvPr id="35" name="Rectangle 34"/>
+          <p:cNvSpPr/>
+          <p:nvPr/>
+        </p:nvSpPr>
+        <p:spPr>
+          <a:xfrm>
+            <a:off x="4556760" y="7569724"/>
+            <a:ext cx="2049780" cy="970277"/>
+          </a:xfrm>
+          <a:prstGeom prst="rect">
+            <a:avLst/>
+          </a:prstGeom>
+          <a:ln/>
+        </p:spPr>
+        <p:style>
+          <a:lnRef idx="2">
+            <a:schemeClr val="accent1">
+              <a:shade val="50000"/>
+            </a:schemeClr>
+          </a:lnRef>
+          <a:fillRef idx="1">
+            <a:schemeClr val="accent1"/>
+          </a:fillRef>
+          <a:effectRef idx="0">
+            <a:schemeClr val="accent1"/>
+          </a:effectRef>
+          <a:fontRef idx="minor">
+            <a:schemeClr val="lt1"/>
+          </a:fontRef>
+        </p:style>
+        <p:txBody>
+          <a:bodyPr rtlCol="0" anchor="t"/>
+          <a:lstStyle/>
+          <a:p>
+            <a:pPr algn="ctr"/>
+            <a:r>
+              <a:rPr lang="fr-FR" sz="1200" dirty="0"/>
+              <a:t>Article #2</a:t>
+            </a:r>
+            <a:endParaRPr lang="fr-FR" sz="1200" dirty="0"/>
+          </a:p>
+        </p:txBody>
+      </p:sp>
+      <p:sp>
+        <p:nvSpPr>
+          <p:cNvPr id="36" name="Rectangle 35"/>
+          <p:cNvSpPr/>
+          <p:nvPr/>
+        </p:nvSpPr>
+        <p:spPr>
+          <a:xfrm>
+            <a:off x="4639220" y="7805057"/>
+            <a:ext cx="1874520" cy="734944"/>
+          </a:xfrm>
+          <a:prstGeom prst="rect">
+            <a:avLst/>
+          </a:prstGeom>
+          <a:solidFill>
+            <a:schemeClr val="bg1"/>
+          </a:solidFill>
+        </p:spPr>
+        <p:style>
+          <a:lnRef idx="2">
+            <a:schemeClr val="accent1">
+              <a:shade val="50000"/>
+            </a:schemeClr>
+          </a:lnRef>
+          <a:fillRef idx="1">
+            <a:schemeClr val="accent1"/>
+          </a:fillRef>
+          <a:effectRef idx="0">
+            <a:schemeClr val="accent1"/>
+          </a:effectRef>
+          <a:fontRef idx="minor">
+            <a:schemeClr val="lt1"/>
+          </a:fontRef>
+        </p:style>
+        <p:txBody>
+          <a:bodyPr rtlCol="0" anchor="ctr"/>
+          <a:lstStyle/>
+          <a:p>
+            <a:pPr algn="ctr"/>
+            <a:r>
+              <a:rPr lang="fr-FR" sz="1400" dirty="0" err="1">
+                <a:solidFill>
+                  <a:schemeClr val="tx1"/>
+                </a:solidFill>
+              </a:rPr>
+              <a:t>Preview</a:t>
+            </a:r>
+            <a:r>
+              <a:rPr lang="fr-FR" sz="1400" dirty="0">
+                <a:solidFill>
+                  <a:schemeClr val="tx1"/>
+                </a:solidFill>
+              </a:rPr>
+              <a:t> de la </a:t>
+            </a:r>
+            <a:r>
+              <a:rPr lang="fr-FR" sz="1400" dirty="0" err="1">
+                <a:solidFill>
+                  <a:schemeClr val="tx1"/>
+                </a:solidFill>
+              </a:rPr>
+              <a:t>viz</a:t>
+            </a:r>
+            <a:endParaRPr lang="fr-FR" sz="1400" dirty="0">
+              <a:solidFill>
+                <a:schemeClr val="tx1"/>
+              </a:solidFill>
+            </a:endParaRPr>
           </a:p>
         </p:txBody>
       </p:sp>
       <p:pic>
         <p:nvPicPr>
-          <p:cNvPr id="25" name="Image 24"/>
+          <p:cNvPr id="37" name="Image 36"/>
           <p:cNvPicPr>
             <a:picLocks noChangeAspect="1"/>
           </p:cNvPicPr>
           <p:nvPr/>
         </p:nvPicPr>
         <p:blipFill rotWithShape="1">
-          <a:blip r:embed="rId3"/>
-          <a:srcRect t="51758" b="-2"/>
+          <a:blip r:embed="rId5"/>
+          <a:srcRect r="67251" b="53856"/>
           <a:stretch/>
         </p:blipFill>
         <p:spPr>
           <a:xfrm>
-            <a:off x="3460375" y="1296525"/>
-            <a:ext cx="3151530" cy="720276"/>
+            <a:off x="4749894" y="6247783"/>
+            <a:ext cx="1653171" cy="956308"/>
           </a:xfrm>
           <a:prstGeom prst="rect">
             <a:avLst/>
           </a:prstGeom>
         </p:spPr>
       </p:pic>
-      <p:pic>
-        <p:nvPicPr>
-          <p:cNvPr id="27" name="Image 26"/>
-          <p:cNvPicPr>
-            <a:picLocks noChangeAspect="1"/>
-          </p:cNvPicPr>
+      <p:sp>
+        <p:nvSpPr>
+          <p:cNvPr id="38" name="Rectangle 37"/>
+          <p:cNvSpPr/>
           <p:nvPr/>
-        </p:nvPicPr>
-        <p:blipFill rotWithShape="1">
-          <a:blip r:embed="rId3"/>
-          <a:srcRect b="50620"/>
-          <a:stretch/>
-        </p:blipFill>
+        </p:nvSpPr>
         <p:spPr>
           <a:xfrm>
-            <a:off x="335280" y="1285205"/>
-            <a:ext cx="3151530" cy="737273"/>
-          </a:xfrm>
-          <a:prstGeom prst="rect">
-            <a:avLst/>
-          </a:prstGeom>
-        </p:spPr>
-      </p:pic>
-      <p:sp>
-        <p:nvSpPr>
-          <p:cNvPr id="28" name="Rectangle 27"/>
-          <p:cNvSpPr/>
-          <p:nvPr/>
-        </p:nvSpPr>
-        <p:spPr>
-          <a:xfrm>
-            <a:off x="335280" y="6476598"/>
-            <a:ext cx="3916680" cy="2602431"/>
+            <a:off x="335280" y="5829754"/>
+            <a:ext cx="3916680" cy="2584903"/>
           </a:xfrm>
           <a:prstGeom prst="rect">
             <a:avLst/>
@@ -4032,94 +8060,119 @@
           </a:fontRef>
         </p:style>
         <p:txBody>
-          <a:bodyPr rtlCol="0" anchor="t"/>
+          <a:bodyPr rtlCol="0" anchor="ctr"/>
           <a:lstStyle/>
           <a:p>
             <a:pPr algn="ctr"/>
             <a:r>
               <a:rPr lang="fr-FR" sz="1200" b="1" dirty="0"/>
-              <a:t>Une cartographie « live » ?</a:t>
-            </a:r>
-          </a:p>
-          <a:p>
-            <a:pPr algn="ctr"/>
-            <a:r>
-              <a:rPr lang="fr-FR" sz="1200" dirty="0"/>
-              <a:t>Que peut-on montrer de sympa sur une cartographie qui serait dynamique ?</a:t>
-            </a:r>
-          </a:p>
-        </p:txBody>
-      </p:sp>
-      <p:pic>
-        <p:nvPicPr>
-          <p:cNvPr id="32" name="Image 31"/>
-          <p:cNvPicPr>
-            <a:picLocks noChangeAspect="1"/>
-          </p:cNvPicPr>
+              <a:t>A définir</a:t>
+            </a:r>
+            <a:endParaRPr lang="fr-FR" sz="1200" dirty="0"/>
+          </a:p>
+        </p:txBody>
+      </p:sp>
+      <p:sp>
+        <p:nvSpPr>
+          <p:cNvPr id="39" name="Rectangle 38"/>
+          <p:cNvSpPr/>
           <p:nvPr/>
-        </p:nvPicPr>
-        <p:blipFill>
-          <a:blip r:embed="rId4"/>
-          <a:stretch>
-            <a:fillRect/>
-          </a:stretch>
-        </p:blipFill>
+        </p:nvSpPr>
         <p:spPr>
-          <a:xfrm>
-            <a:off x="481965" y="7081301"/>
-            <a:ext cx="3623310" cy="1945615"/>
+          <a:xfrm rot="1243065">
+            <a:off x="5200058" y="260529"/>
+            <a:ext cx="2170402" cy="1323439"/>
           </a:xfrm>
           <a:prstGeom prst="rect">
             <a:avLst/>
           </a:prstGeom>
+          <a:noFill/>
         </p:spPr>
-      </p:pic>
-      <p:pic>
-        <p:nvPicPr>
-          <p:cNvPr id="33" name="Image 32"/>
-          <p:cNvPicPr>
-            <a:picLocks noChangeAspect="1"/>
-          </p:cNvPicPr>
+        <p:txBody>
+          <a:bodyPr wrap="none" lIns="91440" tIns="45720" rIns="91440" bIns="45720">
+            <a:spAutoFit/>
+          </a:bodyPr>
+          <a:lstStyle/>
+          <a:p>
+            <a:pPr algn="ctr"/>
+            <a:r>
+              <a:rPr lang="fr-FR" sz="4000" b="1" cap="none" spc="0" dirty="0">
+                <a:ln w="22225">
+                  <a:solidFill>
+                    <a:schemeClr val="accent2"/>
+                  </a:solidFill>
+                  <a:prstDash val="solid"/>
+                </a:ln>
+                <a:solidFill>
+                  <a:schemeClr val="accent2">
+                    <a:lumMod val="40000"/>
+                    <a:lumOff val="60000"/>
+                  </a:schemeClr>
+                </a:solidFill>
+                <a:effectLst/>
+              </a:rPr>
+              <a:t>Version </a:t>
+            </a:r>
+          </a:p>
+          <a:p>
+            <a:pPr algn="ctr"/>
+            <a:r>
+              <a:rPr lang="fr-FR" sz="4000" b="1" cap="none" spc="0" dirty="0">
+                <a:ln w="22225">
+                  <a:solidFill>
+                    <a:schemeClr val="accent2"/>
+                  </a:solidFill>
+                  <a:prstDash val="solid"/>
+                </a:ln>
+                <a:solidFill>
+                  <a:schemeClr val="accent2">
+                    <a:lumMod val="40000"/>
+                    <a:lumOff val="60000"/>
+                  </a:schemeClr>
+                </a:solidFill>
+                <a:effectLst/>
+              </a:rPr>
+              <a:t>de travail</a:t>
+            </a:r>
+          </a:p>
+        </p:txBody>
+      </p:sp>
+      <p:sp>
+        <p:nvSpPr>
+          <p:cNvPr id="20" name="ZoneTexte 19"/>
+          <p:cNvSpPr txBox="1"/>
           <p:nvPr/>
-        </p:nvPicPr>
-        <p:blipFill rotWithShape="1">
-          <a:blip r:embed="rId5"/>
-          <a:srcRect l="22772" t="27663" r="1973" b="4299"/>
-          <a:stretch/>
-        </p:blipFill>
+        </p:nvSpPr>
         <p:spPr>
-          <a:xfrm>
-            <a:off x="2346960" y="4321314"/>
-            <a:ext cx="1844040" cy="813425"/>
+          <a:xfrm flipH="1">
+            <a:off x="3851816" y="-157090"/>
+            <a:ext cx="2368648" cy="523220"/>
           </a:xfrm>
           <a:prstGeom prst="rect">
             <a:avLst/>
           </a:prstGeom>
+          <a:solidFill>
+            <a:srgbClr val="FFC000"/>
+          </a:solidFill>
         </p:spPr>
-      </p:pic>
-      <p:pic>
-        <p:nvPicPr>
-          <p:cNvPr id="34" name="Image 33"/>
-          <p:cNvPicPr>
-            <a:picLocks noChangeAspect="1"/>
-          </p:cNvPicPr>
-          <p:nvPr/>
-        </p:nvPicPr>
-        <p:blipFill rotWithShape="1">
-          <a:blip r:embed="rId6"/>
-          <a:srcRect r="67251" b="53856"/>
-          <a:stretch/>
-        </p:blipFill>
-        <p:spPr>
-          <a:xfrm>
-            <a:off x="4749894" y="2933284"/>
-            <a:ext cx="1653171" cy="956308"/>
-          </a:xfrm>
-          <a:prstGeom prst="rect">
-            <a:avLst/>
-          </a:prstGeom>
-        </p:spPr>
-      </p:pic>
+        <p:txBody>
+          <a:bodyPr wrap="square" rtlCol="0">
+            <a:spAutoFit/>
+          </a:bodyPr>
+          <a:lstStyle/>
+          <a:p>
+            <a:pPr algn="ctr"/>
+            <a:r>
+              <a:rPr lang="fr-FR" sz="1400" dirty="0" err="1"/>
+              <a:t>Cf</a:t>
+            </a:r>
+            <a:r>
+              <a:rPr lang="fr-FR" sz="1400" dirty="0"/>
+              <a:t> la partie commentaire des slides pour plus de détails</a:t>
+            </a:r>
+          </a:p>
+        </p:txBody>
+      </p:sp>
     </p:spTree>
     <p:extLst>
       <p:ext uri="{BB962C8B-B14F-4D97-AF65-F5344CB8AC3E}">
@@ -4150,6 +8203,103 @@
           <a:chExt cx="0" cy="0"/>
         </a:xfrm>
       </p:grpSpPr>
+      <p:sp>
+        <p:nvSpPr>
+          <p:cNvPr id="6" name="Rectangle 5"/>
+          <p:cNvSpPr/>
+          <p:nvPr/>
+        </p:nvSpPr>
+        <p:spPr>
+          <a:xfrm>
+            <a:off x="182879" y="1466772"/>
+            <a:ext cx="6477001" cy="8439228"/>
+          </a:xfrm>
+          <a:prstGeom prst="rect">
+            <a:avLst/>
+          </a:prstGeom>
+          <a:solidFill>
+            <a:schemeClr val="bg1">
+              <a:lumMod val="85000"/>
+            </a:schemeClr>
+          </a:solidFill>
+        </p:spPr>
+        <p:style>
+          <a:lnRef idx="1">
+            <a:schemeClr val="accent3"/>
+          </a:lnRef>
+          <a:fillRef idx="2">
+            <a:schemeClr val="accent3"/>
+          </a:fillRef>
+          <a:effectRef idx="1">
+            <a:schemeClr val="accent3"/>
+          </a:effectRef>
+          <a:fontRef idx="minor">
+            <a:schemeClr val="dk1"/>
+          </a:fontRef>
+        </p:style>
+        <p:txBody>
+          <a:bodyPr rtlCol="0" anchor="ctr"/>
+          <a:lstStyle/>
+          <a:p>
+            <a:pPr algn="ctr"/>
+            <a:endParaRPr lang="fr-FR" dirty="0"/>
+          </a:p>
+        </p:txBody>
+      </p:sp>
+      <p:sp>
+        <p:nvSpPr>
+          <p:cNvPr id="24" name="Rectangle 23"/>
+          <p:cNvSpPr/>
+          <p:nvPr/>
+        </p:nvSpPr>
+        <p:spPr>
+          <a:xfrm>
+            <a:off x="335278" y="2826617"/>
+            <a:ext cx="6114239" cy="2040827"/>
+          </a:xfrm>
+          <a:prstGeom prst="rect">
+            <a:avLst/>
+          </a:prstGeom>
+          <a:solidFill>
+            <a:schemeClr val="bg1">
+              <a:lumMod val="50000"/>
+            </a:schemeClr>
+          </a:solidFill>
+          <a:ln/>
+        </p:spPr>
+        <p:style>
+          <a:lnRef idx="2">
+            <a:schemeClr val="accent2">
+              <a:shade val="50000"/>
+            </a:schemeClr>
+          </a:lnRef>
+          <a:fillRef idx="1">
+            <a:schemeClr val="accent2"/>
+          </a:fillRef>
+          <a:effectRef idx="0">
+            <a:schemeClr val="accent2"/>
+          </a:effectRef>
+          <a:fontRef idx="minor">
+            <a:schemeClr val="lt1"/>
+          </a:fontRef>
+        </p:style>
+        <p:txBody>
+          <a:bodyPr rtlCol="0" anchor="t"/>
+          <a:lstStyle/>
+          <a:p>
+            <a:r>
+              <a:rPr lang="fr-FR" sz="1200" dirty="0"/>
+              <a:t>Candidats</a:t>
+            </a:r>
+          </a:p>
+          <a:p>
+            <a:r>
+              <a:rPr lang="fr-FR" sz="1200" dirty="0"/>
+              <a:t>(cliquer pour isoler les analyses sur lui)</a:t>
+            </a:r>
+          </a:p>
+        </p:txBody>
+      </p:sp>
       <p:pic>
         <p:nvPicPr>
           <p:cNvPr id="4" name="Image 3"/>
@@ -4159,25 +8309,1684 @@
           <p:nvPr/>
         </p:nvPicPr>
         <p:blipFill>
-          <a:blip r:embed="rId2"/>
+          <a:blip r:embed="rId3"/>
           <a:stretch>
             <a:fillRect/>
           </a:stretch>
         </p:blipFill>
         <p:spPr>
           <a:xfrm>
-            <a:off x="0" y="2381250"/>
-            <a:ext cx="6858000" cy="5143500"/>
+            <a:off x="0" y="0"/>
+            <a:ext cx="6858000" cy="842211"/>
           </a:xfrm>
           <a:prstGeom prst="rect">
             <a:avLst/>
           </a:prstGeom>
         </p:spPr>
       </p:pic>
+      <p:sp>
+        <p:nvSpPr>
+          <p:cNvPr id="5" name="Rectangle 4"/>
+          <p:cNvSpPr/>
+          <p:nvPr/>
+        </p:nvSpPr>
+        <p:spPr>
+          <a:xfrm>
+            <a:off x="182880" y="991666"/>
+            <a:ext cx="6477000" cy="325651"/>
+          </a:xfrm>
+          <a:prstGeom prst="rect">
+            <a:avLst/>
+          </a:prstGeom>
+          <a:solidFill>
+            <a:schemeClr val="bg1">
+              <a:lumMod val="85000"/>
+            </a:schemeClr>
+          </a:solidFill>
+        </p:spPr>
+        <p:style>
+          <a:lnRef idx="1">
+            <a:schemeClr val="accent3"/>
+          </a:lnRef>
+          <a:fillRef idx="2">
+            <a:schemeClr val="accent3"/>
+          </a:fillRef>
+          <a:effectRef idx="1">
+            <a:schemeClr val="accent3"/>
+          </a:effectRef>
+          <a:fontRef idx="minor">
+            <a:schemeClr val="dk1"/>
+          </a:fontRef>
+        </p:style>
+        <p:txBody>
+          <a:bodyPr rtlCol="0" anchor="ctr"/>
+          <a:lstStyle/>
+          <a:p>
+            <a:pPr algn="ctr"/>
+            <a:r>
+              <a:rPr lang="fr-FR" dirty="0">
+                <a:hlinkClick r:id="rId4" action="ppaction://hlinksldjump"/>
+              </a:rPr>
+              <a:t>Portail</a:t>
+            </a:r>
+            <a:r>
+              <a:rPr lang="fr-FR" dirty="0"/>
+              <a:t> 		</a:t>
+            </a:r>
+            <a:r>
+              <a:rPr lang="fr-FR" b="1" dirty="0"/>
+              <a:t>Tableau de bord </a:t>
+            </a:r>
+            <a:r>
+              <a:rPr lang="fr-FR" dirty="0"/>
+              <a:t>		</a:t>
+            </a:r>
+            <a:r>
+              <a:rPr lang="fr-FR" dirty="0">
+                <a:hlinkClick r:id="rId5" action="ppaction://hlinksldjump"/>
+              </a:rPr>
+              <a:t>Analyses</a:t>
+            </a:r>
+            <a:r>
+              <a:rPr lang="fr-FR" dirty="0"/>
+              <a:t>		 </a:t>
+            </a:r>
+            <a:r>
+              <a:rPr lang="fr-FR" dirty="0">
+                <a:hlinkClick r:id="rId6" action="ppaction://hlinksldjump"/>
+              </a:rPr>
+              <a:t>Articles</a:t>
+            </a:r>
+            <a:endParaRPr lang="fr-FR" dirty="0"/>
+          </a:p>
+        </p:txBody>
+      </p:sp>
+      <p:sp>
+        <p:nvSpPr>
+          <p:cNvPr id="7" name="ZoneTexte 6"/>
+          <p:cNvSpPr txBox="1"/>
+          <p:nvPr/>
+        </p:nvSpPr>
+        <p:spPr>
+          <a:xfrm>
+            <a:off x="266699" y="1498015"/>
+            <a:ext cx="3816676" cy="307777"/>
+          </a:xfrm>
+          <a:prstGeom prst="rect">
+            <a:avLst/>
+          </a:prstGeom>
+          <a:noFill/>
+          <a:ln>
+            <a:noFill/>
+          </a:ln>
+        </p:spPr>
+        <p:txBody>
+          <a:bodyPr wrap="square" rtlCol="0">
+            <a:spAutoFit/>
+          </a:bodyPr>
+          <a:lstStyle/>
+          <a:p>
+            <a:r>
+              <a:rPr lang="fr-FR" sz="1400" dirty="0"/>
+              <a:t>Les élections en un coup d’œil</a:t>
+            </a:r>
+          </a:p>
+        </p:txBody>
+      </p:sp>
+      <p:sp>
+        <p:nvSpPr>
+          <p:cNvPr id="8" name="Rectangle 7"/>
+          <p:cNvSpPr/>
+          <p:nvPr/>
+        </p:nvSpPr>
+        <p:spPr>
+          <a:xfrm>
+            <a:off x="335279" y="1801296"/>
+            <a:ext cx="1665357" cy="896183"/>
+          </a:xfrm>
+          <a:prstGeom prst="rect">
+            <a:avLst/>
+          </a:prstGeom>
+          <a:solidFill>
+            <a:schemeClr val="bg1">
+              <a:lumMod val="50000"/>
+            </a:schemeClr>
+          </a:solidFill>
+          <a:ln/>
+        </p:spPr>
+        <p:style>
+          <a:lnRef idx="2">
+            <a:schemeClr val="accent2">
+              <a:shade val="50000"/>
+            </a:schemeClr>
+          </a:lnRef>
+          <a:fillRef idx="1">
+            <a:schemeClr val="accent2"/>
+          </a:fillRef>
+          <a:effectRef idx="0">
+            <a:schemeClr val="accent2"/>
+          </a:effectRef>
+          <a:fontRef idx="minor">
+            <a:schemeClr val="lt1"/>
+          </a:fontRef>
+        </p:style>
+        <p:txBody>
+          <a:bodyPr rtlCol="0" anchor="ctr"/>
+          <a:lstStyle/>
+          <a:p>
+            <a:pPr algn="ctr"/>
+            <a:r>
+              <a:rPr lang="fr-FR" sz="1200" b="1" dirty="0"/>
+              <a:t>Le podium </a:t>
+            </a:r>
+            <a:r>
+              <a:rPr lang="fr-FR" sz="900" dirty="0"/>
+              <a:t>(combinaison de nos analyses pour donner le candidat en tête)</a:t>
+            </a:r>
+            <a:endParaRPr lang="fr-FR" sz="1200" dirty="0"/>
+          </a:p>
+        </p:txBody>
+      </p:sp>
+      <p:sp>
+        <p:nvSpPr>
+          <p:cNvPr id="9" name="Rectangle 8"/>
+          <p:cNvSpPr/>
+          <p:nvPr/>
+        </p:nvSpPr>
+        <p:spPr>
+          <a:xfrm>
+            <a:off x="2153036" y="1801296"/>
+            <a:ext cx="4296482" cy="896183"/>
+          </a:xfrm>
+          <a:prstGeom prst="rect">
+            <a:avLst/>
+          </a:prstGeom>
+          <a:solidFill>
+            <a:schemeClr val="bg1">
+              <a:lumMod val="50000"/>
+            </a:schemeClr>
+          </a:solidFill>
+          <a:ln/>
+        </p:spPr>
+        <p:style>
+          <a:lnRef idx="2">
+            <a:schemeClr val="accent2">
+              <a:shade val="50000"/>
+            </a:schemeClr>
+          </a:lnRef>
+          <a:fillRef idx="1">
+            <a:schemeClr val="accent2"/>
+          </a:fillRef>
+          <a:effectRef idx="0">
+            <a:schemeClr val="accent2"/>
+          </a:effectRef>
+          <a:fontRef idx="minor">
+            <a:schemeClr val="lt1"/>
+          </a:fontRef>
+        </p:style>
+        <p:txBody>
+          <a:bodyPr rtlCol="0" anchor="ctr"/>
+          <a:lstStyle/>
+          <a:p>
+            <a:pPr algn="ctr"/>
+            <a:r>
+              <a:rPr lang="fr-FR" sz="1200" b="1" dirty="0"/>
+              <a:t>La </a:t>
+            </a:r>
+            <a:r>
+              <a:rPr lang="fr-FR" sz="1200" b="1" dirty="0" err="1"/>
+              <a:t>timeline</a:t>
+            </a:r>
+            <a:r>
+              <a:rPr lang="fr-FR" sz="1200" b="1" dirty="0"/>
+              <a:t> de la campagne</a:t>
+            </a:r>
+          </a:p>
+          <a:p>
+            <a:pPr algn="ctr"/>
+            <a:r>
+              <a:rPr lang="fr-FR" sz="1100" dirty="0"/>
+              <a:t>(les événements à venir avec les dates)</a:t>
+            </a:r>
+            <a:endParaRPr lang="fr-FR" sz="1200" dirty="0"/>
+          </a:p>
+        </p:txBody>
+      </p:sp>
+      <p:sp>
+        <p:nvSpPr>
+          <p:cNvPr id="10" name="Rectangle 9"/>
+          <p:cNvSpPr/>
+          <p:nvPr/>
+        </p:nvSpPr>
+        <p:spPr>
+          <a:xfrm>
+            <a:off x="335280" y="4969745"/>
+            <a:ext cx="6114238" cy="2313888"/>
+          </a:xfrm>
+          <a:prstGeom prst="rect">
+            <a:avLst/>
+          </a:prstGeom>
+          <a:solidFill>
+            <a:schemeClr val="bg1">
+              <a:lumMod val="50000"/>
+            </a:schemeClr>
+          </a:solidFill>
+          <a:ln/>
+        </p:spPr>
+        <p:style>
+          <a:lnRef idx="2">
+            <a:schemeClr val="accent2">
+              <a:shade val="50000"/>
+            </a:schemeClr>
+          </a:lnRef>
+          <a:fillRef idx="1">
+            <a:schemeClr val="accent2"/>
+          </a:fillRef>
+          <a:effectRef idx="0">
+            <a:schemeClr val="accent2"/>
+          </a:effectRef>
+          <a:fontRef idx="minor">
+            <a:schemeClr val="lt1"/>
+          </a:fontRef>
+        </p:style>
+        <p:txBody>
+          <a:bodyPr rtlCol="0" anchor="t"/>
+          <a:lstStyle/>
+          <a:p>
+            <a:pPr algn="ctr"/>
+            <a:r>
+              <a:rPr lang="fr-FR" sz="1200" b="1" dirty="0"/>
+              <a:t>Les tendances « live »</a:t>
+            </a:r>
+            <a:r>
+              <a:rPr lang="fr-FR" sz="1200" dirty="0"/>
+              <a:t> (sur 24h par exemple)</a:t>
+            </a:r>
+          </a:p>
+        </p:txBody>
+      </p:sp>
+      <p:sp>
+        <p:nvSpPr>
+          <p:cNvPr id="11" name="ZoneTexte 10"/>
+          <p:cNvSpPr txBox="1"/>
+          <p:nvPr/>
+        </p:nvSpPr>
+        <p:spPr>
+          <a:xfrm>
+            <a:off x="643252" y="5318156"/>
+            <a:ext cx="2331499" cy="276999"/>
+          </a:xfrm>
+          <a:prstGeom prst="rect">
+            <a:avLst/>
+          </a:prstGeom>
+          <a:noFill/>
+        </p:spPr>
+        <p:txBody>
+          <a:bodyPr wrap="square" rtlCol="0">
+            <a:spAutoFit/>
+          </a:bodyPr>
+          <a:lstStyle/>
+          <a:p>
+            <a:pPr algn="ctr"/>
+            <a:r>
+              <a:rPr lang="fr-FR" sz="1200" b="1" dirty="0">
+                <a:solidFill>
+                  <a:schemeClr val="bg1"/>
+                </a:solidFill>
+              </a:rPr>
+              <a:t>Twitter</a:t>
+            </a:r>
+            <a:endParaRPr lang="fr-FR" sz="1400" b="1" dirty="0">
+              <a:solidFill>
+                <a:schemeClr val="bg1"/>
+              </a:solidFill>
+            </a:endParaRPr>
+          </a:p>
+        </p:txBody>
+      </p:sp>
+      <p:sp>
+        <p:nvSpPr>
+          <p:cNvPr id="12" name="ZoneTexte 11"/>
+          <p:cNvSpPr txBox="1"/>
+          <p:nvPr/>
+        </p:nvSpPr>
+        <p:spPr>
+          <a:xfrm>
+            <a:off x="3719506" y="5324199"/>
+            <a:ext cx="2331499" cy="276999"/>
+          </a:xfrm>
+          <a:prstGeom prst="rect">
+            <a:avLst/>
+          </a:prstGeom>
+          <a:noFill/>
+        </p:spPr>
+        <p:txBody>
+          <a:bodyPr wrap="square" rtlCol="0">
+            <a:spAutoFit/>
+          </a:bodyPr>
+          <a:lstStyle/>
+          <a:p>
+            <a:pPr algn="ctr"/>
+            <a:r>
+              <a:rPr lang="fr-FR" sz="1200" b="1" dirty="0">
+                <a:solidFill>
+                  <a:schemeClr val="bg1"/>
+                </a:solidFill>
+              </a:rPr>
+              <a:t>Google</a:t>
+            </a:r>
+            <a:endParaRPr lang="fr-FR" sz="1400" b="1" dirty="0">
+              <a:solidFill>
+                <a:schemeClr val="bg1"/>
+              </a:solidFill>
+            </a:endParaRPr>
+          </a:p>
+        </p:txBody>
+      </p:sp>
+      <p:sp>
+        <p:nvSpPr>
+          <p:cNvPr id="13" name="Rectangle 12"/>
+          <p:cNvSpPr/>
+          <p:nvPr/>
+        </p:nvSpPr>
+        <p:spPr>
+          <a:xfrm>
+            <a:off x="388619" y="5429276"/>
+            <a:ext cx="5935981" cy="1820610"/>
+          </a:xfrm>
+          <a:prstGeom prst="rect">
+            <a:avLst/>
+          </a:prstGeom>
+          <a:noFill/>
+          <a:ln>
+            <a:noFill/>
+          </a:ln>
+        </p:spPr>
+        <p:style>
+          <a:lnRef idx="2">
+            <a:schemeClr val="accent2">
+              <a:shade val="50000"/>
+            </a:schemeClr>
+          </a:lnRef>
+          <a:fillRef idx="1">
+            <a:schemeClr val="accent2"/>
+          </a:fillRef>
+          <a:effectRef idx="0">
+            <a:schemeClr val="accent2"/>
+          </a:effectRef>
+          <a:fontRef idx="minor">
+            <a:schemeClr val="lt1"/>
+          </a:fontRef>
+        </p:style>
+        <p:txBody>
+          <a:bodyPr rtlCol="0" anchor="ctr"/>
+          <a:lstStyle/>
+          <a:p>
+            <a:r>
+              <a:rPr lang="fr-FR" sz="1200" dirty="0"/>
+              <a:t>En haut : un graph avec le nombre de tweets </a:t>
+            </a:r>
+            <a:br>
+              <a:rPr lang="fr-FR" sz="1200" dirty="0"/>
+            </a:br>
+            <a:r>
+              <a:rPr lang="fr-FR" sz="1200" dirty="0"/>
+              <a:t>contenant le hashtag de chaque candidat</a:t>
+            </a:r>
+          </a:p>
+          <a:p>
+            <a:endParaRPr lang="fr-FR" sz="1200" dirty="0"/>
+          </a:p>
+          <a:p>
+            <a:endParaRPr lang="fr-FR" sz="1200" dirty="0"/>
+          </a:p>
+          <a:p>
+            <a:endParaRPr lang="fr-FR" sz="1200" dirty="0"/>
+          </a:p>
+          <a:p>
+            <a:r>
+              <a:rPr lang="fr-FR" sz="1200" dirty="0"/>
+              <a:t>En bas : un top/flop des candidats via la </a:t>
+            </a:r>
+            <a:br>
+              <a:rPr lang="fr-FR" sz="1200" dirty="0"/>
+            </a:br>
+            <a:r>
+              <a:rPr lang="fr-FR" sz="1200" dirty="0"/>
+              <a:t>sentiment </a:t>
+            </a:r>
+            <a:r>
+              <a:rPr lang="fr-FR" sz="1200" dirty="0" err="1"/>
+              <a:t>analysis</a:t>
+            </a:r>
+            <a:r>
+              <a:rPr lang="fr-FR" sz="1200" dirty="0"/>
+              <a:t> des tweets</a:t>
+            </a:r>
+          </a:p>
+        </p:txBody>
+      </p:sp>
+      <p:sp>
+        <p:nvSpPr>
+          <p:cNvPr id="14" name="Rectangle 13"/>
+          <p:cNvSpPr/>
+          <p:nvPr/>
+        </p:nvSpPr>
+        <p:spPr>
+          <a:xfrm>
+            <a:off x="3421379" y="5297908"/>
+            <a:ext cx="2890583" cy="1985726"/>
+          </a:xfrm>
+          <a:prstGeom prst="rect">
+            <a:avLst/>
+          </a:prstGeom>
+          <a:noFill/>
+          <a:ln>
+            <a:noFill/>
+          </a:ln>
+        </p:spPr>
+        <p:style>
+          <a:lnRef idx="2">
+            <a:schemeClr val="accent2">
+              <a:shade val="50000"/>
+            </a:schemeClr>
+          </a:lnRef>
+          <a:fillRef idx="1">
+            <a:schemeClr val="accent2"/>
+          </a:fillRef>
+          <a:effectRef idx="0">
+            <a:schemeClr val="accent2"/>
+          </a:effectRef>
+          <a:fontRef idx="minor">
+            <a:schemeClr val="lt1"/>
+          </a:fontRef>
+        </p:style>
+        <p:txBody>
+          <a:bodyPr rtlCol="0" anchor="ctr"/>
+          <a:lstStyle/>
+          <a:p>
+            <a:pPr algn="ctr"/>
+            <a:r>
+              <a:rPr lang="fr-FR" sz="1200" dirty="0"/>
+              <a:t>En haut : un graph avec l’intensité des recherches sur Google pour chaque candidat</a:t>
+            </a:r>
+          </a:p>
+          <a:p>
+            <a:pPr algn="ctr"/>
+            <a:endParaRPr lang="fr-FR" sz="1200" dirty="0"/>
+          </a:p>
+          <a:p>
+            <a:pPr algn="ctr"/>
+            <a:endParaRPr lang="fr-FR" sz="1200" dirty="0"/>
+          </a:p>
+          <a:p>
+            <a:pPr algn="ctr"/>
+            <a:r>
+              <a:rPr lang="fr-FR" sz="1200" dirty="0"/>
+              <a:t>En bas : les sujets/recherches Google associés à la présidentielle </a:t>
+            </a:r>
+          </a:p>
+        </p:txBody>
+      </p:sp>
+      <p:sp>
+        <p:nvSpPr>
+          <p:cNvPr id="15" name="Rectangle 14"/>
+          <p:cNvSpPr/>
+          <p:nvPr/>
+        </p:nvSpPr>
+        <p:spPr>
+          <a:xfrm>
+            <a:off x="335280" y="7412772"/>
+            <a:ext cx="6114238" cy="2493228"/>
+          </a:xfrm>
+          <a:prstGeom prst="rect">
+            <a:avLst/>
+          </a:prstGeom>
+          <a:solidFill>
+            <a:schemeClr val="bg1">
+              <a:lumMod val="50000"/>
+            </a:schemeClr>
+          </a:solidFill>
+          <a:ln/>
+        </p:spPr>
+        <p:style>
+          <a:lnRef idx="2">
+            <a:schemeClr val="accent2">
+              <a:shade val="50000"/>
+            </a:schemeClr>
+          </a:lnRef>
+          <a:fillRef idx="1">
+            <a:schemeClr val="accent2"/>
+          </a:fillRef>
+          <a:effectRef idx="0">
+            <a:schemeClr val="accent2"/>
+          </a:effectRef>
+          <a:fontRef idx="minor">
+            <a:schemeClr val="lt1"/>
+          </a:fontRef>
+        </p:style>
+        <p:txBody>
+          <a:bodyPr rtlCol="0" anchor="t"/>
+          <a:lstStyle/>
+          <a:p>
+            <a:pPr algn="ctr"/>
+            <a:r>
+              <a:rPr lang="fr-FR" sz="1200" b="1" dirty="0"/>
+              <a:t>Une cartographie « live »</a:t>
+            </a:r>
+          </a:p>
+          <a:p>
+            <a:pPr algn="ctr"/>
+            <a:r>
+              <a:rPr lang="fr-FR" sz="1200" dirty="0"/>
+              <a:t>Données utilisées à définir</a:t>
+            </a:r>
+          </a:p>
+        </p:txBody>
+      </p:sp>
+      <p:pic>
+        <p:nvPicPr>
+          <p:cNvPr id="16" name="Image 15"/>
+          <p:cNvPicPr>
+            <a:picLocks noChangeAspect="1"/>
+          </p:cNvPicPr>
+          <p:nvPr/>
+        </p:nvPicPr>
+        <p:blipFill>
+          <a:blip r:embed="rId7"/>
+          <a:stretch>
+            <a:fillRect/>
+          </a:stretch>
+        </p:blipFill>
+        <p:spPr>
+          <a:xfrm>
+            <a:off x="1360203" y="7960385"/>
+            <a:ext cx="4137593" cy="1945615"/>
+          </a:xfrm>
+          <a:prstGeom prst="rect">
+            <a:avLst/>
+          </a:prstGeom>
+        </p:spPr>
+      </p:pic>
+      <p:pic>
+        <p:nvPicPr>
+          <p:cNvPr id="17" name="Image 16"/>
+          <p:cNvPicPr>
+            <a:picLocks noChangeAspect="1"/>
+          </p:cNvPicPr>
+          <p:nvPr/>
+        </p:nvPicPr>
+        <p:blipFill rotWithShape="1">
+          <a:blip r:embed="rId8"/>
+          <a:srcRect l="22772" t="27663" r="1973" b="4299"/>
+          <a:stretch/>
+        </p:blipFill>
+        <p:spPr>
+          <a:xfrm>
+            <a:off x="3445912" y="5656758"/>
+            <a:ext cx="2878688" cy="813425"/>
+          </a:xfrm>
+          <a:prstGeom prst="rect">
+            <a:avLst/>
+          </a:prstGeom>
+        </p:spPr>
+      </p:pic>
+      <p:pic>
+        <p:nvPicPr>
+          <p:cNvPr id="20" name="Image 19"/>
+          <p:cNvPicPr>
+            <a:picLocks noChangeAspect="1"/>
+          </p:cNvPicPr>
+          <p:nvPr/>
+        </p:nvPicPr>
+        <p:blipFill rotWithShape="1">
+          <a:blip r:embed="rId9"/>
+          <a:srcRect t="51758" b="-2"/>
+          <a:stretch/>
+        </p:blipFill>
+        <p:spPr>
+          <a:xfrm>
+            <a:off x="432235" y="3995814"/>
+            <a:ext cx="2542515" cy="581087"/>
+          </a:xfrm>
+          <a:prstGeom prst="rect">
+            <a:avLst/>
+          </a:prstGeom>
+        </p:spPr>
+      </p:pic>
+      <p:pic>
+        <p:nvPicPr>
+          <p:cNvPr id="21" name="Image 20"/>
+          <p:cNvPicPr>
+            <a:picLocks noChangeAspect="1"/>
+          </p:cNvPicPr>
+          <p:nvPr/>
+        </p:nvPicPr>
+        <p:blipFill rotWithShape="1">
+          <a:blip r:embed="rId9"/>
+          <a:srcRect b="50620"/>
+          <a:stretch/>
+        </p:blipFill>
+        <p:spPr>
+          <a:xfrm>
+            <a:off x="432236" y="3412551"/>
+            <a:ext cx="2542515" cy="594799"/>
+          </a:xfrm>
+          <a:prstGeom prst="rect">
+            <a:avLst/>
+          </a:prstGeom>
+        </p:spPr>
+      </p:pic>
+      <p:sp>
+        <p:nvSpPr>
+          <p:cNvPr id="25" name="ZoneTexte 24"/>
+          <p:cNvSpPr txBox="1"/>
+          <p:nvPr/>
+        </p:nvSpPr>
+        <p:spPr>
+          <a:xfrm>
+            <a:off x="2974750" y="3322040"/>
+            <a:ext cx="1945592" cy="738664"/>
+          </a:xfrm>
+          <a:prstGeom prst="rect">
+            <a:avLst/>
+          </a:prstGeom>
+          <a:noFill/>
+        </p:spPr>
+        <p:txBody>
+          <a:bodyPr wrap="square" rtlCol="0">
+            <a:spAutoFit/>
+          </a:bodyPr>
+          <a:lstStyle/>
+          <a:p>
+            <a:pPr marL="285750" indent="-285750">
+              <a:buFont typeface="Arial" panose="020B0604020202020204" pitchFamily="34" charset="0"/>
+              <a:buChar char="•"/>
+            </a:pPr>
+            <a:r>
+              <a:rPr lang="fr-FR" sz="1400" dirty="0">
+                <a:solidFill>
+                  <a:schemeClr val="bg1"/>
+                </a:solidFill>
+              </a:rPr>
+              <a:t>Nom du candidat</a:t>
+            </a:r>
+          </a:p>
+          <a:p>
+            <a:pPr marL="285750" indent="-285750">
+              <a:buFont typeface="Arial" panose="020B0604020202020204" pitchFamily="34" charset="0"/>
+              <a:buChar char="•"/>
+            </a:pPr>
+            <a:r>
+              <a:rPr lang="fr-FR" sz="1400" dirty="0">
+                <a:solidFill>
+                  <a:schemeClr val="bg1"/>
+                </a:solidFill>
+              </a:rPr>
+              <a:t>Parti</a:t>
+            </a:r>
+          </a:p>
+          <a:p>
+            <a:pPr marL="285750" indent="-285750">
+              <a:buFont typeface="Arial" panose="020B0604020202020204" pitchFamily="34" charset="0"/>
+              <a:buChar char="•"/>
+            </a:pPr>
+            <a:r>
+              <a:rPr lang="fr-FR" sz="1400" dirty="0">
+                <a:solidFill>
+                  <a:schemeClr val="bg1"/>
+                </a:solidFill>
+              </a:rPr>
+              <a:t>Courte biographie</a:t>
+            </a:r>
+          </a:p>
+        </p:txBody>
+      </p:sp>
+      <p:graphicFrame>
+        <p:nvGraphicFramePr>
+          <p:cNvPr id="26" name="Diagramme 25"/>
+          <p:cNvGraphicFramePr/>
+          <p:nvPr>
+            <p:extLst>
+              <p:ext uri="{D42A27DB-BD31-4B8C-83A1-F6EECF244321}">
+                <p14:modId xmlns:p14="http://schemas.microsoft.com/office/powerpoint/2010/main" val="3710614386"/>
+              </p:ext>
+            </p:extLst>
+          </p:nvPr>
+        </p:nvGraphicFramePr>
+        <p:xfrm>
+          <a:off x="4498756" y="2583863"/>
+          <a:ext cx="2359244" cy="2531850"/>
+        </p:xfrm>
+        <a:graphic>
+          <a:graphicData uri="http://schemas.openxmlformats.org/drawingml/2006/diagram">
+            <dgm:relIds xmlns:dgm="http://schemas.openxmlformats.org/drawingml/2006/diagram" xmlns:r="http://schemas.openxmlformats.org/officeDocument/2006/relationships" r:dm="rId10" r:lo="rId11" r:qs="rId12" r:cs="rId13"/>
+          </a:graphicData>
+        </a:graphic>
+      </p:graphicFrame>
+      <p:sp>
+        <p:nvSpPr>
+          <p:cNvPr id="28" name="Rectangle 27"/>
+          <p:cNvSpPr/>
+          <p:nvPr/>
+        </p:nvSpPr>
+        <p:spPr>
+          <a:xfrm rot="1243065">
+            <a:off x="5200058" y="260529"/>
+            <a:ext cx="2170402" cy="1323439"/>
+          </a:xfrm>
+          <a:prstGeom prst="rect">
+            <a:avLst/>
+          </a:prstGeom>
+          <a:noFill/>
+        </p:spPr>
+        <p:txBody>
+          <a:bodyPr wrap="none" lIns="91440" tIns="45720" rIns="91440" bIns="45720">
+            <a:spAutoFit/>
+          </a:bodyPr>
+          <a:lstStyle/>
+          <a:p>
+            <a:pPr algn="ctr"/>
+            <a:r>
+              <a:rPr lang="fr-FR" sz="4000" b="1" cap="none" spc="0" dirty="0">
+                <a:ln w="22225">
+                  <a:solidFill>
+                    <a:schemeClr val="accent2"/>
+                  </a:solidFill>
+                  <a:prstDash val="solid"/>
+                </a:ln>
+                <a:solidFill>
+                  <a:schemeClr val="accent2">
+                    <a:lumMod val="40000"/>
+                    <a:lumOff val="60000"/>
+                  </a:schemeClr>
+                </a:solidFill>
+                <a:effectLst/>
+              </a:rPr>
+              <a:t>Version </a:t>
+            </a:r>
+          </a:p>
+          <a:p>
+            <a:pPr algn="ctr"/>
+            <a:r>
+              <a:rPr lang="fr-FR" sz="4000" b="1" cap="none" spc="0" dirty="0">
+                <a:ln w="22225">
+                  <a:solidFill>
+                    <a:schemeClr val="accent2"/>
+                  </a:solidFill>
+                  <a:prstDash val="solid"/>
+                </a:ln>
+                <a:solidFill>
+                  <a:schemeClr val="accent2">
+                    <a:lumMod val="40000"/>
+                    <a:lumOff val="60000"/>
+                  </a:schemeClr>
+                </a:solidFill>
+                <a:effectLst/>
+              </a:rPr>
+              <a:t>de travail</a:t>
+            </a:r>
+          </a:p>
+        </p:txBody>
+      </p:sp>
     </p:spTree>
     <p:extLst>
       <p:ext uri="{BB962C8B-B14F-4D97-AF65-F5344CB8AC3E}">
-        <p14:creationId xmlns:p14="http://schemas.microsoft.com/office/powerpoint/2010/main" val="1614506484"/>
+        <p14:creationId xmlns:p14="http://schemas.microsoft.com/office/powerpoint/2010/main" val="1020959322"/>
+      </p:ext>
+    </p:extLst>
+  </p:cSld>
+  <p:clrMapOvr>
+    <a:masterClrMapping/>
+  </p:clrMapOvr>
+</p:sld>
+</file>
+
+<file path=ppt/slides/slide3.xml><?xml version="1.0" encoding="utf-8"?>
+<p:sld xmlns:a="http://schemas.openxmlformats.org/drawingml/2006/main" xmlns:r="http://schemas.openxmlformats.org/officeDocument/2006/relationships" xmlns:p="http://schemas.openxmlformats.org/presentationml/2006/main">
+  <p:cSld>
+    <p:spTree>
+      <p:nvGrpSpPr>
+        <p:cNvPr id="1" name=""/>
+        <p:cNvGrpSpPr/>
+        <p:nvPr/>
+      </p:nvGrpSpPr>
+      <p:grpSpPr>
+        <a:xfrm>
+          <a:off x="0" y="0"/>
+          <a:ext cx="0" cy="0"/>
+          <a:chOff x="0" y="0"/>
+          <a:chExt cx="0" cy="0"/>
+        </a:xfrm>
+      </p:grpSpPr>
+      <p:pic>
+        <p:nvPicPr>
+          <p:cNvPr id="4" name="Image 3"/>
+          <p:cNvPicPr>
+            <a:picLocks noChangeAspect="1"/>
+          </p:cNvPicPr>
+          <p:nvPr/>
+        </p:nvPicPr>
+        <p:blipFill>
+          <a:blip r:embed="rId3"/>
+          <a:stretch>
+            <a:fillRect/>
+          </a:stretch>
+        </p:blipFill>
+        <p:spPr>
+          <a:xfrm>
+            <a:off x="0" y="0"/>
+            <a:ext cx="6858000" cy="842211"/>
+          </a:xfrm>
+          <a:prstGeom prst="rect">
+            <a:avLst/>
+          </a:prstGeom>
+        </p:spPr>
+      </p:pic>
+      <p:sp>
+        <p:nvSpPr>
+          <p:cNvPr id="5" name="Rectangle 4"/>
+          <p:cNvSpPr/>
+          <p:nvPr/>
+        </p:nvSpPr>
+        <p:spPr>
+          <a:xfrm>
+            <a:off x="182880" y="991666"/>
+            <a:ext cx="6477000" cy="325651"/>
+          </a:xfrm>
+          <a:prstGeom prst="rect">
+            <a:avLst/>
+          </a:prstGeom>
+          <a:solidFill>
+            <a:schemeClr val="bg1">
+              <a:lumMod val="85000"/>
+            </a:schemeClr>
+          </a:solidFill>
+        </p:spPr>
+        <p:style>
+          <a:lnRef idx="1">
+            <a:schemeClr val="accent3"/>
+          </a:lnRef>
+          <a:fillRef idx="2">
+            <a:schemeClr val="accent3"/>
+          </a:fillRef>
+          <a:effectRef idx="1">
+            <a:schemeClr val="accent3"/>
+          </a:effectRef>
+          <a:fontRef idx="minor">
+            <a:schemeClr val="dk1"/>
+          </a:fontRef>
+        </p:style>
+        <p:txBody>
+          <a:bodyPr rtlCol="0" anchor="ctr"/>
+          <a:lstStyle/>
+          <a:p>
+            <a:pPr algn="ctr"/>
+            <a:r>
+              <a:rPr lang="fr-FR" dirty="0">
+                <a:hlinkClick r:id="rId4" action="ppaction://hlinksldjump"/>
+              </a:rPr>
+              <a:t>Portail</a:t>
+            </a:r>
+            <a:r>
+              <a:rPr lang="fr-FR" dirty="0"/>
+              <a:t> 		</a:t>
+            </a:r>
+            <a:r>
+              <a:rPr lang="fr-FR" dirty="0">
+                <a:hlinkClick r:id="rId5" action="ppaction://hlinksldjump"/>
+              </a:rPr>
+              <a:t>Tableau de bord </a:t>
+            </a:r>
+            <a:r>
+              <a:rPr lang="fr-FR" dirty="0"/>
+              <a:t>		</a:t>
+            </a:r>
+            <a:r>
+              <a:rPr lang="fr-FR" b="1" dirty="0"/>
+              <a:t>Analyses</a:t>
+            </a:r>
+            <a:r>
+              <a:rPr lang="fr-FR" dirty="0"/>
+              <a:t>		 </a:t>
+            </a:r>
+            <a:r>
+              <a:rPr lang="fr-FR" dirty="0">
+                <a:hlinkClick r:id="rId6" action="ppaction://hlinksldjump"/>
+              </a:rPr>
+              <a:t>Articles</a:t>
+            </a:r>
+            <a:endParaRPr lang="fr-FR" dirty="0"/>
+          </a:p>
+        </p:txBody>
+      </p:sp>
+      <p:sp>
+        <p:nvSpPr>
+          <p:cNvPr id="6" name="Rectangle 5"/>
+          <p:cNvSpPr/>
+          <p:nvPr/>
+        </p:nvSpPr>
+        <p:spPr>
+          <a:xfrm>
+            <a:off x="182880" y="1621482"/>
+            <a:ext cx="6477000" cy="3233546"/>
+          </a:xfrm>
+          <a:prstGeom prst="rect">
+            <a:avLst/>
+          </a:prstGeom>
+          <a:ln/>
+        </p:spPr>
+        <p:style>
+          <a:lnRef idx="1">
+            <a:schemeClr val="accent3"/>
+          </a:lnRef>
+          <a:fillRef idx="2">
+            <a:schemeClr val="accent3"/>
+          </a:fillRef>
+          <a:effectRef idx="1">
+            <a:schemeClr val="accent3"/>
+          </a:effectRef>
+          <a:fontRef idx="minor">
+            <a:schemeClr val="dk1"/>
+          </a:fontRef>
+        </p:style>
+        <p:txBody>
+          <a:bodyPr rtlCol="0" anchor="t"/>
+          <a:lstStyle/>
+          <a:p>
+            <a:pPr algn="ctr"/>
+            <a:r>
+              <a:rPr lang="fr-FR" b="1" dirty="0"/>
+              <a:t>Analyse #1</a:t>
+            </a:r>
+          </a:p>
+          <a:p>
+            <a:pPr algn="ctr"/>
+            <a:endParaRPr lang="fr-FR" b="1" dirty="0"/>
+          </a:p>
+          <a:p>
+            <a:pPr algn="ctr"/>
+            <a:endParaRPr lang="fr-FR" b="1" dirty="0"/>
+          </a:p>
+          <a:p>
+            <a:pPr algn="ctr"/>
+            <a:endParaRPr lang="fr-FR" b="1" dirty="0"/>
+          </a:p>
+          <a:p>
+            <a:pPr algn="ctr"/>
+            <a:endParaRPr lang="fr-FR" b="1" dirty="0"/>
+          </a:p>
+        </p:txBody>
+      </p:sp>
+      <p:sp>
+        <p:nvSpPr>
+          <p:cNvPr id="7" name="Rectangle 6"/>
+          <p:cNvSpPr/>
+          <p:nvPr/>
+        </p:nvSpPr>
+        <p:spPr>
+          <a:xfrm>
+            <a:off x="178797" y="4998710"/>
+            <a:ext cx="6481081" cy="3287971"/>
+          </a:xfrm>
+          <a:prstGeom prst="rect">
+            <a:avLst/>
+          </a:prstGeom>
+          <a:ln/>
+        </p:spPr>
+        <p:style>
+          <a:lnRef idx="1">
+            <a:schemeClr val="accent3"/>
+          </a:lnRef>
+          <a:fillRef idx="2">
+            <a:schemeClr val="accent3"/>
+          </a:fillRef>
+          <a:effectRef idx="1">
+            <a:schemeClr val="accent3"/>
+          </a:effectRef>
+          <a:fontRef idx="minor">
+            <a:schemeClr val="dk1"/>
+          </a:fontRef>
+        </p:style>
+        <p:txBody>
+          <a:bodyPr rtlCol="0" anchor="t"/>
+          <a:lstStyle/>
+          <a:p>
+            <a:pPr algn="ctr"/>
+            <a:r>
+              <a:rPr lang="fr-FR" b="1" dirty="0"/>
+              <a:t>Analyse #2</a:t>
+            </a:r>
+          </a:p>
+        </p:txBody>
+      </p:sp>
+      <p:pic>
+        <p:nvPicPr>
+          <p:cNvPr id="11" name="Image 10"/>
+          <p:cNvPicPr>
+            <a:picLocks noChangeAspect="1"/>
+          </p:cNvPicPr>
+          <p:nvPr/>
+        </p:nvPicPr>
+        <p:blipFill rotWithShape="1">
+          <a:blip r:embed="rId7"/>
+          <a:srcRect r="67251" b="53856"/>
+          <a:stretch/>
+        </p:blipFill>
+        <p:spPr>
+          <a:xfrm>
+            <a:off x="1796234" y="1981544"/>
+            <a:ext cx="3246209" cy="1877832"/>
+          </a:xfrm>
+          <a:prstGeom prst="rect">
+            <a:avLst/>
+          </a:prstGeom>
+        </p:spPr>
+      </p:pic>
+      <p:sp>
+        <p:nvSpPr>
+          <p:cNvPr id="12" name="Rectangle 11"/>
+          <p:cNvSpPr/>
+          <p:nvPr/>
+        </p:nvSpPr>
+        <p:spPr>
+          <a:xfrm>
+            <a:off x="178797" y="8430363"/>
+            <a:ext cx="6481081" cy="1475637"/>
+          </a:xfrm>
+          <a:prstGeom prst="rect">
+            <a:avLst/>
+          </a:prstGeom>
+          <a:ln/>
+        </p:spPr>
+        <p:style>
+          <a:lnRef idx="1">
+            <a:schemeClr val="accent3"/>
+          </a:lnRef>
+          <a:fillRef idx="2">
+            <a:schemeClr val="accent3"/>
+          </a:fillRef>
+          <a:effectRef idx="1">
+            <a:schemeClr val="accent3"/>
+          </a:effectRef>
+          <a:fontRef idx="minor">
+            <a:schemeClr val="dk1"/>
+          </a:fontRef>
+        </p:style>
+        <p:txBody>
+          <a:bodyPr rtlCol="0" anchor="t"/>
+          <a:lstStyle/>
+          <a:p>
+            <a:pPr algn="ctr"/>
+            <a:r>
+              <a:rPr lang="fr-FR" b="1" dirty="0"/>
+              <a:t>Analyse #3</a:t>
+            </a:r>
+          </a:p>
+        </p:txBody>
+      </p:sp>
+      <p:sp>
+        <p:nvSpPr>
+          <p:cNvPr id="13" name="ZoneTexte 12"/>
+          <p:cNvSpPr txBox="1"/>
+          <p:nvPr/>
+        </p:nvSpPr>
+        <p:spPr>
+          <a:xfrm>
+            <a:off x="178797" y="4163541"/>
+            <a:ext cx="6481080" cy="584775"/>
+          </a:xfrm>
+          <a:prstGeom prst="rect">
+            <a:avLst/>
+          </a:prstGeom>
+          <a:noFill/>
+        </p:spPr>
+        <p:txBody>
+          <a:bodyPr wrap="square" rtlCol="0">
+            <a:spAutoFit/>
+          </a:bodyPr>
+          <a:lstStyle/>
+          <a:p>
+            <a:r>
+              <a:rPr lang="fr-FR" sz="1600" dirty="0"/>
+              <a:t>Description de l’analyse, commentaires sur les résultats, </a:t>
+            </a:r>
+            <a:r>
+              <a:rPr lang="fr-FR" sz="1600" dirty="0" err="1"/>
+              <a:t>dataviz</a:t>
+            </a:r>
+            <a:r>
+              <a:rPr lang="fr-FR" sz="1600" dirty="0"/>
+              <a:t> responsive au dessus. Explication de la </a:t>
+            </a:r>
+            <a:r>
+              <a:rPr lang="fr-FR" sz="1600" dirty="0" err="1"/>
+              <a:t>méthodo</a:t>
+            </a:r>
+            <a:r>
+              <a:rPr lang="fr-FR" sz="1600" dirty="0"/>
+              <a:t>, etc…</a:t>
+            </a:r>
+          </a:p>
+        </p:txBody>
+      </p:sp>
+      <p:sp>
+        <p:nvSpPr>
+          <p:cNvPr id="14" name="ZoneTexte 13"/>
+          <p:cNvSpPr txBox="1"/>
+          <p:nvPr/>
+        </p:nvSpPr>
+        <p:spPr>
+          <a:xfrm>
+            <a:off x="178797" y="7591583"/>
+            <a:ext cx="6481080" cy="584775"/>
+          </a:xfrm>
+          <a:prstGeom prst="rect">
+            <a:avLst/>
+          </a:prstGeom>
+          <a:noFill/>
+        </p:spPr>
+        <p:txBody>
+          <a:bodyPr wrap="square" rtlCol="0">
+            <a:spAutoFit/>
+          </a:bodyPr>
+          <a:lstStyle/>
+          <a:p>
+            <a:r>
+              <a:rPr lang="fr-FR" sz="1600" dirty="0"/>
+              <a:t>Description de l’analyse, commentaires sur les résultats, </a:t>
+            </a:r>
+            <a:r>
+              <a:rPr lang="fr-FR" sz="1600" dirty="0" err="1"/>
+              <a:t>dataviz</a:t>
+            </a:r>
+            <a:r>
+              <a:rPr lang="fr-FR" sz="1600" dirty="0"/>
+              <a:t> responsive au dessus. Explication de la </a:t>
+            </a:r>
+            <a:r>
+              <a:rPr lang="fr-FR" sz="1600" dirty="0" err="1"/>
+              <a:t>méthodo</a:t>
+            </a:r>
+            <a:r>
+              <a:rPr lang="fr-FR" sz="1600" dirty="0"/>
+              <a:t>, etc…</a:t>
+            </a:r>
+          </a:p>
+        </p:txBody>
+      </p:sp>
+      <p:sp>
+        <p:nvSpPr>
+          <p:cNvPr id="16" name="Rectangle 15"/>
+          <p:cNvSpPr/>
+          <p:nvPr/>
+        </p:nvSpPr>
+        <p:spPr>
+          <a:xfrm rot="1243065">
+            <a:off x="5200058" y="260529"/>
+            <a:ext cx="2170402" cy="1323439"/>
+          </a:xfrm>
+          <a:prstGeom prst="rect">
+            <a:avLst/>
+          </a:prstGeom>
+          <a:noFill/>
+        </p:spPr>
+        <p:txBody>
+          <a:bodyPr wrap="none" lIns="91440" tIns="45720" rIns="91440" bIns="45720">
+            <a:spAutoFit/>
+          </a:bodyPr>
+          <a:lstStyle/>
+          <a:p>
+            <a:pPr algn="ctr"/>
+            <a:r>
+              <a:rPr lang="fr-FR" sz="4000" b="1" cap="none" spc="0" dirty="0">
+                <a:ln w="22225">
+                  <a:solidFill>
+                    <a:schemeClr val="accent2"/>
+                  </a:solidFill>
+                  <a:prstDash val="solid"/>
+                </a:ln>
+                <a:solidFill>
+                  <a:schemeClr val="accent2">
+                    <a:lumMod val="40000"/>
+                    <a:lumOff val="60000"/>
+                  </a:schemeClr>
+                </a:solidFill>
+                <a:effectLst/>
+              </a:rPr>
+              <a:t>Version </a:t>
+            </a:r>
+          </a:p>
+          <a:p>
+            <a:pPr algn="ctr"/>
+            <a:r>
+              <a:rPr lang="fr-FR" sz="4000" b="1" cap="none" spc="0" dirty="0">
+                <a:ln w="22225">
+                  <a:solidFill>
+                    <a:schemeClr val="accent2"/>
+                  </a:solidFill>
+                  <a:prstDash val="solid"/>
+                </a:ln>
+                <a:solidFill>
+                  <a:schemeClr val="accent2">
+                    <a:lumMod val="40000"/>
+                    <a:lumOff val="60000"/>
+                  </a:schemeClr>
+                </a:solidFill>
+                <a:effectLst/>
+              </a:rPr>
+              <a:t>de travail</a:t>
+            </a:r>
+          </a:p>
+        </p:txBody>
+      </p:sp>
+    </p:spTree>
+    <p:extLst>
+      <p:ext uri="{BB962C8B-B14F-4D97-AF65-F5344CB8AC3E}">
+        <p14:creationId xmlns:p14="http://schemas.microsoft.com/office/powerpoint/2010/main" val="17067265"/>
+      </p:ext>
+    </p:extLst>
+  </p:cSld>
+  <p:clrMapOvr>
+    <a:masterClrMapping/>
+  </p:clrMapOvr>
+</p:sld>
+</file>
+
+<file path=ppt/slides/slide4.xml><?xml version="1.0" encoding="utf-8"?>
+<p:sld xmlns:a="http://schemas.openxmlformats.org/drawingml/2006/main" xmlns:r="http://schemas.openxmlformats.org/officeDocument/2006/relationships" xmlns:p="http://schemas.openxmlformats.org/presentationml/2006/main">
+  <p:cSld>
+    <p:spTree>
+      <p:nvGrpSpPr>
+        <p:cNvPr id="1" name=""/>
+        <p:cNvGrpSpPr/>
+        <p:nvPr/>
+      </p:nvGrpSpPr>
+      <p:grpSpPr>
+        <a:xfrm>
+          <a:off x="0" y="0"/>
+          <a:ext cx="0" cy="0"/>
+          <a:chOff x="0" y="0"/>
+          <a:chExt cx="0" cy="0"/>
+        </a:xfrm>
+      </p:grpSpPr>
+      <p:pic>
+        <p:nvPicPr>
+          <p:cNvPr id="4" name="Image 3"/>
+          <p:cNvPicPr>
+            <a:picLocks noChangeAspect="1"/>
+          </p:cNvPicPr>
+          <p:nvPr/>
+        </p:nvPicPr>
+        <p:blipFill>
+          <a:blip r:embed="rId3"/>
+          <a:stretch>
+            <a:fillRect/>
+          </a:stretch>
+        </p:blipFill>
+        <p:spPr>
+          <a:xfrm>
+            <a:off x="0" y="0"/>
+            <a:ext cx="6858000" cy="842211"/>
+          </a:xfrm>
+          <a:prstGeom prst="rect">
+            <a:avLst/>
+          </a:prstGeom>
+        </p:spPr>
+      </p:pic>
+      <p:sp>
+        <p:nvSpPr>
+          <p:cNvPr id="5" name="Rectangle 4"/>
+          <p:cNvSpPr/>
+          <p:nvPr/>
+        </p:nvSpPr>
+        <p:spPr>
+          <a:xfrm>
+            <a:off x="182880" y="991666"/>
+            <a:ext cx="6477000" cy="325651"/>
+          </a:xfrm>
+          <a:prstGeom prst="rect">
+            <a:avLst/>
+          </a:prstGeom>
+          <a:solidFill>
+            <a:schemeClr val="bg1">
+              <a:lumMod val="85000"/>
+            </a:schemeClr>
+          </a:solidFill>
+        </p:spPr>
+        <p:style>
+          <a:lnRef idx="1">
+            <a:schemeClr val="accent3"/>
+          </a:lnRef>
+          <a:fillRef idx="2">
+            <a:schemeClr val="accent3"/>
+          </a:fillRef>
+          <a:effectRef idx="1">
+            <a:schemeClr val="accent3"/>
+          </a:effectRef>
+          <a:fontRef idx="minor">
+            <a:schemeClr val="dk1"/>
+          </a:fontRef>
+        </p:style>
+        <p:txBody>
+          <a:bodyPr rtlCol="0" anchor="ctr"/>
+          <a:lstStyle/>
+          <a:p>
+            <a:pPr algn="ctr"/>
+            <a:r>
+              <a:rPr lang="fr-FR" dirty="0">
+                <a:hlinkClick r:id="rId4" action="ppaction://hlinksldjump"/>
+              </a:rPr>
+              <a:t>Portail</a:t>
+            </a:r>
+            <a:r>
+              <a:rPr lang="fr-FR" dirty="0"/>
+              <a:t> 		</a:t>
+            </a:r>
+            <a:r>
+              <a:rPr lang="fr-FR" dirty="0">
+                <a:hlinkClick r:id="rId5" action="ppaction://hlinksldjump"/>
+              </a:rPr>
+              <a:t>Tableau de bord </a:t>
+            </a:r>
+            <a:r>
+              <a:rPr lang="fr-FR" dirty="0"/>
+              <a:t>		</a:t>
+            </a:r>
+            <a:r>
+              <a:rPr lang="fr-FR" dirty="0">
+                <a:hlinkClick r:id="rId6" action="ppaction://hlinksldjump"/>
+              </a:rPr>
+              <a:t>Analyses</a:t>
+            </a:r>
+            <a:r>
+              <a:rPr lang="fr-FR" dirty="0"/>
+              <a:t>		 </a:t>
+            </a:r>
+            <a:r>
+              <a:rPr lang="fr-FR" b="1" dirty="0"/>
+              <a:t>Articles</a:t>
+            </a:r>
+          </a:p>
+        </p:txBody>
+      </p:sp>
+      <p:sp>
+        <p:nvSpPr>
+          <p:cNvPr id="6" name="Rectangle 5"/>
+          <p:cNvSpPr/>
+          <p:nvPr/>
+        </p:nvSpPr>
+        <p:spPr>
+          <a:xfrm>
+            <a:off x="182880" y="1621482"/>
+            <a:ext cx="6477000" cy="3233546"/>
+          </a:xfrm>
+          <a:prstGeom prst="rect">
+            <a:avLst/>
+          </a:prstGeom>
+          <a:ln/>
+        </p:spPr>
+        <p:style>
+          <a:lnRef idx="1">
+            <a:schemeClr val="accent3"/>
+          </a:lnRef>
+          <a:fillRef idx="2">
+            <a:schemeClr val="accent3"/>
+          </a:fillRef>
+          <a:effectRef idx="1">
+            <a:schemeClr val="accent3"/>
+          </a:effectRef>
+          <a:fontRef idx="minor">
+            <a:schemeClr val="dk1"/>
+          </a:fontRef>
+        </p:style>
+        <p:txBody>
+          <a:bodyPr rtlCol="0" anchor="t"/>
+          <a:lstStyle/>
+          <a:p>
+            <a:pPr algn="ctr"/>
+            <a:r>
+              <a:rPr lang="fr-FR" b="1" dirty="0"/>
+              <a:t>Article #1</a:t>
+            </a:r>
+          </a:p>
+          <a:p>
+            <a:pPr algn="ctr"/>
+            <a:endParaRPr lang="fr-FR" b="1" dirty="0"/>
+          </a:p>
+          <a:p>
+            <a:pPr algn="ctr"/>
+            <a:endParaRPr lang="fr-FR" b="1" dirty="0"/>
+          </a:p>
+          <a:p>
+            <a:pPr algn="ctr"/>
+            <a:endParaRPr lang="fr-FR" b="1" dirty="0"/>
+          </a:p>
+          <a:p>
+            <a:pPr algn="ctr"/>
+            <a:endParaRPr lang="fr-FR" b="1" dirty="0"/>
+          </a:p>
+        </p:txBody>
+      </p:sp>
+      <p:sp>
+        <p:nvSpPr>
+          <p:cNvPr id="7" name="Rectangle 6"/>
+          <p:cNvSpPr/>
+          <p:nvPr/>
+        </p:nvSpPr>
+        <p:spPr>
+          <a:xfrm>
+            <a:off x="178797" y="4998710"/>
+            <a:ext cx="6481081" cy="3287971"/>
+          </a:xfrm>
+          <a:prstGeom prst="rect">
+            <a:avLst/>
+          </a:prstGeom>
+          <a:ln/>
+        </p:spPr>
+        <p:style>
+          <a:lnRef idx="1">
+            <a:schemeClr val="accent3"/>
+          </a:lnRef>
+          <a:fillRef idx="2">
+            <a:schemeClr val="accent3"/>
+          </a:fillRef>
+          <a:effectRef idx="1">
+            <a:schemeClr val="accent3"/>
+          </a:effectRef>
+          <a:fontRef idx="minor">
+            <a:schemeClr val="dk1"/>
+          </a:fontRef>
+        </p:style>
+        <p:txBody>
+          <a:bodyPr rtlCol="0" anchor="t"/>
+          <a:lstStyle/>
+          <a:p>
+            <a:pPr algn="ctr"/>
+            <a:r>
+              <a:rPr lang="fr-FR" b="1" dirty="0"/>
+              <a:t>Article #2</a:t>
+            </a:r>
+          </a:p>
+        </p:txBody>
+      </p:sp>
+      <p:sp>
+        <p:nvSpPr>
+          <p:cNvPr id="12" name="Rectangle 11"/>
+          <p:cNvSpPr/>
+          <p:nvPr/>
+        </p:nvSpPr>
+        <p:spPr>
+          <a:xfrm>
+            <a:off x="178797" y="8430363"/>
+            <a:ext cx="6481081" cy="1475637"/>
+          </a:xfrm>
+          <a:prstGeom prst="rect">
+            <a:avLst/>
+          </a:prstGeom>
+          <a:ln/>
+        </p:spPr>
+        <p:style>
+          <a:lnRef idx="1">
+            <a:schemeClr val="accent3"/>
+          </a:lnRef>
+          <a:fillRef idx="2">
+            <a:schemeClr val="accent3"/>
+          </a:fillRef>
+          <a:effectRef idx="1">
+            <a:schemeClr val="accent3"/>
+          </a:effectRef>
+          <a:fontRef idx="minor">
+            <a:schemeClr val="dk1"/>
+          </a:fontRef>
+        </p:style>
+        <p:txBody>
+          <a:bodyPr rtlCol="0" anchor="t"/>
+          <a:lstStyle/>
+          <a:p>
+            <a:pPr algn="ctr"/>
+            <a:r>
+              <a:rPr lang="fr-FR" b="1" dirty="0"/>
+              <a:t>Article #3</a:t>
+            </a:r>
+          </a:p>
+        </p:txBody>
+      </p:sp>
+      <p:sp>
+        <p:nvSpPr>
+          <p:cNvPr id="13" name="ZoneTexte 12"/>
+          <p:cNvSpPr txBox="1"/>
+          <p:nvPr/>
+        </p:nvSpPr>
+        <p:spPr>
+          <a:xfrm>
+            <a:off x="178797" y="4163541"/>
+            <a:ext cx="6481080" cy="338554"/>
+          </a:xfrm>
+          <a:prstGeom prst="rect">
+            <a:avLst/>
+          </a:prstGeom>
+          <a:noFill/>
+        </p:spPr>
+        <p:txBody>
+          <a:bodyPr wrap="square" rtlCol="0">
+            <a:spAutoFit/>
+          </a:bodyPr>
+          <a:lstStyle/>
+          <a:p>
+            <a:r>
+              <a:rPr lang="fr-FR" sz="1600" dirty="0" err="1"/>
+              <a:t>Preview</a:t>
+            </a:r>
+            <a:r>
+              <a:rPr lang="fr-FR" sz="1600" dirty="0"/>
+              <a:t> de l’article et lien</a:t>
+            </a:r>
+          </a:p>
+        </p:txBody>
+      </p:sp>
+      <p:sp>
+        <p:nvSpPr>
+          <p:cNvPr id="14" name="ZoneTexte 13"/>
+          <p:cNvSpPr txBox="1"/>
+          <p:nvPr/>
+        </p:nvSpPr>
+        <p:spPr>
+          <a:xfrm>
+            <a:off x="178797" y="7591583"/>
+            <a:ext cx="6481080" cy="338554"/>
+          </a:xfrm>
+          <a:prstGeom prst="rect">
+            <a:avLst/>
+          </a:prstGeom>
+          <a:noFill/>
+        </p:spPr>
+        <p:txBody>
+          <a:bodyPr wrap="square" rtlCol="0">
+            <a:spAutoFit/>
+          </a:bodyPr>
+          <a:lstStyle/>
+          <a:p>
+            <a:r>
+              <a:rPr lang="fr-FR" sz="1600" dirty="0" err="1"/>
+              <a:t>Preview</a:t>
+            </a:r>
+            <a:r>
+              <a:rPr lang="fr-FR" sz="1600" dirty="0"/>
+              <a:t> de l’article et lien</a:t>
+            </a:r>
+          </a:p>
+        </p:txBody>
+      </p:sp>
+      <p:sp>
+        <p:nvSpPr>
+          <p:cNvPr id="10" name="Rectangle 9"/>
+          <p:cNvSpPr/>
+          <p:nvPr/>
+        </p:nvSpPr>
+        <p:spPr>
+          <a:xfrm rot="1243065">
+            <a:off x="5200058" y="260529"/>
+            <a:ext cx="2170402" cy="1323439"/>
+          </a:xfrm>
+          <a:prstGeom prst="rect">
+            <a:avLst/>
+          </a:prstGeom>
+          <a:noFill/>
+        </p:spPr>
+        <p:txBody>
+          <a:bodyPr wrap="none" lIns="91440" tIns="45720" rIns="91440" bIns="45720">
+            <a:spAutoFit/>
+          </a:bodyPr>
+          <a:lstStyle/>
+          <a:p>
+            <a:pPr algn="ctr"/>
+            <a:r>
+              <a:rPr lang="fr-FR" sz="4000" b="1" cap="none" spc="0" dirty="0">
+                <a:ln w="22225">
+                  <a:solidFill>
+                    <a:schemeClr val="accent2"/>
+                  </a:solidFill>
+                  <a:prstDash val="solid"/>
+                </a:ln>
+                <a:solidFill>
+                  <a:schemeClr val="accent2">
+                    <a:lumMod val="40000"/>
+                    <a:lumOff val="60000"/>
+                  </a:schemeClr>
+                </a:solidFill>
+                <a:effectLst/>
+              </a:rPr>
+              <a:t>Version </a:t>
+            </a:r>
+          </a:p>
+          <a:p>
+            <a:pPr algn="ctr"/>
+            <a:r>
+              <a:rPr lang="fr-FR" sz="4000" b="1" cap="none" spc="0" dirty="0">
+                <a:ln w="22225">
+                  <a:solidFill>
+                    <a:schemeClr val="accent2"/>
+                  </a:solidFill>
+                  <a:prstDash val="solid"/>
+                </a:ln>
+                <a:solidFill>
+                  <a:schemeClr val="accent2">
+                    <a:lumMod val="40000"/>
+                    <a:lumOff val="60000"/>
+                  </a:schemeClr>
+                </a:solidFill>
+                <a:effectLst/>
+              </a:rPr>
+              <a:t>de travail</a:t>
+            </a:r>
+          </a:p>
+        </p:txBody>
+      </p:sp>
+    </p:spTree>
+    <p:extLst>
+      <p:ext uri="{BB962C8B-B14F-4D97-AF65-F5344CB8AC3E}">
+        <p14:creationId xmlns:p14="http://schemas.microsoft.com/office/powerpoint/2010/main" val="1637287173"/>
       </p:ext>
     </p:extLst>
   </p:cSld>
@@ -4446,4 +10255,299 @@
     </a:ext>
   </a:extLst>
 </a:theme>
+</file>
+
+<file path=ppt/theme/theme2.xml><?xml version="1.0" encoding="utf-8"?>
+<a:theme xmlns:a="http://schemas.openxmlformats.org/drawingml/2006/main" name="Thème Office">
+  <a:themeElements>
+    <a:clrScheme name="Office">
+      <a:dk1>
+        <a:sysClr val="windowText" lastClr="000000"/>
+      </a:dk1>
+      <a:lt1>
+        <a:sysClr val="window" lastClr="FFFFFF"/>
+      </a:lt1>
+      <a:dk2>
+        <a:srgbClr val="44546A"/>
+      </a:dk2>
+      <a:lt2>
+        <a:srgbClr val="E7E6E6"/>
+      </a:lt2>
+      <a:accent1>
+        <a:srgbClr val="5B9BD5"/>
+      </a:accent1>
+      <a:accent2>
+        <a:srgbClr val="ED7D31"/>
+      </a:accent2>
+      <a:accent3>
+        <a:srgbClr val="A5A5A5"/>
+      </a:accent3>
+      <a:accent4>
+        <a:srgbClr val="FFC000"/>
+      </a:accent4>
+      <a:accent5>
+        <a:srgbClr val="4472C4"/>
+      </a:accent5>
+      <a:accent6>
+        <a:srgbClr val="70AD47"/>
+      </a:accent6>
+      <a:hlink>
+        <a:srgbClr val="0563C1"/>
+      </a:hlink>
+      <a:folHlink>
+        <a:srgbClr val="954F72"/>
+      </a:folHlink>
+    </a:clrScheme>
+    <a:fontScheme name="Office">
+      <a:majorFont>
+        <a:latin typeface="Calibri Light" panose="020F0302020204030204"/>
+        <a:ea typeface=""/>
+        <a:cs typeface=""/>
+        <a:font script="Jpan" typeface="游ゴシック Light"/>
+        <a:font script="Hang" typeface="맑은 고딕"/>
+        <a:font script="Hans" typeface="等线 Light"/>
+        <a:font script="Hant" typeface="新細明體"/>
+        <a:font script="Arab" typeface="Times New Roman"/>
+        <a:font script="Hebr" typeface="Times New Roman"/>
+        <a:font script="Thai" typeface="Angsana New"/>
+        <a:font script="Ethi" typeface="Nyala"/>
+        <a:font script="Beng" typeface="Vrinda"/>
+        <a:font script="Gujr" typeface="Shruti"/>
+        <a:font script="Khmr" typeface="MoolBoran"/>
+        <a:font script="Knda" typeface="Tunga"/>
+        <a:font script="Guru" typeface="Raavi"/>
+        <a:font script="Cans" typeface="Euphemia"/>
+        <a:font script="Cher" typeface="Plantagenet Cherokee"/>
+        <a:font script="Yiii" typeface="Microsoft Yi Baiti"/>
+        <a:font script="Tibt" typeface="Microsoft Himalaya"/>
+        <a:font script="Thaa" typeface="MV Boli"/>
+        <a:font script="Deva" typeface="Mangal"/>
+        <a:font script="Telu" typeface="Gautami"/>
+        <a:font script="Taml" typeface="Latha"/>
+        <a:font script="Syrc" typeface="Estrangelo Edessa"/>
+        <a:font script="Orya" typeface="Kalinga"/>
+        <a:font script="Mlym" typeface="Kartika"/>
+        <a:font script="Laoo" typeface="DokChampa"/>
+        <a:font script="Sinh" typeface="Iskoola Pota"/>
+        <a:font script="Mong" typeface="Mongolian Baiti"/>
+        <a:font script="Viet" typeface="Times New Roman"/>
+        <a:font script="Uigh" typeface="Microsoft Uighur"/>
+        <a:font script="Geor" typeface="Sylfaen"/>
+        <a:font script="Armn" typeface="Arial"/>
+        <a:font script="Bugi" typeface="Leelawadee UI"/>
+        <a:font script="Bopo" typeface="Microsoft JhengHei"/>
+        <a:font script="Java" typeface="Javanese Text"/>
+        <a:font script="Lisu" typeface="Segoe UI"/>
+        <a:font script="Mymr" typeface="Myanmar Text"/>
+        <a:font script="Nkoo" typeface="Ebrima"/>
+        <a:font script="Olck" typeface="Nirmala UI"/>
+        <a:font script="Osma" typeface="Ebrima"/>
+        <a:font script="Phag" typeface="Phagspa"/>
+        <a:font script="Syrn" typeface="Estrangelo Edessa"/>
+        <a:font script="Syrj" typeface="Estrangelo Edessa"/>
+        <a:font script="Syre" typeface="Estrangelo Edessa"/>
+        <a:font script="Sora" typeface="Nirmala UI"/>
+        <a:font script="Tale" typeface="Microsoft Tai Le"/>
+        <a:font script="Talu" typeface="Microsoft New Tai Lue"/>
+        <a:font script="Tfng" typeface="Ebrima"/>
+      </a:majorFont>
+      <a:minorFont>
+        <a:latin typeface="Calibri" panose="020F0502020204030204"/>
+        <a:ea typeface=""/>
+        <a:cs typeface=""/>
+        <a:font script="Jpan" typeface="游ゴシック"/>
+        <a:font script="Hang" typeface="맑은 고딕"/>
+        <a:font script="Hans" typeface="等线"/>
+        <a:font script="Hant" typeface="新細明體"/>
+        <a:font script="Arab" typeface="Arial"/>
+        <a:font script="Hebr" typeface="Arial"/>
+        <a:font script="Thai" typeface="Cordia New"/>
+        <a:font script="Ethi" typeface="Nyala"/>
+        <a:font script="Beng" typeface="Vrinda"/>
+        <a:font script="Gujr" typeface="Shruti"/>
+        <a:font script="Khmr" typeface="DaunPenh"/>
+        <a:font script="Knda" typeface="Tunga"/>
+        <a:font script="Guru" typeface="Raavi"/>
+        <a:font script="Cans" typeface="Euphemia"/>
+        <a:font script="Cher" typeface="Plantagenet Cherokee"/>
+        <a:font script="Yiii" typeface="Microsoft Yi Baiti"/>
+        <a:font script="Tibt" typeface="Microsoft Himalaya"/>
+        <a:font script="Thaa" typeface="MV Boli"/>
+        <a:font script="Deva" typeface="Mangal"/>
+        <a:font script="Telu" typeface="Gautami"/>
+        <a:font script="Taml" typeface="Latha"/>
+        <a:font script="Syrc" typeface="Estrangelo Edessa"/>
+        <a:font script="Orya" typeface="Kalinga"/>
+        <a:font script="Mlym" typeface="Kartika"/>
+        <a:font script="Laoo" typeface="DokChampa"/>
+        <a:font script="Sinh" typeface="Iskoola Pota"/>
+        <a:font script="Mong" typeface="Mongolian Baiti"/>
+        <a:font script="Viet" typeface="Arial"/>
+        <a:font script="Uigh" typeface="Microsoft Uighur"/>
+        <a:font script="Geor" typeface="Sylfaen"/>
+        <a:font script="Armn" typeface="Arial"/>
+        <a:font script="Bugi" typeface="Leelawadee UI"/>
+        <a:font script="Bopo" typeface="Microsoft JhengHei"/>
+        <a:font script="Java" typeface="Javanese Text"/>
+        <a:font script="Lisu" typeface="Segoe UI"/>
+        <a:font script="Mymr" typeface="Myanmar Text"/>
+        <a:font script="Nkoo" typeface="Ebrima"/>
+        <a:font script="Olck" typeface="Nirmala UI"/>
+        <a:font script="Osma" typeface="Ebrima"/>
+        <a:font script="Phag" typeface="Phagspa"/>
+        <a:font script="Syrn" typeface="Estrangelo Edessa"/>
+        <a:font script="Syrj" typeface="Estrangelo Edessa"/>
+        <a:font script="Syre" typeface="Estrangelo Edessa"/>
+        <a:font script="Sora" typeface="Nirmala UI"/>
+        <a:font script="Tale" typeface="Microsoft Tai Le"/>
+        <a:font script="Talu" typeface="Microsoft New Tai Lue"/>
+        <a:font script="Tfng" typeface="Ebrima"/>
+      </a:minorFont>
+    </a:fontScheme>
+    <a:fmtScheme name="Office">
+      <a:fillStyleLst>
+        <a:solidFill>
+          <a:schemeClr val="phClr"/>
+        </a:solidFill>
+        <a:gradFill rotWithShape="1">
+          <a:gsLst>
+            <a:gs pos="0">
+              <a:schemeClr val="phClr">
+                <a:lumMod val="110000"/>
+                <a:satMod val="105000"/>
+                <a:tint val="67000"/>
+              </a:schemeClr>
+            </a:gs>
+            <a:gs pos="50000">
+              <a:schemeClr val="phClr">
+                <a:lumMod val="105000"/>
+                <a:satMod val="103000"/>
+                <a:tint val="73000"/>
+              </a:schemeClr>
+            </a:gs>
+            <a:gs pos="100000">
+              <a:schemeClr val="phClr">
+                <a:lumMod val="105000"/>
+                <a:satMod val="109000"/>
+                <a:tint val="81000"/>
+              </a:schemeClr>
+            </a:gs>
+          </a:gsLst>
+          <a:lin ang="5400000" scaled="0"/>
+        </a:gradFill>
+        <a:gradFill rotWithShape="1">
+          <a:gsLst>
+            <a:gs pos="0">
+              <a:schemeClr val="phClr">
+                <a:satMod val="103000"/>
+                <a:lumMod val="102000"/>
+                <a:tint val="94000"/>
+              </a:schemeClr>
+            </a:gs>
+            <a:gs pos="50000">
+              <a:schemeClr val="phClr">
+                <a:satMod val="110000"/>
+                <a:lumMod val="100000"/>
+                <a:shade val="100000"/>
+              </a:schemeClr>
+            </a:gs>
+            <a:gs pos="100000">
+              <a:schemeClr val="phClr">
+                <a:lumMod val="99000"/>
+                <a:satMod val="120000"/>
+                <a:shade val="78000"/>
+              </a:schemeClr>
+            </a:gs>
+          </a:gsLst>
+          <a:lin ang="5400000" scaled="0"/>
+        </a:gradFill>
+      </a:fillStyleLst>
+      <a:lnStyleLst>
+        <a:ln w="6350" cap="flat" cmpd="sng" algn="ctr">
+          <a:solidFill>
+            <a:schemeClr val="phClr"/>
+          </a:solidFill>
+          <a:prstDash val="solid"/>
+          <a:miter lim="800000"/>
+        </a:ln>
+        <a:ln w="12700" cap="flat" cmpd="sng" algn="ctr">
+          <a:solidFill>
+            <a:schemeClr val="phClr"/>
+          </a:solidFill>
+          <a:prstDash val="solid"/>
+          <a:miter lim="800000"/>
+        </a:ln>
+        <a:ln w="19050" cap="flat" cmpd="sng" algn="ctr">
+          <a:solidFill>
+            <a:schemeClr val="phClr"/>
+          </a:solidFill>
+          <a:prstDash val="solid"/>
+          <a:miter lim="800000"/>
+        </a:ln>
+      </a:lnStyleLst>
+      <a:effectStyleLst>
+        <a:effectStyle>
+          <a:effectLst/>
+        </a:effectStyle>
+        <a:effectStyle>
+          <a:effectLst/>
+        </a:effectStyle>
+        <a:effectStyle>
+          <a:effectLst>
+            <a:outerShdw blurRad="57150" dist="19050" dir="5400000" algn="ctr" rotWithShape="0">
+              <a:srgbClr val="000000">
+                <a:alpha val="63000"/>
+              </a:srgbClr>
+            </a:outerShdw>
+          </a:effectLst>
+        </a:effectStyle>
+      </a:effectStyleLst>
+      <a:bgFillStyleLst>
+        <a:solidFill>
+          <a:schemeClr val="phClr"/>
+        </a:solidFill>
+        <a:solidFill>
+          <a:schemeClr val="phClr">
+            <a:tint val="95000"/>
+            <a:satMod val="170000"/>
+          </a:schemeClr>
+        </a:solidFill>
+        <a:gradFill rotWithShape="1">
+          <a:gsLst>
+            <a:gs pos="0">
+              <a:schemeClr val="phClr">
+                <a:tint val="93000"/>
+                <a:satMod val="150000"/>
+                <a:shade val="98000"/>
+                <a:lumMod val="102000"/>
+              </a:schemeClr>
+            </a:gs>
+            <a:gs pos="50000">
+              <a:schemeClr val="phClr">
+                <a:tint val="98000"/>
+                <a:satMod val="130000"/>
+                <a:shade val="90000"/>
+                <a:lumMod val="103000"/>
+              </a:schemeClr>
+            </a:gs>
+            <a:gs pos="100000">
+              <a:schemeClr val="phClr">
+                <a:shade val="63000"/>
+                <a:satMod val="120000"/>
+              </a:schemeClr>
+            </a:gs>
+          </a:gsLst>
+          <a:lin ang="5400000" scaled="0"/>
+        </a:gradFill>
+      </a:bgFillStyleLst>
+    </a:fmtScheme>
+  </a:themeElements>
+  <a:objectDefaults/>
+  <a:extraClrSchemeLst/>
+  <a:extLst>
+    <a:ext uri="{05A4C25C-085E-4340-85A3-A5531E510DB2}">
+      <thm15:themeFamily xmlns:thm15="http://schemas.microsoft.com/office/thememl/2012/main" name="Office Theme" id="{62F939B6-93AF-4DB8-9C6B-D6C7DFDC589F}" vid="{4A3C46E8-61CC-4603-A589-7422A47A8E4A}"/>
+    </a:ext>
+  </a:extLst>
+</a:theme>
 </file>